--- a/BigDataAnalytics/Mini-Project/Final-everything-docs/Team-3_Mini-Project-Presentation_202CD005.pptx
+++ b/BigDataAnalytics/Mini-Project/Final-everything-docs/Team-3_Mini-Project-Presentation_202CD005.pptx
@@ -3,44 +3,48 @@
 <p:presentation xmlns:a="http://schemas.openxmlformats.org/drawingml/2006/main" xmlns:r="http://schemas.openxmlformats.org/officeDocument/2006/relationships" xmlns:p="http://schemas.openxmlformats.org/presentationml/2006/main" saveSubsetFonts="1">
   <p:sldMasterIdLst>
     <p:sldMasterId id="2147483672" r:id="rId1"/>
+    <p:sldMasterId id="2147483684" r:id="rId2"/>
   </p:sldMasterIdLst>
+  <p:notesMasterIdLst>
+    <p:notesMasterId r:id="rId39"/>
+  </p:notesMasterIdLst>
   <p:sldIdLst>
-    <p:sldId id="266" r:id="rId2"/>
-    <p:sldId id="300" r:id="rId3"/>
-    <p:sldId id="256" r:id="rId4"/>
-    <p:sldId id="267" r:id="rId5"/>
-    <p:sldId id="268" r:id="rId6"/>
-    <p:sldId id="269" r:id="rId7"/>
-    <p:sldId id="270" r:id="rId8"/>
-    <p:sldId id="271" r:id="rId9"/>
-    <p:sldId id="272" r:id="rId10"/>
-    <p:sldId id="273" r:id="rId11"/>
-    <p:sldId id="274" r:id="rId12"/>
-    <p:sldId id="275" r:id="rId13"/>
-    <p:sldId id="276" r:id="rId14"/>
-    <p:sldId id="277" r:id="rId15"/>
-    <p:sldId id="278" r:id="rId16"/>
-    <p:sldId id="279" r:id="rId17"/>
-    <p:sldId id="280" r:id="rId18"/>
-    <p:sldId id="281" r:id="rId19"/>
-    <p:sldId id="282" r:id="rId20"/>
-    <p:sldId id="283" r:id="rId21"/>
-    <p:sldId id="284" r:id="rId22"/>
-    <p:sldId id="285" r:id="rId23"/>
-    <p:sldId id="286" r:id="rId24"/>
-    <p:sldId id="287" r:id="rId25"/>
-    <p:sldId id="289" r:id="rId26"/>
-    <p:sldId id="288" r:id="rId27"/>
-    <p:sldId id="290" r:id="rId28"/>
-    <p:sldId id="291" r:id="rId29"/>
-    <p:sldId id="292" r:id="rId30"/>
-    <p:sldId id="293" r:id="rId31"/>
-    <p:sldId id="294" r:id="rId32"/>
-    <p:sldId id="295" r:id="rId33"/>
-    <p:sldId id="296" r:id="rId34"/>
-    <p:sldId id="297" r:id="rId35"/>
-    <p:sldId id="298" r:id="rId36"/>
-    <p:sldId id="299" r:id="rId37"/>
+    <p:sldId id="266" r:id="rId3"/>
+    <p:sldId id="300" r:id="rId4"/>
+    <p:sldId id="256" r:id="rId5"/>
+    <p:sldId id="267" r:id="rId6"/>
+    <p:sldId id="268" r:id="rId7"/>
+    <p:sldId id="269" r:id="rId8"/>
+    <p:sldId id="270" r:id="rId9"/>
+    <p:sldId id="271" r:id="rId10"/>
+    <p:sldId id="272" r:id="rId11"/>
+    <p:sldId id="273" r:id="rId12"/>
+    <p:sldId id="274" r:id="rId13"/>
+    <p:sldId id="275" r:id="rId14"/>
+    <p:sldId id="276" r:id="rId15"/>
+    <p:sldId id="277" r:id="rId16"/>
+    <p:sldId id="278" r:id="rId17"/>
+    <p:sldId id="279" r:id="rId18"/>
+    <p:sldId id="280" r:id="rId19"/>
+    <p:sldId id="281" r:id="rId20"/>
+    <p:sldId id="282" r:id="rId21"/>
+    <p:sldId id="283" r:id="rId22"/>
+    <p:sldId id="284" r:id="rId23"/>
+    <p:sldId id="285" r:id="rId24"/>
+    <p:sldId id="286" r:id="rId25"/>
+    <p:sldId id="287" r:id="rId26"/>
+    <p:sldId id="289" r:id="rId27"/>
+    <p:sldId id="288" r:id="rId28"/>
+    <p:sldId id="290" r:id="rId29"/>
+    <p:sldId id="291" r:id="rId30"/>
+    <p:sldId id="292" r:id="rId31"/>
+    <p:sldId id="293" r:id="rId32"/>
+    <p:sldId id="294" r:id="rId33"/>
+    <p:sldId id="295" r:id="rId34"/>
+    <p:sldId id="296" r:id="rId35"/>
+    <p:sldId id="297" r:id="rId36"/>
+    <p:sldId id="298" r:id="rId37"/>
+    <p:sldId id="299" r:id="rId38"/>
   </p:sldIdLst>
   <p:sldSz cx="9144000" cy="6858000" type="screen4x3"/>
   <p:notesSz cx="6858000" cy="9144000"/>
@@ -147,6 +151,356 @@
 </p:presentation>
 </file>
 
+<file path=ppt/notesMasters/notesMaster1.xml><?xml version="1.0" encoding="utf-8"?>
+<p:notesMaster xmlns:a="http://schemas.openxmlformats.org/drawingml/2006/main" xmlns:r="http://schemas.openxmlformats.org/officeDocument/2006/relationships" xmlns:p="http://schemas.openxmlformats.org/presentationml/2006/main">
+  <p:cSld>
+    <p:bg>
+      <p:bgRef idx="1001">
+        <a:schemeClr val="bg1"/>
+      </p:bgRef>
+    </p:bg>
+    <p:spTree>
+      <p:nvGrpSpPr>
+        <p:cNvPr id="1" name=""/>
+        <p:cNvGrpSpPr/>
+        <p:nvPr/>
+      </p:nvGrpSpPr>
+      <p:grpSpPr>
+        <a:xfrm>
+          <a:off x="0" y="0"/>
+          <a:ext cx="0" cy="0"/>
+          <a:chOff x="0" y="0"/>
+          <a:chExt cx="0" cy="0"/>
+        </a:xfrm>
+      </p:grpSpPr>
+      <p:sp>
+        <p:nvSpPr>
+          <p:cNvPr id="2" name="Header Placeholder 1"/>
+          <p:cNvSpPr>
+            <a:spLocks noGrp="1"/>
+          </p:cNvSpPr>
+          <p:nvPr>
+            <p:ph type="hdr" sz="quarter"/>
+          </p:nvPr>
+        </p:nvSpPr>
+        <p:spPr>
+          <a:xfrm>
+            <a:off x="0" y="0"/>
+            <a:ext cx="2971800" cy="458788"/>
+          </a:xfrm>
+          <a:prstGeom prst="rect">
+            <a:avLst/>
+          </a:prstGeom>
+        </p:spPr>
+        <p:txBody>
+          <a:bodyPr vert="horz" lIns="91440" tIns="45720" rIns="91440" bIns="45720" rtlCol="0"/>
+          <a:lstStyle>
+            <a:lvl1pPr algn="l">
+              <a:defRPr sz="1200"/>
+            </a:lvl1pPr>
+          </a:lstStyle>
+          <a:p>
+            <a:endParaRPr lang="en-IN"/>
+          </a:p>
+        </p:txBody>
+      </p:sp>
+      <p:sp>
+        <p:nvSpPr>
+          <p:cNvPr id="3" name="Date Placeholder 2"/>
+          <p:cNvSpPr>
+            <a:spLocks noGrp="1"/>
+          </p:cNvSpPr>
+          <p:nvPr>
+            <p:ph type="dt" idx="1"/>
+          </p:nvPr>
+        </p:nvSpPr>
+        <p:spPr>
+          <a:xfrm>
+            <a:off x="3884613" y="0"/>
+            <a:ext cx="2971800" cy="458788"/>
+          </a:xfrm>
+          <a:prstGeom prst="rect">
+            <a:avLst/>
+          </a:prstGeom>
+        </p:spPr>
+        <p:txBody>
+          <a:bodyPr vert="horz" lIns="91440" tIns="45720" rIns="91440" bIns="45720" rtlCol="0"/>
+          <a:lstStyle>
+            <a:lvl1pPr algn="r">
+              <a:defRPr sz="1200"/>
+            </a:lvl1pPr>
+          </a:lstStyle>
+          <a:p>
+            <a:fld id="{BAD85D34-5574-48C5-BDC9-9585AA2FD75D}" type="datetimeFigureOut">
+              <a:rPr lang="en-IN" smtClean="0"/>
+              <a:t>11-05-2021</a:t>
+            </a:fld>
+            <a:endParaRPr lang="en-IN"/>
+          </a:p>
+        </p:txBody>
+      </p:sp>
+      <p:sp>
+        <p:nvSpPr>
+          <p:cNvPr id="4" name="Slide Image Placeholder 3"/>
+          <p:cNvSpPr>
+            <a:spLocks noGrp="1" noRot="1" noChangeAspect="1"/>
+          </p:cNvSpPr>
+          <p:nvPr>
+            <p:ph type="sldImg" idx="2"/>
+          </p:nvPr>
+        </p:nvSpPr>
+        <p:spPr>
+          <a:xfrm>
+            <a:off x="1371600" y="1143000"/>
+            <a:ext cx="4114800" cy="3086100"/>
+          </a:xfrm>
+          <a:prstGeom prst="rect">
+            <a:avLst/>
+          </a:prstGeom>
+          <a:noFill/>
+          <a:ln w="12700">
+            <a:solidFill>
+              <a:prstClr val="black"/>
+            </a:solidFill>
+          </a:ln>
+        </p:spPr>
+        <p:txBody>
+          <a:bodyPr vert="horz" lIns="91440" tIns="45720" rIns="91440" bIns="45720" rtlCol="0" anchor="ctr"/>
+          <a:lstStyle/>
+          <a:p>
+            <a:endParaRPr lang="en-IN"/>
+          </a:p>
+        </p:txBody>
+      </p:sp>
+      <p:sp>
+        <p:nvSpPr>
+          <p:cNvPr id="5" name="Notes Placeholder 4"/>
+          <p:cNvSpPr>
+            <a:spLocks noGrp="1"/>
+          </p:cNvSpPr>
+          <p:nvPr>
+            <p:ph type="body" sz="quarter" idx="3"/>
+          </p:nvPr>
+        </p:nvSpPr>
+        <p:spPr>
+          <a:xfrm>
+            <a:off x="685800" y="4400550"/>
+            <a:ext cx="5486400" cy="3600450"/>
+          </a:xfrm>
+          <a:prstGeom prst="rect">
+            <a:avLst/>
+          </a:prstGeom>
+        </p:spPr>
+        <p:txBody>
+          <a:bodyPr vert="horz" lIns="91440" tIns="45720" rIns="91440" bIns="45720" rtlCol="0"/>
+          <a:lstStyle/>
+          <a:p>
+            <a:pPr lvl="0"/>
+            <a:r>
+              <a:rPr lang="en-US"/>
+              <a:t>Click to edit Master text styles</a:t>
+            </a:r>
+          </a:p>
+          <a:p>
+            <a:pPr lvl="1"/>
+            <a:r>
+              <a:rPr lang="en-US"/>
+              <a:t>Second level</a:t>
+            </a:r>
+          </a:p>
+          <a:p>
+            <a:pPr lvl="2"/>
+            <a:r>
+              <a:rPr lang="en-US"/>
+              <a:t>Third level</a:t>
+            </a:r>
+          </a:p>
+          <a:p>
+            <a:pPr lvl="3"/>
+            <a:r>
+              <a:rPr lang="en-US"/>
+              <a:t>Fourth level</a:t>
+            </a:r>
+          </a:p>
+          <a:p>
+            <a:pPr lvl="4"/>
+            <a:r>
+              <a:rPr lang="en-US"/>
+              <a:t>Fifth level</a:t>
+            </a:r>
+            <a:endParaRPr lang="en-IN"/>
+          </a:p>
+        </p:txBody>
+      </p:sp>
+      <p:sp>
+        <p:nvSpPr>
+          <p:cNvPr id="6" name="Footer Placeholder 5"/>
+          <p:cNvSpPr>
+            <a:spLocks noGrp="1"/>
+          </p:cNvSpPr>
+          <p:nvPr>
+            <p:ph type="ftr" sz="quarter" idx="4"/>
+          </p:nvPr>
+        </p:nvSpPr>
+        <p:spPr>
+          <a:xfrm>
+            <a:off x="0" y="8685213"/>
+            <a:ext cx="2971800" cy="458787"/>
+          </a:xfrm>
+          <a:prstGeom prst="rect">
+            <a:avLst/>
+          </a:prstGeom>
+        </p:spPr>
+        <p:txBody>
+          <a:bodyPr vert="horz" lIns="91440" tIns="45720" rIns="91440" bIns="45720" rtlCol="0" anchor="b"/>
+          <a:lstStyle>
+            <a:lvl1pPr algn="l">
+              <a:defRPr sz="1200"/>
+            </a:lvl1pPr>
+          </a:lstStyle>
+          <a:p>
+            <a:endParaRPr lang="en-IN"/>
+          </a:p>
+        </p:txBody>
+      </p:sp>
+      <p:sp>
+        <p:nvSpPr>
+          <p:cNvPr id="7" name="Slide Number Placeholder 6"/>
+          <p:cNvSpPr>
+            <a:spLocks noGrp="1"/>
+          </p:cNvSpPr>
+          <p:nvPr>
+            <p:ph type="sldNum" sz="quarter" idx="5"/>
+          </p:nvPr>
+        </p:nvSpPr>
+        <p:spPr>
+          <a:xfrm>
+            <a:off x="3884613" y="8685213"/>
+            <a:ext cx="2971800" cy="458787"/>
+          </a:xfrm>
+          <a:prstGeom prst="rect">
+            <a:avLst/>
+          </a:prstGeom>
+        </p:spPr>
+        <p:txBody>
+          <a:bodyPr vert="horz" lIns="91440" tIns="45720" rIns="91440" bIns="45720" rtlCol="0" anchor="b"/>
+          <a:lstStyle>
+            <a:lvl1pPr algn="r">
+              <a:defRPr sz="1200"/>
+            </a:lvl1pPr>
+          </a:lstStyle>
+          <a:p>
+            <a:fld id="{CF06FB0E-82CD-43AB-99B6-60F8C468BAC1}" type="slidenum">
+              <a:rPr lang="en-IN" smtClean="0"/>
+              <a:t>‹#›</a:t>
+            </a:fld>
+            <a:endParaRPr lang="en-IN"/>
+          </a:p>
+        </p:txBody>
+      </p:sp>
+    </p:spTree>
+    <p:extLst>
+      <p:ext uri="{BB962C8B-B14F-4D97-AF65-F5344CB8AC3E}">
+        <p14:creationId xmlns:p14="http://schemas.microsoft.com/office/powerpoint/2010/main" val="2398301835"/>
+      </p:ext>
+    </p:extLst>
+  </p:cSld>
+  <p:clrMap bg1="lt1" tx1="dk1" bg2="lt2" tx2="dk2" accent1="accent1" accent2="accent2" accent3="accent3" accent4="accent4" accent5="accent5" accent6="accent6" hlink="hlink" folHlink="folHlink"/>
+  <p:notesStyle>
+    <a:lvl1pPr marL="0" algn="l" defTabSz="914400" rtl="0" eaLnBrk="1" latinLnBrk="0" hangingPunct="1">
+      <a:defRPr sz="1200" kern="1200">
+        <a:solidFill>
+          <a:schemeClr val="tx1"/>
+        </a:solidFill>
+        <a:latin typeface="+mn-lt"/>
+        <a:ea typeface="+mn-ea"/>
+        <a:cs typeface="+mn-cs"/>
+      </a:defRPr>
+    </a:lvl1pPr>
+    <a:lvl2pPr marL="457200" algn="l" defTabSz="914400" rtl="0" eaLnBrk="1" latinLnBrk="0" hangingPunct="1">
+      <a:defRPr sz="1200" kern="1200">
+        <a:solidFill>
+          <a:schemeClr val="tx1"/>
+        </a:solidFill>
+        <a:latin typeface="+mn-lt"/>
+        <a:ea typeface="+mn-ea"/>
+        <a:cs typeface="+mn-cs"/>
+      </a:defRPr>
+    </a:lvl2pPr>
+    <a:lvl3pPr marL="914400" algn="l" defTabSz="914400" rtl="0" eaLnBrk="1" latinLnBrk="0" hangingPunct="1">
+      <a:defRPr sz="1200" kern="1200">
+        <a:solidFill>
+          <a:schemeClr val="tx1"/>
+        </a:solidFill>
+        <a:latin typeface="+mn-lt"/>
+        <a:ea typeface="+mn-ea"/>
+        <a:cs typeface="+mn-cs"/>
+      </a:defRPr>
+    </a:lvl3pPr>
+    <a:lvl4pPr marL="1371600" algn="l" defTabSz="914400" rtl="0" eaLnBrk="1" latinLnBrk="0" hangingPunct="1">
+      <a:defRPr sz="1200" kern="1200">
+        <a:solidFill>
+          <a:schemeClr val="tx1"/>
+        </a:solidFill>
+        <a:latin typeface="+mn-lt"/>
+        <a:ea typeface="+mn-ea"/>
+        <a:cs typeface="+mn-cs"/>
+      </a:defRPr>
+    </a:lvl4pPr>
+    <a:lvl5pPr marL="1828800" algn="l" defTabSz="914400" rtl="0" eaLnBrk="1" latinLnBrk="0" hangingPunct="1">
+      <a:defRPr sz="1200" kern="1200">
+        <a:solidFill>
+          <a:schemeClr val="tx1"/>
+        </a:solidFill>
+        <a:latin typeface="+mn-lt"/>
+        <a:ea typeface="+mn-ea"/>
+        <a:cs typeface="+mn-cs"/>
+      </a:defRPr>
+    </a:lvl5pPr>
+    <a:lvl6pPr marL="2286000" algn="l" defTabSz="914400" rtl="0" eaLnBrk="1" latinLnBrk="0" hangingPunct="1">
+      <a:defRPr sz="1200" kern="1200">
+        <a:solidFill>
+          <a:schemeClr val="tx1"/>
+        </a:solidFill>
+        <a:latin typeface="+mn-lt"/>
+        <a:ea typeface="+mn-ea"/>
+        <a:cs typeface="+mn-cs"/>
+      </a:defRPr>
+    </a:lvl6pPr>
+    <a:lvl7pPr marL="2743200" algn="l" defTabSz="914400" rtl="0" eaLnBrk="1" latinLnBrk="0" hangingPunct="1">
+      <a:defRPr sz="1200" kern="1200">
+        <a:solidFill>
+          <a:schemeClr val="tx1"/>
+        </a:solidFill>
+        <a:latin typeface="+mn-lt"/>
+        <a:ea typeface="+mn-ea"/>
+        <a:cs typeface="+mn-cs"/>
+      </a:defRPr>
+    </a:lvl7pPr>
+    <a:lvl8pPr marL="3200400" algn="l" defTabSz="914400" rtl="0" eaLnBrk="1" latinLnBrk="0" hangingPunct="1">
+      <a:defRPr sz="1200" kern="1200">
+        <a:solidFill>
+          <a:schemeClr val="tx1"/>
+        </a:solidFill>
+        <a:latin typeface="+mn-lt"/>
+        <a:ea typeface="+mn-ea"/>
+        <a:cs typeface="+mn-cs"/>
+      </a:defRPr>
+    </a:lvl8pPr>
+    <a:lvl9pPr marL="3657600" algn="l" defTabSz="914400" rtl="0" eaLnBrk="1" latinLnBrk="0" hangingPunct="1">
+      <a:defRPr sz="1200" kern="1200">
+        <a:solidFill>
+          <a:schemeClr val="tx1"/>
+        </a:solidFill>
+        <a:latin typeface="+mn-lt"/>
+        <a:ea typeface="+mn-ea"/>
+        <a:cs typeface="+mn-cs"/>
+      </a:defRPr>
+    </a:lvl9pPr>
+  </p:notesStyle>
+</p:notesMaster>
+</file>
+
 <file path=ppt/slideLayouts/slideLayout1.xml><?xml version="1.0" encoding="utf-8"?>
 <p:sldLayout xmlns:a="http://schemas.openxmlformats.org/drawingml/2006/main" xmlns:r="http://schemas.openxmlformats.org/officeDocument/2006/relationships" xmlns:p="http://schemas.openxmlformats.org/presentationml/2006/main" type="title" preserve="1">
   <p:cSld name="Title Slide">
@@ -308,9 +662,9 @@
           <a:bodyPr/>
           <a:lstStyle/>
           <a:p>
-            <a:fld id="{6CCD0C67-079F-43ED-B31E-41CD521D504F}" type="datetimeFigureOut">
+            <a:fld id="{8F781DB8-1552-47B8-8455-A76BD3F03EA1}" type="datetime1">
               <a:rPr lang="en-IN" smtClean="0"/>
-              <a:t>03-05-2021</a:t>
+              <a:t>11-05-2021</a:t>
             </a:fld>
             <a:endParaRPr lang="en-IN"/>
           </a:p>
@@ -478,9 +832,9 @@
           <a:bodyPr/>
           <a:lstStyle/>
           <a:p>
-            <a:fld id="{6CCD0C67-079F-43ED-B31E-41CD521D504F}" type="datetimeFigureOut">
+            <a:fld id="{B0D7CB04-F3AE-4259-9EA5-5E68862F4D48}" type="datetime1">
               <a:rPr lang="en-IN" smtClean="0"/>
-              <a:t>03-05-2021</a:t>
+              <a:t>11-05-2021</a:t>
             </a:fld>
             <a:endParaRPr lang="en-IN"/>
           </a:p>
@@ -658,9 +1012,9 @@
           <a:bodyPr/>
           <a:lstStyle/>
           <a:p>
-            <a:fld id="{6CCD0C67-079F-43ED-B31E-41CD521D504F}" type="datetimeFigureOut">
+            <a:fld id="{922193DB-590C-4826-9499-ECCFCFAAEB5D}" type="datetime1">
               <a:rPr lang="en-IN" smtClean="0"/>
-              <a:t>03-05-2021</a:t>
+              <a:t>11-05-2021</a:t>
             </a:fld>
             <a:endParaRPr lang="en-IN"/>
           </a:p>
@@ -712,6 +1066,1955 @@
     <p:extLst>
       <p:ext uri="{BB962C8B-B14F-4D97-AF65-F5344CB8AC3E}">
         <p14:creationId xmlns:p14="http://schemas.microsoft.com/office/powerpoint/2010/main" val="3699035092"/>
+      </p:ext>
+    </p:extLst>
+  </p:cSld>
+  <p:clrMapOvr>
+    <a:masterClrMapping/>
+  </p:clrMapOvr>
+</p:sldLayout>
+</file>
+
+<file path=ppt/slideLayouts/slideLayout12.xml><?xml version="1.0" encoding="utf-8"?>
+<p:sldLayout xmlns:a="http://schemas.openxmlformats.org/drawingml/2006/main" xmlns:r="http://schemas.openxmlformats.org/officeDocument/2006/relationships" xmlns:p="http://schemas.openxmlformats.org/presentationml/2006/main" type="title" preserve="1">
+  <p:cSld name="Title Slide">
+    <p:spTree>
+      <p:nvGrpSpPr>
+        <p:cNvPr id="1" name=""/>
+        <p:cNvGrpSpPr/>
+        <p:nvPr/>
+      </p:nvGrpSpPr>
+      <p:grpSpPr>
+        <a:xfrm>
+          <a:off x="0" y="0"/>
+          <a:ext cx="0" cy="0"/>
+          <a:chOff x="0" y="0"/>
+          <a:chExt cx="0" cy="0"/>
+        </a:xfrm>
+      </p:grpSpPr>
+      <p:sp>
+        <p:nvSpPr>
+          <p:cNvPr id="2" name="Title 1">
+            <a:extLst>
+              <a:ext uri="{FF2B5EF4-FFF2-40B4-BE49-F238E27FC236}">
+                <a16:creationId xmlns:a16="http://schemas.microsoft.com/office/drawing/2014/main" id="{8BBDC878-6603-4E49-A3EE-D63DC2179781}"/>
+              </a:ext>
+            </a:extLst>
+          </p:cNvPr>
+          <p:cNvSpPr>
+            <a:spLocks noGrp="1"/>
+          </p:cNvSpPr>
+          <p:nvPr>
+            <p:ph type="ctrTitle"/>
+          </p:nvPr>
+        </p:nvSpPr>
+        <p:spPr>
+          <a:xfrm>
+            <a:off x="1143000" y="1122363"/>
+            <a:ext cx="6858000" cy="2387600"/>
+          </a:xfrm>
+        </p:spPr>
+        <p:txBody>
+          <a:bodyPr anchor="b"/>
+          <a:lstStyle>
+            <a:lvl1pPr algn="ctr">
+              <a:defRPr sz="6000"/>
+            </a:lvl1pPr>
+          </a:lstStyle>
+          <a:p>
+            <a:r>
+              <a:rPr lang="en-US"/>
+              <a:t>Click to edit Master title style</a:t>
+            </a:r>
+            <a:endParaRPr lang="en-IN"/>
+          </a:p>
+        </p:txBody>
+      </p:sp>
+      <p:sp>
+        <p:nvSpPr>
+          <p:cNvPr id="3" name="Subtitle 2">
+            <a:extLst>
+              <a:ext uri="{FF2B5EF4-FFF2-40B4-BE49-F238E27FC236}">
+                <a16:creationId xmlns:a16="http://schemas.microsoft.com/office/drawing/2014/main" id="{A41871AC-D762-4374-9EC0-DABB5A7DAB31}"/>
+              </a:ext>
+            </a:extLst>
+          </p:cNvPr>
+          <p:cNvSpPr>
+            <a:spLocks noGrp="1"/>
+          </p:cNvSpPr>
+          <p:nvPr>
+            <p:ph type="subTitle" idx="1"/>
+          </p:nvPr>
+        </p:nvSpPr>
+        <p:spPr>
+          <a:xfrm>
+            <a:off x="1143000" y="3602038"/>
+            <a:ext cx="6858000" cy="1655762"/>
+          </a:xfrm>
+        </p:spPr>
+        <p:txBody>
+          <a:bodyPr/>
+          <a:lstStyle>
+            <a:lvl1pPr marL="0" indent="0" algn="ctr">
+              <a:buNone/>
+              <a:defRPr sz="2400"/>
+            </a:lvl1pPr>
+            <a:lvl2pPr marL="457200" indent="0" algn="ctr">
+              <a:buNone/>
+              <a:defRPr sz="2000"/>
+            </a:lvl2pPr>
+            <a:lvl3pPr marL="914400" indent="0" algn="ctr">
+              <a:buNone/>
+              <a:defRPr sz="1800"/>
+            </a:lvl3pPr>
+            <a:lvl4pPr marL="1371600" indent="0" algn="ctr">
+              <a:buNone/>
+              <a:defRPr sz="1600"/>
+            </a:lvl4pPr>
+            <a:lvl5pPr marL="1828800" indent="0" algn="ctr">
+              <a:buNone/>
+              <a:defRPr sz="1600"/>
+            </a:lvl5pPr>
+            <a:lvl6pPr marL="2286000" indent="0" algn="ctr">
+              <a:buNone/>
+              <a:defRPr sz="1600"/>
+            </a:lvl6pPr>
+            <a:lvl7pPr marL="2743200" indent="0" algn="ctr">
+              <a:buNone/>
+              <a:defRPr sz="1600"/>
+            </a:lvl7pPr>
+            <a:lvl8pPr marL="3200400" indent="0" algn="ctr">
+              <a:buNone/>
+              <a:defRPr sz="1600"/>
+            </a:lvl8pPr>
+            <a:lvl9pPr marL="3657600" indent="0" algn="ctr">
+              <a:buNone/>
+              <a:defRPr sz="1600"/>
+            </a:lvl9pPr>
+          </a:lstStyle>
+          <a:p>
+            <a:r>
+              <a:rPr lang="en-US"/>
+              <a:t>Click to edit Master subtitle style</a:t>
+            </a:r>
+            <a:endParaRPr lang="en-IN"/>
+          </a:p>
+        </p:txBody>
+      </p:sp>
+      <p:sp>
+        <p:nvSpPr>
+          <p:cNvPr id="4" name="Date Placeholder 3">
+            <a:extLst>
+              <a:ext uri="{FF2B5EF4-FFF2-40B4-BE49-F238E27FC236}">
+                <a16:creationId xmlns:a16="http://schemas.microsoft.com/office/drawing/2014/main" id="{34643B66-5D54-4302-9C5B-E2FBB6686661}"/>
+              </a:ext>
+            </a:extLst>
+          </p:cNvPr>
+          <p:cNvSpPr>
+            <a:spLocks noGrp="1"/>
+          </p:cNvSpPr>
+          <p:nvPr>
+            <p:ph type="dt" sz="half" idx="10"/>
+          </p:nvPr>
+        </p:nvSpPr>
+        <p:spPr/>
+        <p:txBody>
+          <a:bodyPr/>
+          <a:lstStyle/>
+          <a:p>
+            <a:fld id="{BA6A677E-A47B-435B-AB5C-D46D7030E2FD}" type="datetime1">
+              <a:rPr lang="en-IN" smtClean="0"/>
+              <a:t>11-05-2021</a:t>
+            </a:fld>
+            <a:endParaRPr lang="en-IN"/>
+          </a:p>
+        </p:txBody>
+      </p:sp>
+      <p:sp>
+        <p:nvSpPr>
+          <p:cNvPr id="5" name="Footer Placeholder 4">
+            <a:extLst>
+              <a:ext uri="{FF2B5EF4-FFF2-40B4-BE49-F238E27FC236}">
+                <a16:creationId xmlns:a16="http://schemas.microsoft.com/office/drawing/2014/main" id="{0FE9BA9A-9CCD-4D69-805C-6F3A8BE7ED95}"/>
+              </a:ext>
+            </a:extLst>
+          </p:cNvPr>
+          <p:cNvSpPr>
+            <a:spLocks noGrp="1"/>
+          </p:cNvSpPr>
+          <p:nvPr>
+            <p:ph type="ftr" sz="quarter" idx="11"/>
+          </p:nvPr>
+        </p:nvSpPr>
+        <p:spPr/>
+        <p:txBody>
+          <a:bodyPr/>
+          <a:lstStyle/>
+          <a:p>
+            <a:endParaRPr lang="en-IN"/>
+          </a:p>
+        </p:txBody>
+      </p:sp>
+      <p:sp>
+        <p:nvSpPr>
+          <p:cNvPr id="6" name="Slide Number Placeholder 5">
+            <a:extLst>
+              <a:ext uri="{FF2B5EF4-FFF2-40B4-BE49-F238E27FC236}">
+                <a16:creationId xmlns:a16="http://schemas.microsoft.com/office/drawing/2014/main" id="{DC662704-331E-45F0-A6AD-F1CF9C99EC4F}"/>
+              </a:ext>
+            </a:extLst>
+          </p:cNvPr>
+          <p:cNvSpPr>
+            <a:spLocks noGrp="1"/>
+          </p:cNvSpPr>
+          <p:nvPr>
+            <p:ph type="sldNum" sz="quarter" idx="12"/>
+          </p:nvPr>
+        </p:nvSpPr>
+        <p:spPr/>
+        <p:txBody>
+          <a:bodyPr/>
+          <a:lstStyle/>
+          <a:p>
+            <a:fld id="{5AD04236-EC6C-4943-82C4-68DAF3E1E217}" type="slidenum">
+              <a:rPr lang="en-IN" smtClean="0"/>
+              <a:t>‹#›</a:t>
+            </a:fld>
+            <a:endParaRPr lang="en-IN"/>
+          </a:p>
+        </p:txBody>
+      </p:sp>
+    </p:spTree>
+    <p:extLst>
+      <p:ext uri="{BB962C8B-B14F-4D97-AF65-F5344CB8AC3E}">
+        <p14:creationId xmlns:p14="http://schemas.microsoft.com/office/powerpoint/2010/main" val="2358735455"/>
+      </p:ext>
+    </p:extLst>
+  </p:cSld>
+  <p:clrMapOvr>
+    <a:masterClrMapping/>
+  </p:clrMapOvr>
+</p:sldLayout>
+</file>
+
+<file path=ppt/slideLayouts/slideLayout13.xml><?xml version="1.0" encoding="utf-8"?>
+<p:sldLayout xmlns:a="http://schemas.openxmlformats.org/drawingml/2006/main" xmlns:r="http://schemas.openxmlformats.org/officeDocument/2006/relationships" xmlns:p="http://schemas.openxmlformats.org/presentationml/2006/main" type="obj" preserve="1">
+  <p:cSld name="Title and Content">
+    <p:spTree>
+      <p:nvGrpSpPr>
+        <p:cNvPr id="1" name=""/>
+        <p:cNvGrpSpPr/>
+        <p:nvPr/>
+      </p:nvGrpSpPr>
+      <p:grpSpPr>
+        <a:xfrm>
+          <a:off x="0" y="0"/>
+          <a:ext cx="0" cy="0"/>
+          <a:chOff x="0" y="0"/>
+          <a:chExt cx="0" cy="0"/>
+        </a:xfrm>
+      </p:grpSpPr>
+      <p:sp>
+        <p:nvSpPr>
+          <p:cNvPr id="2" name="Title 1">
+            <a:extLst>
+              <a:ext uri="{FF2B5EF4-FFF2-40B4-BE49-F238E27FC236}">
+                <a16:creationId xmlns:a16="http://schemas.microsoft.com/office/drawing/2014/main" id="{E4DADBAF-1781-4918-8A0D-84F250A575D4}"/>
+              </a:ext>
+            </a:extLst>
+          </p:cNvPr>
+          <p:cNvSpPr>
+            <a:spLocks noGrp="1"/>
+          </p:cNvSpPr>
+          <p:nvPr>
+            <p:ph type="title"/>
+          </p:nvPr>
+        </p:nvSpPr>
+        <p:spPr/>
+        <p:txBody>
+          <a:bodyPr/>
+          <a:lstStyle/>
+          <a:p>
+            <a:r>
+              <a:rPr lang="en-US"/>
+              <a:t>Click to edit Master title style</a:t>
+            </a:r>
+            <a:endParaRPr lang="en-IN"/>
+          </a:p>
+        </p:txBody>
+      </p:sp>
+      <p:sp>
+        <p:nvSpPr>
+          <p:cNvPr id="3" name="Content Placeholder 2">
+            <a:extLst>
+              <a:ext uri="{FF2B5EF4-FFF2-40B4-BE49-F238E27FC236}">
+                <a16:creationId xmlns:a16="http://schemas.microsoft.com/office/drawing/2014/main" id="{D3658DCA-455E-45A6-9499-ACB090FB6B18}"/>
+              </a:ext>
+            </a:extLst>
+          </p:cNvPr>
+          <p:cNvSpPr>
+            <a:spLocks noGrp="1"/>
+          </p:cNvSpPr>
+          <p:nvPr>
+            <p:ph idx="1"/>
+          </p:nvPr>
+        </p:nvSpPr>
+        <p:spPr/>
+        <p:txBody>
+          <a:bodyPr/>
+          <a:lstStyle/>
+          <a:p>
+            <a:pPr lvl="0"/>
+            <a:r>
+              <a:rPr lang="en-US"/>
+              <a:t>Click to edit Master text styles</a:t>
+            </a:r>
+          </a:p>
+          <a:p>
+            <a:pPr lvl="1"/>
+            <a:r>
+              <a:rPr lang="en-US"/>
+              <a:t>Second level</a:t>
+            </a:r>
+          </a:p>
+          <a:p>
+            <a:pPr lvl="2"/>
+            <a:r>
+              <a:rPr lang="en-US"/>
+              <a:t>Third level</a:t>
+            </a:r>
+          </a:p>
+          <a:p>
+            <a:pPr lvl="3"/>
+            <a:r>
+              <a:rPr lang="en-US"/>
+              <a:t>Fourth level</a:t>
+            </a:r>
+          </a:p>
+          <a:p>
+            <a:pPr lvl="4"/>
+            <a:r>
+              <a:rPr lang="en-US"/>
+              <a:t>Fifth level</a:t>
+            </a:r>
+            <a:endParaRPr lang="en-IN"/>
+          </a:p>
+        </p:txBody>
+      </p:sp>
+      <p:sp>
+        <p:nvSpPr>
+          <p:cNvPr id="4" name="Date Placeholder 3">
+            <a:extLst>
+              <a:ext uri="{FF2B5EF4-FFF2-40B4-BE49-F238E27FC236}">
+                <a16:creationId xmlns:a16="http://schemas.microsoft.com/office/drawing/2014/main" id="{62809810-5901-42B3-9430-109EAC527FF8}"/>
+              </a:ext>
+            </a:extLst>
+          </p:cNvPr>
+          <p:cNvSpPr>
+            <a:spLocks noGrp="1"/>
+          </p:cNvSpPr>
+          <p:nvPr>
+            <p:ph type="dt" sz="half" idx="10"/>
+          </p:nvPr>
+        </p:nvSpPr>
+        <p:spPr/>
+        <p:txBody>
+          <a:bodyPr/>
+          <a:lstStyle/>
+          <a:p>
+            <a:fld id="{210F9E62-D17F-47CF-9E98-6ECCE342ADA9}" type="datetime1">
+              <a:rPr lang="en-IN" smtClean="0"/>
+              <a:t>11-05-2021</a:t>
+            </a:fld>
+            <a:endParaRPr lang="en-IN"/>
+          </a:p>
+        </p:txBody>
+      </p:sp>
+      <p:sp>
+        <p:nvSpPr>
+          <p:cNvPr id="5" name="Footer Placeholder 4">
+            <a:extLst>
+              <a:ext uri="{FF2B5EF4-FFF2-40B4-BE49-F238E27FC236}">
+                <a16:creationId xmlns:a16="http://schemas.microsoft.com/office/drawing/2014/main" id="{5FA0D060-3749-4BAB-9880-7CEAA869FD4B}"/>
+              </a:ext>
+            </a:extLst>
+          </p:cNvPr>
+          <p:cNvSpPr>
+            <a:spLocks noGrp="1"/>
+          </p:cNvSpPr>
+          <p:nvPr>
+            <p:ph type="ftr" sz="quarter" idx="11"/>
+          </p:nvPr>
+        </p:nvSpPr>
+        <p:spPr/>
+        <p:txBody>
+          <a:bodyPr/>
+          <a:lstStyle/>
+          <a:p>
+            <a:endParaRPr lang="en-IN"/>
+          </a:p>
+        </p:txBody>
+      </p:sp>
+      <p:sp>
+        <p:nvSpPr>
+          <p:cNvPr id="6" name="Slide Number Placeholder 5">
+            <a:extLst>
+              <a:ext uri="{FF2B5EF4-FFF2-40B4-BE49-F238E27FC236}">
+                <a16:creationId xmlns:a16="http://schemas.microsoft.com/office/drawing/2014/main" id="{DA8CCFE7-C1F6-4BB2-94D6-9DE02787BFBE}"/>
+              </a:ext>
+            </a:extLst>
+          </p:cNvPr>
+          <p:cNvSpPr>
+            <a:spLocks noGrp="1"/>
+          </p:cNvSpPr>
+          <p:nvPr>
+            <p:ph type="sldNum" sz="quarter" idx="12"/>
+          </p:nvPr>
+        </p:nvSpPr>
+        <p:spPr/>
+        <p:txBody>
+          <a:bodyPr/>
+          <a:lstStyle/>
+          <a:p>
+            <a:fld id="{5AD04236-EC6C-4943-82C4-68DAF3E1E217}" type="slidenum">
+              <a:rPr lang="en-IN" smtClean="0"/>
+              <a:t>‹#›</a:t>
+            </a:fld>
+            <a:endParaRPr lang="en-IN"/>
+          </a:p>
+        </p:txBody>
+      </p:sp>
+    </p:spTree>
+    <p:extLst>
+      <p:ext uri="{BB962C8B-B14F-4D97-AF65-F5344CB8AC3E}">
+        <p14:creationId xmlns:p14="http://schemas.microsoft.com/office/powerpoint/2010/main" val="1952885410"/>
+      </p:ext>
+    </p:extLst>
+  </p:cSld>
+  <p:clrMapOvr>
+    <a:masterClrMapping/>
+  </p:clrMapOvr>
+</p:sldLayout>
+</file>
+
+<file path=ppt/slideLayouts/slideLayout14.xml><?xml version="1.0" encoding="utf-8"?>
+<p:sldLayout xmlns:a="http://schemas.openxmlformats.org/drawingml/2006/main" xmlns:r="http://schemas.openxmlformats.org/officeDocument/2006/relationships" xmlns:p="http://schemas.openxmlformats.org/presentationml/2006/main" type="secHead" preserve="1">
+  <p:cSld name="Section Header">
+    <p:spTree>
+      <p:nvGrpSpPr>
+        <p:cNvPr id="1" name=""/>
+        <p:cNvGrpSpPr/>
+        <p:nvPr/>
+      </p:nvGrpSpPr>
+      <p:grpSpPr>
+        <a:xfrm>
+          <a:off x="0" y="0"/>
+          <a:ext cx="0" cy="0"/>
+          <a:chOff x="0" y="0"/>
+          <a:chExt cx="0" cy="0"/>
+        </a:xfrm>
+      </p:grpSpPr>
+      <p:sp>
+        <p:nvSpPr>
+          <p:cNvPr id="2" name="Title 1">
+            <a:extLst>
+              <a:ext uri="{FF2B5EF4-FFF2-40B4-BE49-F238E27FC236}">
+                <a16:creationId xmlns:a16="http://schemas.microsoft.com/office/drawing/2014/main" id="{1EDBACEE-2252-480F-8F00-4134A5E7275A}"/>
+              </a:ext>
+            </a:extLst>
+          </p:cNvPr>
+          <p:cNvSpPr>
+            <a:spLocks noGrp="1"/>
+          </p:cNvSpPr>
+          <p:nvPr>
+            <p:ph type="title"/>
+          </p:nvPr>
+        </p:nvSpPr>
+        <p:spPr>
+          <a:xfrm>
+            <a:off x="623888" y="1709738"/>
+            <a:ext cx="7886700" cy="2852737"/>
+          </a:xfrm>
+        </p:spPr>
+        <p:txBody>
+          <a:bodyPr anchor="b"/>
+          <a:lstStyle>
+            <a:lvl1pPr>
+              <a:defRPr sz="6000"/>
+            </a:lvl1pPr>
+          </a:lstStyle>
+          <a:p>
+            <a:r>
+              <a:rPr lang="en-US"/>
+              <a:t>Click to edit Master title style</a:t>
+            </a:r>
+            <a:endParaRPr lang="en-IN"/>
+          </a:p>
+        </p:txBody>
+      </p:sp>
+      <p:sp>
+        <p:nvSpPr>
+          <p:cNvPr id="3" name="Text Placeholder 2">
+            <a:extLst>
+              <a:ext uri="{FF2B5EF4-FFF2-40B4-BE49-F238E27FC236}">
+                <a16:creationId xmlns:a16="http://schemas.microsoft.com/office/drawing/2014/main" id="{E94F206A-23F4-4635-9A6D-78D749E29685}"/>
+              </a:ext>
+            </a:extLst>
+          </p:cNvPr>
+          <p:cNvSpPr>
+            <a:spLocks noGrp="1"/>
+          </p:cNvSpPr>
+          <p:nvPr>
+            <p:ph type="body" idx="1"/>
+          </p:nvPr>
+        </p:nvSpPr>
+        <p:spPr>
+          <a:xfrm>
+            <a:off x="623888" y="4589463"/>
+            <a:ext cx="7886700" cy="1500187"/>
+          </a:xfrm>
+        </p:spPr>
+        <p:txBody>
+          <a:bodyPr/>
+          <a:lstStyle>
+            <a:lvl1pPr marL="0" indent="0">
+              <a:buNone/>
+              <a:defRPr sz="2400">
+                <a:solidFill>
+                  <a:schemeClr val="tx1">
+                    <a:tint val="75000"/>
+                  </a:schemeClr>
+                </a:solidFill>
+              </a:defRPr>
+            </a:lvl1pPr>
+            <a:lvl2pPr marL="457200" indent="0">
+              <a:buNone/>
+              <a:defRPr sz="2000">
+                <a:solidFill>
+                  <a:schemeClr val="tx1">
+                    <a:tint val="75000"/>
+                  </a:schemeClr>
+                </a:solidFill>
+              </a:defRPr>
+            </a:lvl2pPr>
+            <a:lvl3pPr marL="914400" indent="0">
+              <a:buNone/>
+              <a:defRPr sz="1800">
+                <a:solidFill>
+                  <a:schemeClr val="tx1">
+                    <a:tint val="75000"/>
+                  </a:schemeClr>
+                </a:solidFill>
+              </a:defRPr>
+            </a:lvl3pPr>
+            <a:lvl4pPr marL="1371600" indent="0">
+              <a:buNone/>
+              <a:defRPr sz="1600">
+                <a:solidFill>
+                  <a:schemeClr val="tx1">
+                    <a:tint val="75000"/>
+                  </a:schemeClr>
+                </a:solidFill>
+              </a:defRPr>
+            </a:lvl4pPr>
+            <a:lvl5pPr marL="1828800" indent="0">
+              <a:buNone/>
+              <a:defRPr sz="1600">
+                <a:solidFill>
+                  <a:schemeClr val="tx1">
+                    <a:tint val="75000"/>
+                  </a:schemeClr>
+                </a:solidFill>
+              </a:defRPr>
+            </a:lvl5pPr>
+            <a:lvl6pPr marL="2286000" indent="0">
+              <a:buNone/>
+              <a:defRPr sz="1600">
+                <a:solidFill>
+                  <a:schemeClr val="tx1">
+                    <a:tint val="75000"/>
+                  </a:schemeClr>
+                </a:solidFill>
+              </a:defRPr>
+            </a:lvl6pPr>
+            <a:lvl7pPr marL="2743200" indent="0">
+              <a:buNone/>
+              <a:defRPr sz="1600">
+                <a:solidFill>
+                  <a:schemeClr val="tx1">
+                    <a:tint val="75000"/>
+                  </a:schemeClr>
+                </a:solidFill>
+              </a:defRPr>
+            </a:lvl7pPr>
+            <a:lvl8pPr marL="3200400" indent="0">
+              <a:buNone/>
+              <a:defRPr sz="1600">
+                <a:solidFill>
+                  <a:schemeClr val="tx1">
+                    <a:tint val="75000"/>
+                  </a:schemeClr>
+                </a:solidFill>
+              </a:defRPr>
+            </a:lvl8pPr>
+            <a:lvl9pPr marL="3657600" indent="0">
+              <a:buNone/>
+              <a:defRPr sz="1600">
+                <a:solidFill>
+                  <a:schemeClr val="tx1">
+                    <a:tint val="75000"/>
+                  </a:schemeClr>
+                </a:solidFill>
+              </a:defRPr>
+            </a:lvl9pPr>
+          </a:lstStyle>
+          <a:p>
+            <a:pPr lvl="0"/>
+            <a:r>
+              <a:rPr lang="en-US"/>
+              <a:t>Click to edit Master text styles</a:t>
+            </a:r>
+          </a:p>
+        </p:txBody>
+      </p:sp>
+      <p:sp>
+        <p:nvSpPr>
+          <p:cNvPr id="4" name="Date Placeholder 3">
+            <a:extLst>
+              <a:ext uri="{FF2B5EF4-FFF2-40B4-BE49-F238E27FC236}">
+                <a16:creationId xmlns:a16="http://schemas.microsoft.com/office/drawing/2014/main" id="{94318347-457F-4004-BC56-0D0B781A2048}"/>
+              </a:ext>
+            </a:extLst>
+          </p:cNvPr>
+          <p:cNvSpPr>
+            <a:spLocks noGrp="1"/>
+          </p:cNvSpPr>
+          <p:nvPr>
+            <p:ph type="dt" sz="half" idx="10"/>
+          </p:nvPr>
+        </p:nvSpPr>
+        <p:spPr/>
+        <p:txBody>
+          <a:bodyPr/>
+          <a:lstStyle/>
+          <a:p>
+            <a:fld id="{A7F1E1B0-8811-4D05-9E11-9838C037B3CE}" type="datetime1">
+              <a:rPr lang="en-IN" smtClean="0"/>
+              <a:t>11-05-2021</a:t>
+            </a:fld>
+            <a:endParaRPr lang="en-IN"/>
+          </a:p>
+        </p:txBody>
+      </p:sp>
+      <p:sp>
+        <p:nvSpPr>
+          <p:cNvPr id="5" name="Footer Placeholder 4">
+            <a:extLst>
+              <a:ext uri="{FF2B5EF4-FFF2-40B4-BE49-F238E27FC236}">
+                <a16:creationId xmlns:a16="http://schemas.microsoft.com/office/drawing/2014/main" id="{57A03C89-33B9-4110-9909-4D87FDB99B4B}"/>
+              </a:ext>
+            </a:extLst>
+          </p:cNvPr>
+          <p:cNvSpPr>
+            <a:spLocks noGrp="1"/>
+          </p:cNvSpPr>
+          <p:nvPr>
+            <p:ph type="ftr" sz="quarter" idx="11"/>
+          </p:nvPr>
+        </p:nvSpPr>
+        <p:spPr/>
+        <p:txBody>
+          <a:bodyPr/>
+          <a:lstStyle/>
+          <a:p>
+            <a:endParaRPr lang="en-IN"/>
+          </a:p>
+        </p:txBody>
+      </p:sp>
+      <p:sp>
+        <p:nvSpPr>
+          <p:cNvPr id="6" name="Slide Number Placeholder 5">
+            <a:extLst>
+              <a:ext uri="{FF2B5EF4-FFF2-40B4-BE49-F238E27FC236}">
+                <a16:creationId xmlns:a16="http://schemas.microsoft.com/office/drawing/2014/main" id="{F3C31A12-C56E-48F8-BBB5-7D36A71514A1}"/>
+              </a:ext>
+            </a:extLst>
+          </p:cNvPr>
+          <p:cNvSpPr>
+            <a:spLocks noGrp="1"/>
+          </p:cNvSpPr>
+          <p:nvPr>
+            <p:ph type="sldNum" sz="quarter" idx="12"/>
+          </p:nvPr>
+        </p:nvSpPr>
+        <p:spPr/>
+        <p:txBody>
+          <a:bodyPr/>
+          <a:lstStyle/>
+          <a:p>
+            <a:fld id="{5AD04236-EC6C-4943-82C4-68DAF3E1E217}" type="slidenum">
+              <a:rPr lang="en-IN" smtClean="0"/>
+              <a:t>‹#›</a:t>
+            </a:fld>
+            <a:endParaRPr lang="en-IN"/>
+          </a:p>
+        </p:txBody>
+      </p:sp>
+    </p:spTree>
+    <p:extLst>
+      <p:ext uri="{BB962C8B-B14F-4D97-AF65-F5344CB8AC3E}">
+        <p14:creationId xmlns:p14="http://schemas.microsoft.com/office/powerpoint/2010/main" val="3812540391"/>
+      </p:ext>
+    </p:extLst>
+  </p:cSld>
+  <p:clrMapOvr>
+    <a:masterClrMapping/>
+  </p:clrMapOvr>
+</p:sldLayout>
+</file>
+
+<file path=ppt/slideLayouts/slideLayout15.xml><?xml version="1.0" encoding="utf-8"?>
+<p:sldLayout xmlns:a="http://schemas.openxmlformats.org/drawingml/2006/main" xmlns:r="http://schemas.openxmlformats.org/officeDocument/2006/relationships" xmlns:p="http://schemas.openxmlformats.org/presentationml/2006/main" type="twoObj" preserve="1">
+  <p:cSld name="Two Content">
+    <p:spTree>
+      <p:nvGrpSpPr>
+        <p:cNvPr id="1" name=""/>
+        <p:cNvGrpSpPr/>
+        <p:nvPr/>
+      </p:nvGrpSpPr>
+      <p:grpSpPr>
+        <a:xfrm>
+          <a:off x="0" y="0"/>
+          <a:ext cx="0" cy="0"/>
+          <a:chOff x="0" y="0"/>
+          <a:chExt cx="0" cy="0"/>
+        </a:xfrm>
+      </p:grpSpPr>
+      <p:sp>
+        <p:nvSpPr>
+          <p:cNvPr id="2" name="Title 1">
+            <a:extLst>
+              <a:ext uri="{FF2B5EF4-FFF2-40B4-BE49-F238E27FC236}">
+                <a16:creationId xmlns:a16="http://schemas.microsoft.com/office/drawing/2014/main" id="{4D672CF1-B42C-420F-9EFC-A108F2A7F3E7}"/>
+              </a:ext>
+            </a:extLst>
+          </p:cNvPr>
+          <p:cNvSpPr>
+            <a:spLocks noGrp="1"/>
+          </p:cNvSpPr>
+          <p:nvPr>
+            <p:ph type="title"/>
+          </p:nvPr>
+        </p:nvSpPr>
+        <p:spPr/>
+        <p:txBody>
+          <a:bodyPr/>
+          <a:lstStyle/>
+          <a:p>
+            <a:r>
+              <a:rPr lang="en-US"/>
+              <a:t>Click to edit Master title style</a:t>
+            </a:r>
+            <a:endParaRPr lang="en-IN"/>
+          </a:p>
+        </p:txBody>
+      </p:sp>
+      <p:sp>
+        <p:nvSpPr>
+          <p:cNvPr id="3" name="Content Placeholder 2">
+            <a:extLst>
+              <a:ext uri="{FF2B5EF4-FFF2-40B4-BE49-F238E27FC236}">
+                <a16:creationId xmlns:a16="http://schemas.microsoft.com/office/drawing/2014/main" id="{E922197B-EB82-4E49-A6E5-D070625D83CA}"/>
+              </a:ext>
+            </a:extLst>
+          </p:cNvPr>
+          <p:cNvSpPr>
+            <a:spLocks noGrp="1"/>
+          </p:cNvSpPr>
+          <p:nvPr>
+            <p:ph sz="half" idx="1"/>
+          </p:nvPr>
+        </p:nvSpPr>
+        <p:spPr>
+          <a:xfrm>
+            <a:off x="628650" y="1825625"/>
+            <a:ext cx="3867150" cy="4351338"/>
+          </a:xfrm>
+        </p:spPr>
+        <p:txBody>
+          <a:bodyPr/>
+          <a:lstStyle/>
+          <a:p>
+            <a:pPr lvl="0"/>
+            <a:r>
+              <a:rPr lang="en-US"/>
+              <a:t>Click to edit Master text styles</a:t>
+            </a:r>
+          </a:p>
+          <a:p>
+            <a:pPr lvl="1"/>
+            <a:r>
+              <a:rPr lang="en-US"/>
+              <a:t>Second level</a:t>
+            </a:r>
+          </a:p>
+          <a:p>
+            <a:pPr lvl="2"/>
+            <a:r>
+              <a:rPr lang="en-US"/>
+              <a:t>Third level</a:t>
+            </a:r>
+          </a:p>
+          <a:p>
+            <a:pPr lvl="3"/>
+            <a:r>
+              <a:rPr lang="en-US"/>
+              <a:t>Fourth level</a:t>
+            </a:r>
+          </a:p>
+          <a:p>
+            <a:pPr lvl="4"/>
+            <a:r>
+              <a:rPr lang="en-US"/>
+              <a:t>Fifth level</a:t>
+            </a:r>
+            <a:endParaRPr lang="en-IN"/>
+          </a:p>
+        </p:txBody>
+      </p:sp>
+      <p:sp>
+        <p:nvSpPr>
+          <p:cNvPr id="4" name="Content Placeholder 3">
+            <a:extLst>
+              <a:ext uri="{FF2B5EF4-FFF2-40B4-BE49-F238E27FC236}">
+                <a16:creationId xmlns:a16="http://schemas.microsoft.com/office/drawing/2014/main" id="{F99557E3-3A56-4329-857F-AA805DB93EF7}"/>
+              </a:ext>
+            </a:extLst>
+          </p:cNvPr>
+          <p:cNvSpPr>
+            <a:spLocks noGrp="1"/>
+          </p:cNvSpPr>
+          <p:nvPr>
+            <p:ph sz="half" idx="2"/>
+          </p:nvPr>
+        </p:nvSpPr>
+        <p:spPr>
+          <a:xfrm>
+            <a:off x="4648200" y="1825625"/>
+            <a:ext cx="3867150" cy="4351338"/>
+          </a:xfrm>
+        </p:spPr>
+        <p:txBody>
+          <a:bodyPr/>
+          <a:lstStyle/>
+          <a:p>
+            <a:pPr lvl="0"/>
+            <a:r>
+              <a:rPr lang="en-US"/>
+              <a:t>Click to edit Master text styles</a:t>
+            </a:r>
+          </a:p>
+          <a:p>
+            <a:pPr lvl="1"/>
+            <a:r>
+              <a:rPr lang="en-US"/>
+              <a:t>Second level</a:t>
+            </a:r>
+          </a:p>
+          <a:p>
+            <a:pPr lvl="2"/>
+            <a:r>
+              <a:rPr lang="en-US"/>
+              <a:t>Third level</a:t>
+            </a:r>
+          </a:p>
+          <a:p>
+            <a:pPr lvl="3"/>
+            <a:r>
+              <a:rPr lang="en-US"/>
+              <a:t>Fourth level</a:t>
+            </a:r>
+          </a:p>
+          <a:p>
+            <a:pPr lvl="4"/>
+            <a:r>
+              <a:rPr lang="en-US"/>
+              <a:t>Fifth level</a:t>
+            </a:r>
+            <a:endParaRPr lang="en-IN"/>
+          </a:p>
+        </p:txBody>
+      </p:sp>
+      <p:sp>
+        <p:nvSpPr>
+          <p:cNvPr id="5" name="Date Placeholder 4">
+            <a:extLst>
+              <a:ext uri="{FF2B5EF4-FFF2-40B4-BE49-F238E27FC236}">
+                <a16:creationId xmlns:a16="http://schemas.microsoft.com/office/drawing/2014/main" id="{D2CEC7D4-D988-43D7-962F-85A9887F70CA}"/>
+              </a:ext>
+            </a:extLst>
+          </p:cNvPr>
+          <p:cNvSpPr>
+            <a:spLocks noGrp="1"/>
+          </p:cNvSpPr>
+          <p:nvPr>
+            <p:ph type="dt" sz="half" idx="10"/>
+          </p:nvPr>
+        </p:nvSpPr>
+        <p:spPr/>
+        <p:txBody>
+          <a:bodyPr/>
+          <a:lstStyle/>
+          <a:p>
+            <a:fld id="{B0A57018-839E-41D4-8ED6-753F52585BDD}" type="datetime1">
+              <a:rPr lang="en-IN" smtClean="0"/>
+              <a:t>11-05-2021</a:t>
+            </a:fld>
+            <a:endParaRPr lang="en-IN"/>
+          </a:p>
+        </p:txBody>
+      </p:sp>
+      <p:sp>
+        <p:nvSpPr>
+          <p:cNvPr id="6" name="Footer Placeholder 5">
+            <a:extLst>
+              <a:ext uri="{FF2B5EF4-FFF2-40B4-BE49-F238E27FC236}">
+                <a16:creationId xmlns:a16="http://schemas.microsoft.com/office/drawing/2014/main" id="{194F8464-89EF-4841-A84F-5E8DCF9DEF00}"/>
+              </a:ext>
+            </a:extLst>
+          </p:cNvPr>
+          <p:cNvSpPr>
+            <a:spLocks noGrp="1"/>
+          </p:cNvSpPr>
+          <p:nvPr>
+            <p:ph type="ftr" sz="quarter" idx="11"/>
+          </p:nvPr>
+        </p:nvSpPr>
+        <p:spPr/>
+        <p:txBody>
+          <a:bodyPr/>
+          <a:lstStyle/>
+          <a:p>
+            <a:endParaRPr lang="en-IN"/>
+          </a:p>
+        </p:txBody>
+      </p:sp>
+      <p:sp>
+        <p:nvSpPr>
+          <p:cNvPr id="7" name="Slide Number Placeholder 6">
+            <a:extLst>
+              <a:ext uri="{FF2B5EF4-FFF2-40B4-BE49-F238E27FC236}">
+                <a16:creationId xmlns:a16="http://schemas.microsoft.com/office/drawing/2014/main" id="{3E1D8310-A2E9-4ED1-A913-E341C71B6461}"/>
+              </a:ext>
+            </a:extLst>
+          </p:cNvPr>
+          <p:cNvSpPr>
+            <a:spLocks noGrp="1"/>
+          </p:cNvSpPr>
+          <p:nvPr>
+            <p:ph type="sldNum" sz="quarter" idx="12"/>
+          </p:nvPr>
+        </p:nvSpPr>
+        <p:spPr/>
+        <p:txBody>
+          <a:bodyPr/>
+          <a:lstStyle/>
+          <a:p>
+            <a:fld id="{5AD04236-EC6C-4943-82C4-68DAF3E1E217}" type="slidenum">
+              <a:rPr lang="en-IN" smtClean="0"/>
+              <a:t>‹#›</a:t>
+            </a:fld>
+            <a:endParaRPr lang="en-IN"/>
+          </a:p>
+        </p:txBody>
+      </p:sp>
+    </p:spTree>
+    <p:extLst>
+      <p:ext uri="{BB962C8B-B14F-4D97-AF65-F5344CB8AC3E}">
+        <p14:creationId xmlns:p14="http://schemas.microsoft.com/office/powerpoint/2010/main" val="1884605066"/>
+      </p:ext>
+    </p:extLst>
+  </p:cSld>
+  <p:clrMapOvr>
+    <a:masterClrMapping/>
+  </p:clrMapOvr>
+</p:sldLayout>
+</file>
+
+<file path=ppt/slideLayouts/slideLayout16.xml><?xml version="1.0" encoding="utf-8"?>
+<p:sldLayout xmlns:a="http://schemas.openxmlformats.org/drawingml/2006/main" xmlns:r="http://schemas.openxmlformats.org/officeDocument/2006/relationships" xmlns:p="http://schemas.openxmlformats.org/presentationml/2006/main" type="twoTxTwoObj" preserve="1">
+  <p:cSld name="Comparison">
+    <p:spTree>
+      <p:nvGrpSpPr>
+        <p:cNvPr id="1" name=""/>
+        <p:cNvGrpSpPr/>
+        <p:nvPr/>
+      </p:nvGrpSpPr>
+      <p:grpSpPr>
+        <a:xfrm>
+          <a:off x="0" y="0"/>
+          <a:ext cx="0" cy="0"/>
+          <a:chOff x="0" y="0"/>
+          <a:chExt cx="0" cy="0"/>
+        </a:xfrm>
+      </p:grpSpPr>
+      <p:sp>
+        <p:nvSpPr>
+          <p:cNvPr id="2" name="Title 1">
+            <a:extLst>
+              <a:ext uri="{FF2B5EF4-FFF2-40B4-BE49-F238E27FC236}">
+                <a16:creationId xmlns:a16="http://schemas.microsoft.com/office/drawing/2014/main" id="{E02A1EFC-ECEB-48B6-BB86-2F7404565E18}"/>
+              </a:ext>
+            </a:extLst>
+          </p:cNvPr>
+          <p:cNvSpPr>
+            <a:spLocks noGrp="1"/>
+          </p:cNvSpPr>
+          <p:nvPr>
+            <p:ph type="title"/>
+          </p:nvPr>
+        </p:nvSpPr>
+        <p:spPr>
+          <a:xfrm>
+            <a:off x="630238" y="365125"/>
+            <a:ext cx="7886700" cy="1325563"/>
+          </a:xfrm>
+        </p:spPr>
+        <p:txBody>
+          <a:bodyPr/>
+          <a:lstStyle/>
+          <a:p>
+            <a:r>
+              <a:rPr lang="en-US"/>
+              <a:t>Click to edit Master title style</a:t>
+            </a:r>
+            <a:endParaRPr lang="en-IN"/>
+          </a:p>
+        </p:txBody>
+      </p:sp>
+      <p:sp>
+        <p:nvSpPr>
+          <p:cNvPr id="3" name="Text Placeholder 2">
+            <a:extLst>
+              <a:ext uri="{FF2B5EF4-FFF2-40B4-BE49-F238E27FC236}">
+                <a16:creationId xmlns:a16="http://schemas.microsoft.com/office/drawing/2014/main" id="{918D5753-65A0-44D2-8C42-708CA25F28C6}"/>
+              </a:ext>
+            </a:extLst>
+          </p:cNvPr>
+          <p:cNvSpPr>
+            <a:spLocks noGrp="1"/>
+          </p:cNvSpPr>
+          <p:nvPr>
+            <p:ph type="body" idx="1"/>
+          </p:nvPr>
+        </p:nvSpPr>
+        <p:spPr>
+          <a:xfrm>
+            <a:off x="630238" y="1681163"/>
+            <a:ext cx="3868737" cy="823912"/>
+          </a:xfrm>
+        </p:spPr>
+        <p:txBody>
+          <a:bodyPr anchor="b"/>
+          <a:lstStyle>
+            <a:lvl1pPr marL="0" indent="0">
+              <a:buNone/>
+              <a:defRPr sz="2400" b="1"/>
+            </a:lvl1pPr>
+            <a:lvl2pPr marL="457200" indent="0">
+              <a:buNone/>
+              <a:defRPr sz="2000" b="1"/>
+            </a:lvl2pPr>
+            <a:lvl3pPr marL="914400" indent="0">
+              <a:buNone/>
+              <a:defRPr sz="1800" b="1"/>
+            </a:lvl3pPr>
+            <a:lvl4pPr marL="1371600" indent="0">
+              <a:buNone/>
+              <a:defRPr sz="1600" b="1"/>
+            </a:lvl4pPr>
+            <a:lvl5pPr marL="1828800" indent="0">
+              <a:buNone/>
+              <a:defRPr sz="1600" b="1"/>
+            </a:lvl5pPr>
+            <a:lvl6pPr marL="2286000" indent="0">
+              <a:buNone/>
+              <a:defRPr sz="1600" b="1"/>
+            </a:lvl6pPr>
+            <a:lvl7pPr marL="2743200" indent="0">
+              <a:buNone/>
+              <a:defRPr sz="1600" b="1"/>
+            </a:lvl7pPr>
+            <a:lvl8pPr marL="3200400" indent="0">
+              <a:buNone/>
+              <a:defRPr sz="1600" b="1"/>
+            </a:lvl8pPr>
+            <a:lvl9pPr marL="3657600" indent="0">
+              <a:buNone/>
+              <a:defRPr sz="1600" b="1"/>
+            </a:lvl9pPr>
+          </a:lstStyle>
+          <a:p>
+            <a:pPr lvl="0"/>
+            <a:r>
+              <a:rPr lang="en-US"/>
+              <a:t>Click to edit Master text styles</a:t>
+            </a:r>
+          </a:p>
+        </p:txBody>
+      </p:sp>
+      <p:sp>
+        <p:nvSpPr>
+          <p:cNvPr id="4" name="Content Placeholder 3">
+            <a:extLst>
+              <a:ext uri="{FF2B5EF4-FFF2-40B4-BE49-F238E27FC236}">
+                <a16:creationId xmlns:a16="http://schemas.microsoft.com/office/drawing/2014/main" id="{3807A2ED-4DB7-4454-B8E8-9CCDF3FCE9BA}"/>
+              </a:ext>
+            </a:extLst>
+          </p:cNvPr>
+          <p:cNvSpPr>
+            <a:spLocks noGrp="1"/>
+          </p:cNvSpPr>
+          <p:nvPr>
+            <p:ph sz="half" idx="2"/>
+          </p:nvPr>
+        </p:nvSpPr>
+        <p:spPr>
+          <a:xfrm>
+            <a:off x="630238" y="2505075"/>
+            <a:ext cx="3868737" cy="3684588"/>
+          </a:xfrm>
+        </p:spPr>
+        <p:txBody>
+          <a:bodyPr/>
+          <a:lstStyle/>
+          <a:p>
+            <a:pPr lvl="0"/>
+            <a:r>
+              <a:rPr lang="en-US"/>
+              <a:t>Click to edit Master text styles</a:t>
+            </a:r>
+          </a:p>
+          <a:p>
+            <a:pPr lvl="1"/>
+            <a:r>
+              <a:rPr lang="en-US"/>
+              <a:t>Second level</a:t>
+            </a:r>
+          </a:p>
+          <a:p>
+            <a:pPr lvl="2"/>
+            <a:r>
+              <a:rPr lang="en-US"/>
+              <a:t>Third level</a:t>
+            </a:r>
+          </a:p>
+          <a:p>
+            <a:pPr lvl="3"/>
+            <a:r>
+              <a:rPr lang="en-US"/>
+              <a:t>Fourth level</a:t>
+            </a:r>
+          </a:p>
+          <a:p>
+            <a:pPr lvl="4"/>
+            <a:r>
+              <a:rPr lang="en-US"/>
+              <a:t>Fifth level</a:t>
+            </a:r>
+            <a:endParaRPr lang="en-IN"/>
+          </a:p>
+        </p:txBody>
+      </p:sp>
+      <p:sp>
+        <p:nvSpPr>
+          <p:cNvPr id="5" name="Text Placeholder 4">
+            <a:extLst>
+              <a:ext uri="{FF2B5EF4-FFF2-40B4-BE49-F238E27FC236}">
+                <a16:creationId xmlns:a16="http://schemas.microsoft.com/office/drawing/2014/main" id="{ABB491D9-C019-4D0C-B2AB-BE7F32CFB3E9}"/>
+              </a:ext>
+            </a:extLst>
+          </p:cNvPr>
+          <p:cNvSpPr>
+            <a:spLocks noGrp="1"/>
+          </p:cNvSpPr>
+          <p:nvPr>
+            <p:ph type="body" sz="quarter" idx="3"/>
+          </p:nvPr>
+        </p:nvSpPr>
+        <p:spPr>
+          <a:xfrm>
+            <a:off x="4629150" y="1681163"/>
+            <a:ext cx="3887788" cy="823912"/>
+          </a:xfrm>
+        </p:spPr>
+        <p:txBody>
+          <a:bodyPr anchor="b"/>
+          <a:lstStyle>
+            <a:lvl1pPr marL="0" indent="0">
+              <a:buNone/>
+              <a:defRPr sz="2400" b="1"/>
+            </a:lvl1pPr>
+            <a:lvl2pPr marL="457200" indent="0">
+              <a:buNone/>
+              <a:defRPr sz="2000" b="1"/>
+            </a:lvl2pPr>
+            <a:lvl3pPr marL="914400" indent="0">
+              <a:buNone/>
+              <a:defRPr sz="1800" b="1"/>
+            </a:lvl3pPr>
+            <a:lvl4pPr marL="1371600" indent="0">
+              <a:buNone/>
+              <a:defRPr sz="1600" b="1"/>
+            </a:lvl4pPr>
+            <a:lvl5pPr marL="1828800" indent="0">
+              <a:buNone/>
+              <a:defRPr sz="1600" b="1"/>
+            </a:lvl5pPr>
+            <a:lvl6pPr marL="2286000" indent="0">
+              <a:buNone/>
+              <a:defRPr sz="1600" b="1"/>
+            </a:lvl6pPr>
+            <a:lvl7pPr marL="2743200" indent="0">
+              <a:buNone/>
+              <a:defRPr sz="1600" b="1"/>
+            </a:lvl7pPr>
+            <a:lvl8pPr marL="3200400" indent="0">
+              <a:buNone/>
+              <a:defRPr sz="1600" b="1"/>
+            </a:lvl8pPr>
+            <a:lvl9pPr marL="3657600" indent="0">
+              <a:buNone/>
+              <a:defRPr sz="1600" b="1"/>
+            </a:lvl9pPr>
+          </a:lstStyle>
+          <a:p>
+            <a:pPr lvl="0"/>
+            <a:r>
+              <a:rPr lang="en-US"/>
+              <a:t>Click to edit Master text styles</a:t>
+            </a:r>
+          </a:p>
+        </p:txBody>
+      </p:sp>
+      <p:sp>
+        <p:nvSpPr>
+          <p:cNvPr id="6" name="Content Placeholder 5">
+            <a:extLst>
+              <a:ext uri="{FF2B5EF4-FFF2-40B4-BE49-F238E27FC236}">
+                <a16:creationId xmlns:a16="http://schemas.microsoft.com/office/drawing/2014/main" id="{55B7BB27-CF54-406E-BE40-6F9DDBB730CC}"/>
+              </a:ext>
+            </a:extLst>
+          </p:cNvPr>
+          <p:cNvSpPr>
+            <a:spLocks noGrp="1"/>
+          </p:cNvSpPr>
+          <p:nvPr>
+            <p:ph sz="quarter" idx="4"/>
+          </p:nvPr>
+        </p:nvSpPr>
+        <p:spPr>
+          <a:xfrm>
+            <a:off x="4629150" y="2505075"/>
+            <a:ext cx="3887788" cy="3684588"/>
+          </a:xfrm>
+        </p:spPr>
+        <p:txBody>
+          <a:bodyPr/>
+          <a:lstStyle/>
+          <a:p>
+            <a:pPr lvl="0"/>
+            <a:r>
+              <a:rPr lang="en-US"/>
+              <a:t>Click to edit Master text styles</a:t>
+            </a:r>
+          </a:p>
+          <a:p>
+            <a:pPr lvl="1"/>
+            <a:r>
+              <a:rPr lang="en-US"/>
+              <a:t>Second level</a:t>
+            </a:r>
+          </a:p>
+          <a:p>
+            <a:pPr lvl="2"/>
+            <a:r>
+              <a:rPr lang="en-US"/>
+              <a:t>Third level</a:t>
+            </a:r>
+          </a:p>
+          <a:p>
+            <a:pPr lvl="3"/>
+            <a:r>
+              <a:rPr lang="en-US"/>
+              <a:t>Fourth level</a:t>
+            </a:r>
+          </a:p>
+          <a:p>
+            <a:pPr lvl="4"/>
+            <a:r>
+              <a:rPr lang="en-US"/>
+              <a:t>Fifth level</a:t>
+            </a:r>
+            <a:endParaRPr lang="en-IN"/>
+          </a:p>
+        </p:txBody>
+      </p:sp>
+      <p:sp>
+        <p:nvSpPr>
+          <p:cNvPr id="7" name="Date Placeholder 6">
+            <a:extLst>
+              <a:ext uri="{FF2B5EF4-FFF2-40B4-BE49-F238E27FC236}">
+                <a16:creationId xmlns:a16="http://schemas.microsoft.com/office/drawing/2014/main" id="{B00FDCFD-D123-4C86-B261-F3F807BDBBDD}"/>
+              </a:ext>
+            </a:extLst>
+          </p:cNvPr>
+          <p:cNvSpPr>
+            <a:spLocks noGrp="1"/>
+          </p:cNvSpPr>
+          <p:nvPr>
+            <p:ph type="dt" sz="half" idx="10"/>
+          </p:nvPr>
+        </p:nvSpPr>
+        <p:spPr/>
+        <p:txBody>
+          <a:bodyPr/>
+          <a:lstStyle/>
+          <a:p>
+            <a:fld id="{77C4173B-C232-4A46-BBED-FFE8917C312B}" type="datetime1">
+              <a:rPr lang="en-IN" smtClean="0"/>
+              <a:t>11-05-2021</a:t>
+            </a:fld>
+            <a:endParaRPr lang="en-IN"/>
+          </a:p>
+        </p:txBody>
+      </p:sp>
+      <p:sp>
+        <p:nvSpPr>
+          <p:cNvPr id="8" name="Footer Placeholder 7">
+            <a:extLst>
+              <a:ext uri="{FF2B5EF4-FFF2-40B4-BE49-F238E27FC236}">
+                <a16:creationId xmlns:a16="http://schemas.microsoft.com/office/drawing/2014/main" id="{479BF160-D03B-4A46-9F8A-E3A8BEEBBD28}"/>
+              </a:ext>
+            </a:extLst>
+          </p:cNvPr>
+          <p:cNvSpPr>
+            <a:spLocks noGrp="1"/>
+          </p:cNvSpPr>
+          <p:nvPr>
+            <p:ph type="ftr" sz="quarter" idx="11"/>
+          </p:nvPr>
+        </p:nvSpPr>
+        <p:spPr/>
+        <p:txBody>
+          <a:bodyPr/>
+          <a:lstStyle/>
+          <a:p>
+            <a:endParaRPr lang="en-IN"/>
+          </a:p>
+        </p:txBody>
+      </p:sp>
+      <p:sp>
+        <p:nvSpPr>
+          <p:cNvPr id="9" name="Slide Number Placeholder 8">
+            <a:extLst>
+              <a:ext uri="{FF2B5EF4-FFF2-40B4-BE49-F238E27FC236}">
+                <a16:creationId xmlns:a16="http://schemas.microsoft.com/office/drawing/2014/main" id="{751A34DB-C39B-4135-8EA2-BFFE36DC947A}"/>
+              </a:ext>
+            </a:extLst>
+          </p:cNvPr>
+          <p:cNvSpPr>
+            <a:spLocks noGrp="1"/>
+          </p:cNvSpPr>
+          <p:nvPr>
+            <p:ph type="sldNum" sz="quarter" idx="12"/>
+          </p:nvPr>
+        </p:nvSpPr>
+        <p:spPr/>
+        <p:txBody>
+          <a:bodyPr/>
+          <a:lstStyle/>
+          <a:p>
+            <a:fld id="{5AD04236-EC6C-4943-82C4-68DAF3E1E217}" type="slidenum">
+              <a:rPr lang="en-IN" smtClean="0"/>
+              <a:t>‹#›</a:t>
+            </a:fld>
+            <a:endParaRPr lang="en-IN"/>
+          </a:p>
+        </p:txBody>
+      </p:sp>
+    </p:spTree>
+    <p:extLst>
+      <p:ext uri="{BB962C8B-B14F-4D97-AF65-F5344CB8AC3E}">
+        <p14:creationId xmlns:p14="http://schemas.microsoft.com/office/powerpoint/2010/main" val="3287417687"/>
+      </p:ext>
+    </p:extLst>
+  </p:cSld>
+  <p:clrMapOvr>
+    <a:masterClrMapping/>
+  </p:clrMapOvr>
+</p:sldLayout>
+</file>
+
+<file path=ppt/slideLayouts/slideLayout17.xml><?xml version="1.0" encoding="utf-8"?>
+<p:sldLayout xmlns:a="http://schemas.openxmlformats.org/drawingml/2006/main" xmlns:r="http://schemas.openxmlformats.org/officeDocument/2006/relationships" xmlns:p="http://schemas.openxmlformats.org/presentationml/2006/main" type="titleOnly" preserve="1">
+  <p:cSld name="Title Only">
+    <p:spTree>
+      <p:nvGrpSpPr>
+        <p:cNvPr id="1" name=""/>
+        <p:cNvGrpSpPr/>
+        <p:nvPr/>
+      </p:nvGrpSpPr>
+      <p:grpSpPr>
+        <a:xfrm>
+          <a:off x="0" y="0"/>
+          <a:ext cx="0" cy="0"/>
+          <a:chOff x="0" y="0"/>
+          <a:chExt cx="0" cy="0"/>
+        </a:xfrm>
+      </p:grpSpPr>
+      <p:sp>
+        <p:nvSpPr>
+          <p:cNvPr id="2" name="Title 1">
+            <a:extLst>
+              <a:ext uri="{FF2B5EF4-FFF2-40B4-BE49-F238E27FC236}">
+                <a16:creationId xmlns:a16="http://schemas.microsoft.com/office/drawing/2014/main" id="{87568BAC-53E3-4863-9AA5-FE38B1388986}"/>
+              </a:ext>
+            </a:extLst>
+          </p:cNvPr>
+          <p:cNvSpPr>
+            <a:spLocks noGrp="1"/>
+          </p:cNvSpPr>
+          <p:nvPr>
+            <p:ph type="title"/>
+          </p:nvPr>
+        </p:nvSpPr>
+        <p:spPr/>
+        <p:txBody>
+          <a:bodyPr/>
+          <a:lstStyle/>
+          <a:p>
+            <a:r>
+              <a:rPr lang="en-US"/>
+              <a:t>Click to edit Master title style</a:t>
+            </a:r>
+            <a:endParaRPr lang="en-IN"/>
+          </a:p>
+        </p:txBody>
+      </p:sp>
+      <p:sp>
+        <p:nvSpPr>
+          <p:cNvPr id="3" name="Date Placeholder 2">
+            <a:extLst>
+              <a:ext uri="{FF2B5EF4-FFF2-40B4-BE49-F238E27FC236}">
+                <a16:creationId xmlns:a16="http://schemas.microsoft.com/office/drawing/2014/main" id="{3F8C971C-0C9B-4903-BD13-937205068DC6}"/>
+              </a:ext>
+            </a:extLst>
+          </p:cNvPr>
+          <p:cNvSpPr>
+            <a:spLocks noGrp="1"/>
+          </p:cNvSpPr>
+          <p:nvPr>
+            <p:ph type="dt" sz="half" idx="10"/>
+          </p:nvPr>
+        </p:nvSpPr>
+        <p:spPr/>
+        <p:txBody>
+          <a:bodyPr/>
+          <a:lstStyle/>
+          <a:p>
+            <a:fld id="{40F76C24-B90B-4795-A004-B735C1BFCB12}" type="datetime1">
+              <a:rPr lang="en-IN" smtClean="0"/>
+              <a:t>11-05-2021</a:t>
+            </a:fld>
+            <a:endParaRPr lang="en-IN"/>
+          </a:p>
+        </p:txBody>
+      </p:sp>
+      <p:sp>
+        <p:nvSpPr>
+          <p:cNvPr id="4" name="Footer Placeholder 3">
+            <a:extLst>
+              <a:ext uri="{FF2B5EF4-FFF2-40B4-BE49-F238E27FC236}">
+                <a16:creationId xmlns:a16="http://schemas.microsoft.com/office/drawing/2014/main" id="{BD82B276-A5E0-44DA-91F5-775E6132664F}"/>
+              </a:ext>
+            </a:extLst>
+          </p:cNvPr>
+          <p:cNvSpPr>
+            <a:spLocks noGrp="1"/>
+          </p:cNvSpPr>
+          <p:nvPr>
+            <p:ph type="ftr" sz="quarter" idx="11"/>
+          </p:nvPr>
+        </p:nvSpPr>
+        <p:spPr/>
+        <p:txBody>
+          <a:bodyPr/>
+          <a:lstStyle/>
+          <a:p>
+            <a:endParaRPr lang="en-IN"/>
+          </a:p>
+        </p:txBody>
+      </p:sp>
+      <p:sp>
+        <p:nvSpPr>
+          <p:cNvPr id="5" name="Slide Number Placeholder 4">
+            <a:extLst>
+              <a:ext uri="{FF2B5EF4-FFF2-40B4-BE49-F238E27FC236}">
+                <a16:creationId xmlns:a16="http://schemas.microsoft.com/office/drawing/2014/main" id="{F01166CA-1002-4F10-899F-FA1E08380B4F}"/>
+              </a:ext>
+            </a:extLst>
+          </p:cNvPr>
+          <p:cNvSpPr>
+            <a:spLocks noGrp="1"/>
+          </p:cNvSpPr>
+          <p:nvPr>
+            <p:ph type="sldNum" sz="quarter" idx="12"/>
+          </p:nvPr>
+        </p:nvSpPr>
+        <p:spPr/>
+        <p:txBody>
+          <a:bodyPr/>
+          <a:lstStyle/>
+          <a:p>
+            <a:fld id="{5AD04236-EC6C-4943-82C4-68DAF3E1E217}" type="slidenum">
+              <a:rPr lang="en-IN" smtClean="0"/>
+              <a:t>‹#›</a:t>
+            </a:fld>
+            <a:endParaRPr lang="en-IN"/>
+          </a:p>
+        </p:txBody>
+      </p:sp>
+    </p:spTree>
+    <p:extLst>
+      <p:ext uri="{BB962C8B-B14F-4D97-AF65-F5344CB8AC3E}">
+        <p14:creationId xmlns:p14="http://schemas.microsoft.com/office/powerpoint/2010/main" val="2039050473"/>
+      </p:ext>
+    </p:extLst>
+  </p:cSld>
+  <p:clrMapOvr>
+    <a:masterClrMapping/>
+  </p:clrMapOvr>
+</p:sldLayout>
+</file>
+
+<file path=ppt/slideLayouts/slideLayout18.xml><?xml version="1.0" encoding="utf-8"?>
+<p:sldLayout xmlns:a="http://schemas.openxmlformats.org/drawingml/2006/main" xmlns:r="http://schemas.openxmlformats.org/officeDocument/2006/relationships" xmlns:p="http://schemas.openxmlformats.org/presentationml/2006/main" type="blank" preserve="1">
+  <p:cSld name="Blank">
+    <p:spTree>
+      <p:nvGrpSpPr>
+        <p:cNvPr id="1" name=""/>
+        <p:cNvGrpSpPr/>
+        <p:nvPr/>
+      </p:nvGrpSpPr>
+      <p:grpSpPr>
+        <a:xfrm>
+          <a:off x="0" y="0"/>
+          <a:ext cx="0" cy="0"/>
+          <a:chOff x="0" y="0"/>
+          <a:chExt cx="0" cy="0"/>
+        </a:xfrm>
+      </p:grpSpPr>
+      <p:sp>
+        <p:nvSpPr>
+          <p:cNvPr id="2" name="Date Placeholder 1">
+            <a:extLst>
+              <a:ext uri="{FF2B5EF4-FFF2-40B4-BE49-F238E27FC236}">
+                <a16:creationId xmlns:a16="http://schemas.microsoft.com/office/drawing/2014/main" id="{D043CAB8-C7D9-453B-9E53-4E4CE994F6BB}"/>
+              </a:ext>
+            </a:extLst>
+          </p:cNvPr>
+          <p:cNvSpPr>
+            <a:spLocks noGrp="1"/>
+          </p:cNvSpPr>
+          <p:nvPr>
+            <p:ph type="dt" sz="half" idx="10"/>
+          </p:nvPr>
+        </p:nvSpPr>
+        <p:spPr/>
+        <p:txBody>
+          <a:bodyPr/>
+          <a:lstStyle/>
+          <a:p>
+            <a:fld id="{68A2795D-D1D1-4B16-AD74-8A76B1DBE6EC}" type="datetime1">
+              <a:rPr lang="en-IN" smtClean="0"/>
+              <a:t>11-05-2021</a:t>
+            </a:fld>
+            <a:endParaRPr lang="en-IN"/>
+          </a:p>
+        </p:txBody>
+      </p:sp>
+      <p:sp>
+        <p:nvSpPr>
+          <p:cNvPr id="3" name="Footer Placeholder 2">
+            <a:extLst>
+              <a:ext uri="{FF2B5EF4-FFF2-40B4-BE49-F238E27FC236}">
+                <a16:creationId xmlns:a16="http://schemas.microsoft.com/office/drawing/2014/main" id="{3A8019FD-000E-49A6-901C-569780136552}"/>
+              </a:ext>
+            </a:extLst>
+          </p:cNvPr>
+          <p:cNvSpPr>
+            <a:spLocks noGrp="1"/>
+          </p:cNvSpPr>
+          <p:nvPr>
+            <p:ph type="ftr" sz="quarter" idx="11"/>
+          </p:nvPr>
+        </p:nvSpPr>
+        <p:spPr/>
+        <p:txBody>
+          <a:bodyPr/>
+          <a:lstStyle/>
+          <a:p>
+            <a:endParaRPr lang="en-IN"/>
+          </a:p>
+        </p:txBody>
+      </p:sp>
+      <p:sp>
+        <p:nvSpPr>
+          <p:cNvPr id="4" name="Slide Number Placeholder 3">
+            <a:extLst>
+              <a:ext uri="{FF2B5EF4-FFF2-40B4-BE49-F238E27FC236}">
+                <a16:creationId xmlns:a16="http://schemas.microsoft.com/office/drawing/2014/main" id="{EDEA3809-30FE-43E0-994E-6715BDFFCB81}"/>
+              </a:ext>
+            </a:extLst>
+          </p:cNvPr>
+          <p:cNvSpPr>
+            <a:spLocks noGrp="1"/>
+          </p:cNvSpPr>
+          <p:nvPr>
+            <p:ph type="sldNum" sz="quarter" idx="12"/>
+          </p:nvPr>
+        </p:nvSpPr>
+        <p:spPr/>
+        <p:txBody>
+          <a:bodyPr/>
+          <a:lstStyle/>
+          <a:p>
+            <a:fld id="{5AD04236-EC6C-4943-82C4-68DAF3E1E217}" type="slidenum">
+              <a:rPr lang="en-IN" smtClean="0"/>
+              <a:t>‹#›</a:t>
+            </a:fld>
+            <a:endParaRPr lang="en-IN"/>
+          </a:p>
+        </p:txBody>
+      </p:sp>
+    </p:spTree>
+    <p:extLst>
+      <p:ext uri="{BB962C8B-B14F-4D97-AF65-F5344CB8AC3E}">
+        <p14:creationId xmlns:p14="http://schemas.microsoft.com/office/powerpoint/2010/main" val="838017067"/>
+      </p:ext>
+    </p:extLst>
+  </p:cSld>
+  <p:clrMapOvr>
+    <a:masterClrMapping/>
+  </p:clrMapOvr>
+</p:sldLayout>
+</file>
+
+<file path=ppt/slideLayouts/slideLayout19.xml><?xml version="1.0" encoding="utf-8"?>
+<p:sldLayout xmlns:a="http://schemas.openxmlformats.org/drawingml/2006/main" xmlns:r="http://schemas.openxmlformats.org/officeDocument/2006/relationships" xmlns:p="http://schemas.openxmlformats.org/presentationml/2006/main" type="objTx" preserve="1">
+  <p:cSld name="Content with Caption">
+    <p:spTree>
+      <p:nvGrpSpPr>
+        <p:cNvPr id="1" name=""/>
+        <p:cNvGrpSpPr/>
+        <p:nvPr/>
+      </p:nvGrpSpPr>
+      <p:grpSpPr>
+        <a:xfrm>
+          <a:off x="0" y="0"/>
+          <a:ext cx="0" cy="0"/>
+          <a:chOff x="0" y="0"/>
+          <a:chExt cx="0" cy="0"/>
+        </a:xfrm>
+      </p:grpSpPr>
+      <p:sp>
+        <p:nvSpPr>
+          <p:cNvPr id="2" name="Title 1">
+            <a:extLst>
+              <a:ext uri="{FF2B5EF4-FFF2-40B4-BE49-F238E27FC236}">
+                <a16:creationId xmlns:a16="http://schemas.microsoft.com/office/drawing/2014/main" id="{0D036802-E998-41D5-A542-53576BAF454F}"/>
+              </a:ext>
+            </a:extLst>
+          </p:cNvPr>
+          <p:cNvSpPr>
+            <a:spLocks noGrp="1"/>
+          </p:cNvSpPr>
+          <p:nvPr>
+            <p:ph type="title"/>
+          </p:nvPr>
+        </p:nvSpPr>
+        <p:spPr>
+          <a:xfrm>
+            <a:off x="630238" y="457200"/>
+            <a:ext cx="2949575" cy="1600200"/>
+          </a:xfrm>
+        </p:spPr>
+        <p:txBody>
+          <a:bodyPr anchor="b"/>
+          <a:lstStyle>
+            <a:lvl1pPr>
+              <a:defRPr sz="3200"/>
+            </a:lvl1pPr>
+          </a:lstStyle>
+          <a:p>
+            <a:r>
+              <a:rPr lang="en-US"/>
+              <a:t>Click to edit Master title style</a:t>
+            </a:r>
+            <a:endParaRPr lang="en-IN"/>
+          </a:p>
+        </p:txBody>
+      </p:sp>
+      <p:sp>
+        <p:nvSpPr>
+          <p:cNvPr id="3" name="Content Placeholder 2">
+            <a:extLst>
+              <a:ext uri="{FF2B5EF4-FFF2-40B4-BE49-F238E27FC236}">
+                <a16:creationId xmlns:a16="http://schemas.microsoft.com/office/drawing/2014/main" id="{E8A6F428-A7AC-49CF-984D-472179823B6F}"/>
+              </a:ext>
+            </a:extLst>
+          </p:cNvPr>
+          <p:cNvSpPr>
+            <a:spLocks noGrp="1"/>
+          </p:cNvSpPr>
+          <p:nvPr>
+            <p:ph idx="1"/>
+          </p:nvPr>
+        </p:nvSpPr>
+        <p:spPr>
+          <a:xfrm>
+            <a:off x="3887788" y="987425"/>
+            <a:ext cx="4629150" cy="4873625"/>
+          </a:xfrm>
+        </p:spPr>
+        <p:txBody>
+          <a:bodyPr/>
+          <a:lstStyle>
+            <a:lvl1pPr>
+              <a:defRPr sz="3200"/>
+            </a:lvl1pPr>
+            <a:lvl2pPr>
+              <a:defRPr sz="2800"/>
+            </a:lvl2pPr>
+            <a:lvl3pPr>
+              <a:defRPr sz="2400"/>
+            </a:lvl3pPr>
+            <a:lvl4pPr>
+              <a:defRPr sz="2000"/>
+            </a:lvl4pPr>
+            <a:lvl5pPr>
+              <a:defRPr sz="2000"/>
+            </a:lvl5pPr>
+            <a:lvl6pPr>
+              <a:defRPr sz="2000"/>
+            </a:lvl6pPr>
+            <a:lvl7pPr>
+              <a:defRPr sz="2000"/>
+            </a:lvl7pPr>
+            <a:lvl8pPr>
+              <a:defRPr sz="2000"/>
+            </a:lvl8pPr>
+            <a:lvl9pPr>
+              <a:defRPr sz="2000"/>
+            </a:lvl9pPr>
+          </a:lstStyle>
+          <a:p>
+            <a:pPr lvl="0"/>
+            <a:r>
+              <a:rPr lang="en-US"/>
+              <a:t>Click to edit Master text styles</a:t>
+            </a:r>
+          </a:p>
+          <a:p>
+            <a:pPr lvl="1"/>
+            <a:r>
+              <a:rPr lang="en-US"/>
+              <a:t>Second level</a:t>
+            </a:r>
+          </a:p>
+          <a:p>
+            <a:pPr lvl="2"/>
+            <a:r>
+              <a:rPr lang="en-US"/>
+              <a:t>Third level</a:t>
+            </a:r>
+          </a:p>
+          <a:p>
+            <a:pPr lvl="3"/>
+            <a:r>
+              <a:rPr lang="en-US"/>
+              <a:t>Fourth level</a:t>
+            </a:r>
+          </a:p>
+          <a:p>
+            <a:pPr lvl="4"/>
+            <a:r>
+              <a:rPr lang="en-US"/>
+              <a:t>Fifth level</a:t>
+            </a:r>
+            <a:endParaRPr lang="en-IN"/>
+          </a:p>
+        </p:txBody>
+      </p:sp>
+      <p:sp>
+        <p:nvSpPr>
+          <p:cNvPr id="4" name="Text Placeholder 3">
+            <a:extLst>
+              <a:ext uri="{FF2B5EF4-FFF2-40B4-BE49-F238E27FC236}">
+                <a16:creationId xmlns:a16="http://schemas.microsoft.com/office/drawing/2014/main" id="{A014F51B-D146-414A-8977-D7E0A5C6CEA5}"/>
+              </a:ext>
+            </a:extLst>
+          </p:cNvPr>
+          <p:cNvSpPr>
+            <a:spLocks noGrp="1"/>
+          </p:cNvSpPr>
+          <p:nvPr>
+            <p:ph type="body" sz="half" idx="2"/>
+          </p:nvPr>
+        </p:nvSpPr>
+        <p:spPr>
+          <a:xfrm>
+            <a:off x="630238" y="2057400"/>
+            <a:ext cx="2949575" cy="3811588"/>
+          </a:xfrm>
+        </p:spPr>
+        <p:txBody>
+          <a:bodyPr/>
+          <a:lstStyle>
+            <a:lvl1pPr marL="0" indent="0">
+              <a:buNone/>
+              <a:defRPr sz="1600"/>
+            </a:lvl1pPr>
+            <a:lvl2pPr marL="457200" indent="0">
+              <a:buNone/>
+              <a:defRPr sz="1400"/>
+            </a:lvl2pPr>
+            <a:lvl3pPr marL="914400" indent="0">
+              <a:buNone/>
+              <a:defRPr sz="1200"/>
+            </a:lvl3pPr>
+            <a:lvl4pPr marL="1371600" indent="0">
+              <a:buNone/>
+              <a:defRPr sz="1000"/>
+            </a:lvl4pPr>
+            <a:lvl5pPr marL="1828800" indent="0">
+              <a:buNone/>
+              <a:defRPr sz="1000"/>
+            </a:lvl5pPr>
+            <a:lvl6pPr marL="2286000" indent="0">
+              <a:buNone/>
+              <a:defRPr sz="1000"/>
+            </a:lvl6pPr>
+            <a:lvl7pPr marL="2743200" indent="0">
+              <a:buNone/>
+              <a:defRPr sz="1000"/>
+            </a:lvl7pPr>
+            <a:lvl8pPr marL="3200400" indent="0">
+              <a:buNone/>
+              <a:defRPr sz="1000"/>
+            </a:lvl8pPr>
+            <a:lvl9pPr marL="3657600" indent="0">
+              <a:buNone/>
+              <a:defRPr sz="1000"/>
+            </a:lvl9pPr>
+          </a:lstStyle>
+          <a:p>
+            <a:pPr lvl="0"/>
+            <a:r>
+              <a:rPr lang="en-US"/>
+              <a:t>Click to edit Master text styles</a:t>
+            </a:r>
+          </a:p>
+        </p:txBody>
+      </p:sp>
+      <p:sp>
+        <p:nvSpPr>
+          <p:cNvPr id="5" name="Date Placeholder 4">
+            <a:extLst>
+              <a:ext uri="{FF2B5EF4-FFF2-40B4-BE49-F238E27FC236}">
+                <a16:creationId xmlns:a16="http://schemas.microsoft.com/office/drawing/2014/main" id="{0B2A9D9E-5798-4234-951F-8E41F95B33F3}"/>
+              </a:ext>
+            </a:extLst>
+          </p:cNvPr>
+          <p:cNvSpPr>
+            <a:spLocks noGrp="1"/>
+          </p:cNvSpPr>
+          <p:nvPr>
+            <p:ph type="dt" sz="half" idx="10"/>
+          </p:nvPr>
+        </p:nvSpPr>
+        <p:spPr/>
+        <p:txBody>
+          <a:bodyPr/>
+          <a:lstStyle/>
+          <a:p>
+            <a:fld id="{7CAF50B1-849D-480F-B0AB-0520E76E14A5}" type="datetime1">
+              <a:rPr lang="en-IN" smtClean="0"/>
+              <a:t>11-05-2021</a:t>
+            </a:fld>
+            <a:endParaRPr lang="en-IN"/>
+          </a:p>
+        </p:txBody>
+      </p:sp>
+      <p:sp>
+        <p:nvSpPr>
+          <p:cNvPr id="6" name="Footer Placeholder 5">
+            <a:extLst>
+              <a:ext uri="{FF2B5EF4-FFF2-40B4-BE49-F238E27FC236}">
+                <a16:creationId xmlns:a16="http://schemas.microsoft.com/office/drawing/2014/main" id="{99BD19B3-EF4F-4E56-AA37-EEA25F6DFF17}"/>
+              </a:ext>
+            </a:extLst>
+          </p:cNvPr>
+          <p:cNvSpPr>
+            <a:spLocks noGrp="1"/>
+          </p:cNvSpPr>
+          <p:nvPr>
+            <p:ph type="ftr" sz="quarter" idx="11"/>
+          </p:nvPr>
+        </p:nvSpPr>
+        <p:spPr/>
+        <p:txBody>
+          <a:bodyPr/>
+          <a:lstStyle/>
+          <a:p>
+            <a:endParaRPr lang="en-IN"/>
+          </a:p>
+        </p:txBody>
+      </p:sp>
+      <p:sp>
+        <p:nvSpPr>
+          <p:cNvPr id="7" name="Slide Number Placeholder 6">
+            <a:extLst>
+              <a:ext uri="{FF2B5EF4-FFF2-40B4-BE49-F238E27FC236}">
+                <a16:creationId xmlns:a16="http://schemas.microsoft.com/office/drawing/2014/main" id="{782A8AF6-C41B-4CC2-8F32-864586C86DA7}"/>
+              </a:ext>
+            </a:extLst>
+          </p:cNvPr>
+          <p:cNvSpPr>
+            <a:spLocks noGrp="1"/>
+          </p:cNvSpPr>
+          <p:nvPr>
+            <p:ph type="sldNum" sz="quarter" idx="12"/>
+          </p:nvPr>
+        </p:nvSpPr>
+        <p:spPr/>
+        <p:txBody>
+          <a:bodyPr/>
+          <a:lstStyle/>
+          <a:p>
+            <a:fld id="{5AD04236-EC6C-4943-82C4-68DAF3E1E217}" type="slidenum">
+              <a:rPr lang="en-IN" smtClean="0"/>
+              <a:t>‹#›</a:t>
+            </a:fld>
+            <a:endParaRPr lang="en-IN"/>
+          </a:p>
+        </p:txBody>
+      </p:sp>
+    </p:spTree>
+    <p:extLst>
+      <p:ext uri="{BB962C8B-B14F-4D97-AF65-F5344CB8AC3E}">
+        <p14:creationId xmlns:p14="http://schemas.microsoft.com/office/powerpoint/2010/main" val="2944337174"/>
       </p:ext>
     </p:extLst>
   </p:cSld>
@@ -828,9 +3131,9 @@
           <a:bodyPr/>
           <a:lstStyle/>
           <a:p>
-            <a:fld id="{6CCD0C67-079F-43ED-B31E-41CD521D504F}" type="datetimeFigureOut">
+            <a:fld id="{4074EE3D-1394-4329-9148-1F3FC96DF490}" type="datetime1">
               <a:rPr lang="en-IN" smtClean="0"/>
-              <a:t>03-05-2021</a:t>
+              <a:t>11-05-2021</a:t>
             </a:fld>
             <a:endParaRPr lang="en-IN"/>
           </a:p>
@@ -882,6 +3185,705 @@
     <p:extLst>
       <p:ext uri="{BB962C8B-B14F-4D97-AF65-F5344CB8AC3E}">
         <p14:creationId xmlns:p14="http://schemas.microsoft.com/office/powerpoint/2010/main" val="3180506766"/>
+      </p:ext>
+    </p:extLst>
+  </p:cSld>
+  <p:clrMapOvr>
+    <a:masterClrMapping/>
+  </p:clrMapOvr>
+</p:sldLayout>
+</file>
+
+<file path=ppt/slideLayouts/slideLayout20.xml><?xml version="1.0" encoding="utf-8"?>
+<p:sldLayout xmlns:a="http://schemas.openxmlformats.org/drawingml/2006/main" xmlns:r="http://schemas.openxmlformats.org/officeDocument/2006/relationships" xmlns:p="http://schemas.openxmlformats.org/presentationml/2006/main" type="picTx" preserve="1">
+  <p:cSld name="Picture with Caption">
+    <p:spTree>
+      <p:nvGrpSpPr>
+        <p:cNvPr id="1" name=""/>
+        <p:cNvGrpSpPr/>
+        <p:nvPr/>
+      </p:nvGrpSpPr>
+      <p:grpSpPr>
+        <a:xfrm>
+          <a:off x="0" y="0"/>
+          <a:ext cx="0" cy="0"/>
+          <a:chOff x="0" y="0"/>
+          <a:chExt cx="0" cy="0"/>
+        </a:xfrm>
+      </p:grpSpPr>
+      <p:sp>
+        <p:nvSpPr>
+          <p:cNvPr id="2" name="Title 1">
+            <a:extLst>
+              <a:ext uri="{FF2B5EF4-FFF2-40B4-BE49-F238E27FC236}">
+                <a16:creationId xmlns:a16="http://schemas.microsoft.com/office/drawing/2014/main" id="{E8D3A987-2D24-43D9-9AE3-5DBB26B601DF}"/>
+              </a:ext>
+            </a:extLst>
+          </p:cNvPr>
+          <p:cNvSpPr>
+            <a:spLocks noGrp="1"/>
+          </p:cNvSpPr>
+          <p:nvPr>
+            <p:ph type="title"/>
+          </p:nvPr>
+        </p:nvSpPr>
+        <p:spPr>
+          <a:xfrm>
+            <a:off x="630238" y="457200"/>
+            <a:ext cx="2949575" cy="1600200"/>
+          </a:xfrm>
+        </p:spPr>
+        <p:txBody>
+          <a:bodyPr anchor="b"/>
+          <a:lstStyle>
+            <a:lvl1pPr>
+              <a:defRPr sz="3200"/>
+            </a:lvl1pPr>
+          </a:lstStyle>
+          <a:p>
+            <a:r>
+              <a:rPr lang="en-US"/>
+              <a:t>Click to edit Master title style</a:t>
+            </a:r>
+            <a:endParaRPr lang="en-IN"/>
+          </a:p>
+        </p:txBody>
+      </p:sp>
+      <p:sp>
+        <p:nvSpPr>
+          <p:cNvPr id="3" name="Picture Placeholder 2">
+            <a:extLst>
+              <a:ext uri="{FF2B5EF4-FFF2-40B4-BE49-F238E27FC236}">
+                <a16:creationId xmlns:a16="http://schemas.microsoft.com/office/drawing/2014/main" id="{690222F7-B06E-44D5-8C0E-CF5949F0430A}"/>
+              </a:ext>
+            </a:extLst>
+          </p:cNvPr>
+          <p:cNvSpPr>
+            <a:spLocks noGrp="1"/>
+          </p:cNvSpPr>
+          <p:nvPr>
+            <p:ph type="pic" idx="1"/>
+          </p:nvPr>
+        </p:nvSpPr>
+        <p:spPr>
+          <a:xfrm>
+            <a:off x="3887788" y="987425"/>
+            <a:ext cx="4629150" cy="4873625"/>
+          </a:xfrm>
+        </p:spPr>
+        <p:txBody>
+          <a:bodyPr/>
+          <a:lstStyle>
+            <a:lvl1pPr marL="0" indent="0">
+              <a:buNone/>
+              <a:defRPr sz="3200"/>
+            </a:lvl1pPr>
+            <a:lvl2pPr marL="457200" indent="0">
+              <a:buNone/>
+              <a:defRPr sz="2800"/>
+            </a:lvl2pPr>
+            <a:lvl3pPr marL="914400" indent="0">
+              <a:buNone/>
+              <a:defRPr sz="2400"/>
+            </a:lvl3pPr>
+            <a:lvl4pPr marL="1371600" indent="0">
+              <a:buNone/>
+              <a:defRPr sz="2000"/>
+            </a:lvl4pPr>
+            <a:lvl5pPr marL="1828800" indent="0">
+              <a:buNone/>
+              <a:defRPr sz="2000"/>
+            </a:lvl5pPr>
+            <a:lvl6pPr marL="2286000" indent="0">
+              <a:buNone/>
+              <a:defRPr sz="2000"/>
+            </a:lvl6pPr>
+            <a:lvl7pPr marL="2743200" indent="0">
+              <a:buNone/>
+              <a:defRPr sz="2000"/>
+            </a:lvl7pPr>
+            <a:lvl8pPr marL="3200400" indent="0">
+              <a:buNone/>
+              <a:defRPr sz="2000"/>
+            </a:lvl8pPr>
+            <a:lvl9pPr marL="3657600" indent="0">
+              <a:buNone/>
+              <a:defRPr sz="2000"/>
+            </a:lvl9pPr>
+          </a:lstStyle>
+          <a:p>
+            <a:endParaRPr lang="en-IN"/>
+          </a:p>
+        </p:txBody>
+      </p:sp>
+      <p:sp>
+        <p:nvSpPr>
+          <p:cNvPr id="4" name="Text Placeholder 3">
+            <a:extLst>
+              <a:ext uri="{FF2B5EF4-FFF2-40B4-BE49-F238E27FC236}">
+                <a16:creationId xmlns:a16="http://schemas.microsoft.com/office/drawing/2014/main" id="{B5D81798-208B-4814-88A5-B86F974380EB}"/>
+              </a:ext>
+            </a:extLst>
+          </p:cNvPr>
+          <p:cNvSpPr>
+            <a:spLocks noGrp="1"/>
+          </p:cNvSpPr>
+          <p:nvPr>
+            <p:ph type="body" sz="half" idx="2"/>
+          </p:nvPr>
+        </p:nvSpPr>
+        <p:spPr>
+          <a:xfrm>
+            <a:off x="630238" y="2057400"/>
+            <a:ext cx="2949575" cy="3811588"/>
+          </a:xfrm>
+        </p:spPr>
+        <p:txBody>
+          <a:bodyPr/>
+          <a:lstStyle>
+            <a:lvl1pPr marL="0" indent="0">
+              <a:buNone/>
+              <a:defRPr sz="1600"/>
+            </a:lvl1pPr>
+            <a:lvl2pPr marL="457200" indent="0">
+              <a:buNone/>
+              <a:defRPr sz="1400"/>
+            </a:lvl2pPr>
+            <a:lvl3pPr marL="914400" indent="0">
+              <a:buNone/>
+              <a:defRPr sz="1200"/>
+            </a:lvl3pPr>
+            <a:lvl4pPr marL="1371600" indent="0">
+              <a:buNone/>
+              <a:defRPr sz="1000"/>
+            </a:lvl4pPr>
+            <a:lvl5pPr marL="1828800" indent="0">
+              <a:buNone/>
+              <a:defRPr sz="1000"/>
+            </a:lvl5pPr>
+            <a:lvl6pPr marL="2286000" indent="0">
+              <a:buNone/>
+              <a:defRPr sz="1000"/>
+            </a:lvl6pPr>
+            <a:lvl7pPr marL="2743200" indent="0">
+              <a:buNone/>
+              <a:defRPr sz="1000"/>
+            </a:lvl7pPr>
+            <a:lvl8pPr marL="3200400" indent="0">
+              <a:buNone/>
+              <a:defRPr sz="1000"/>
+            </a:lvl8pPr>
+            <a:lvl9pPr marL="3657600" indent="0">
+              <a:buNone/>
+              <a:defRPr sz="1000"/>
+            </a:lvl9pPr>
+          </a:lstStyle>
+          <a:p>
+            <a:pPr lvl="0"/>
+            <a:r>
+              <a:rPr lang="en-US"/>
+              <a:t>Click to edit Master text styles</a:t>
+            </a:r>
+          </a:p>
+        </p:txBody>
+      </p:sp>
+      <p:sp>
+        <p:nvSpPr>
+          <p:cNvPr id="5" name="Date Placeholder 4">
+            <a:extLst>
+              <a:ext uri="{FF2B5EF4-FFF2-40B4-BE49-F238E27FC236}">
+                <a16:creationId xmlns:a16="http://schemas.microsoft.com/office/drawing/2014/main" id="{12B77CF5-E1A6-4998-BA5E-FC8B0C416364}"/>
+              </a:ext>
+            </a:extLst>
+          </p:cNvPr>
+          <p:cNvSpPr>
+            <a:spLocks noGrp="1"/>
+          </p:cNvSpPr>
+          <p:nvPr>
+            <p:ph type="dt" sz="half" idx="10"/>
+          </p:nvPr>
+        </p:nvSpPr>
+        <p:spPr/>
+        <p:txBody>
+          <a:bodyPr/>
+          <a:lstStyle/>
+          <a:p>
+            <a:fld id="{71588D9B-9D05-4F9E-BF45-AEE1A4DBD6E6}" type="datetime1">
+              <a:rPr lang="en-IN" smtClean="0"/>
+              <a:t>11-05-2021</a:t>
+            </a:fld>
+            <a:endParaRPr lang="en-IN"/>
+          </a:p>
+        </p:txBody>
+      </p:sp>
+      <p:sp>
+        <p:nvSpPr>
+          <p:cNvPr id="6" name="Footer Placeholder 5">
+            <a:extLst>
+              <a:ext uri="{FF2B5EF4-FFF2-40B4-BE49-F238E27FC236}">
+                <a16:creationId xmlns:a16="http://schemas.microsoft.com/office/drawing/2014/main" id="{0468765E-43CF-41BF-B87C-D9F412E86871}"/>
+              </a:ext>
+            </a:extLst>
+          </p:cNvPr>
+          <p:cNvSpPr>
+            <a:spLocks noGrp="1"/>
+          </p:cNvSpPr>
+          <p:nvPr>
+            <p:ph type="ftr" sz="quarter" idx="11"/>
+          </p:nvPr>
+        </p:nvSpPr>
+        <p:spPr/>
+        <p:txBody>
+          <a:bodyPr/>
+          <a:lstStyle/>
+          <a:p>
+            <a:endParaRPr lang="en-IN"/>
+          </a:p>
+        </p:txBody>
+      </p:sp>
+      <p:sp>
+        <p:nvSpPr>
+          <p:cNvPr id="7" name="Slide Number Placeholder 6">
+            <a:extLst>
+              <a:ext uri="{FF2B5EF4-FFF2-40B4-BE49-F238E27FC236}">
+                <a16:creationId xmlns:a16="http://schemas.microsoft.com/office/drawing/2014/main" id="{0E652989-B0DC-4E3E-BB42-7EF8DB109EC0}"/>
+              </a:ext>
+            </a:extLst>
+          </p:cNvPr>
+          <p:cNvSpPr>
+            <a:spLocks noGrp="1"/>
+          </p:cNvSpPr>
+          <p:nvPr>
+            <p:ph type="sldNum" sz="quarter" idx="12"/>
+          </p:nvPr>
+        </p:nvSpPr>
+        <p:spPr/>
+        <p:txBody>
+          <a:bodyPr/>
+          <a:lstStyle/>
+          <a:p>
+            <a:fld id="{5AD04236-EC6C-4943-82C4-68DAF3E1E217}" type="slidenum">
+              <a:rPr lang="en-IN" smtClean="0"/>
+              <a:t>‹#›</a:t>
+            </a:fld>
+            <a:endParaRPr lang="en-IN"/>
+          </a:p>
+        </p:txBody>
+      </p:sp>
+    </p:spTree>
+    <p:extLst>
+      <p:ext uri="{BB962C8B-B14F-4D97-AF65-F5344CB8AC3E}">
+        <p14:creationId xmlns:p14="http://schemas.microsoft.com/office/powerpoint/2010/main" val="4210729916"/>
+      </p:ext>
+    </p:extLst>
+  </p:cSld>
+  <p:clrMapOvr>
+    <a:masterClrMapping/>
+  </p:clrMapOvr>
+</p:sldLayout>
+</file>
+
+<file path=ppt/slideLayouts/slideLayout21.xml><?xml version="1.0" encoding="utf-8"?>
+<p:sldLayout xmlns:a="http://schemas.openxmlformats.org/drawingml/2006/main" xmlns:r="http://schemas.openxmlformats.org/officeDocument/2006/relationships" xmlns:p="http://schemas.openxmlformats.org/presentationml/2006/main" type="vertTx" preserve="1">
+  <p:cSld name="Title and Vertical Text">
+    <p:spTree>
+      <p:nvGrpSpPr>
+        <p:cNvPr id="1" name=""/>
+        <p:cNvGrpSpPr/>
+        <p:nvPr/>
+      </p:nvGrpSpPr>
+      <p:grpSpPr>
+        <a:xfrm>
+          <a:off x="0" y="0"/>
+          <a:ext cx="0" cy="0"/>
+          <a:chOff x="0" y="0"/>
+          <a:chExt cx="0" cy="0"/>
+        </a:xfrm>
+      </p:grpSpPr>
+      <p:sp>
+        <p:nvSpPr>
+          <p:cNvPr id="2" name="Title 1">
+            <a:extLst>
+              <a:ext uri="{FF2B5EF4-FFF2-40B4-BE49-F238E27FC236}">
+                <a16:creationId xmlns:a16="http://schemas.microsoft.com/office/drawing/2014/main" id="{B530040D-BC61-439A-A9A3-4FB26E8AE998}"/>
+              </a:ext>
+            </a:extLst>
+          </p:cNvPr>
+          <p:cNvSpPr>
+            <a:spLocks noGrp="1"/>
+          </p:cNvSpPr>
+          <p:nvPr>
+            <p:ph type="title"/>
+          </p:nvPr>
+        </p:nvSpPr>
+        <p:spPr/>
+        <p:txBody>
+          <a:bodyPr/>
+          <a:lstStyle/>
+          <a:p>
+            <a:r>
+              <a:rPr lang="en-US"/>
+              <a:t>Click to edit Master title style</a:t>
+            </a:r>
+            <a:endParaRPr lang="en-IN"/>
+          </a:p>
+        </p:txBody>
+      </p:sp>
+      <p:sp>
+        <p:nvSpPr>
+          <p:cNvPr id="3" name="Vertical Text Placeholder 2">
+            <a:extLst>
+              <a:ext uri="{FF2B5EF4-FFF2-40B4-BE49-F238E27FC236}">
+                <a16:creationId xmlns:a16="http://schemas.microsoft.com/office/drawing/2014/main" id="{2CAA84E4-C9C1-4EA6-972A-7A9B4B4108B5}"/>
+              </a:ext>
+            </a:extLst>
+          </p:cNvPr>
+          <p:cNvSpPr>
+            <a:spLocks noGrp="1"/>
+          </p:cNvSpPr>
+          <p:nvPr>
+            <p:ph type="body" orient="vert" idx="1"/>
+          </p:nvPr>
+        </p:nvSpPr>
+        <p:spPr/>
+        <p:txBody>
+          <a:bodyPr vert="eaVert"/>
+          <a:lstStyle/>
+          <a:p>
+            <a:pPr lvl="0"/>
+            <a:r>
+              <a:rPr lang="en-US"/>
+              <a:t>Click to edit Master text styles</a:t>
+            </a:r>
+          </a:p>
+          <a:p>
+            <a:pPr lvl="1"/>
+            <a:r>
+              <a:rPr lang="en-US"/>
+              <a:t>Second level</a:t>
+            </a:r>
+          </a:p>
+          <a:p>
+            <a:pPr lvl="2"/>
+            <a:r>
+              <a:rPr lang="en-US"/>
+              <a:t>Third level</a:t>
+            </a:r>
+          </a:p>
+          <a:p>
+            <a:pPr lvl="3"/>
+            <a:r>
+              <a:rPr lang="en-US"/>
+              <a:t>Fourth level</a:t>
+            </a:r>
+          </a:p>
+          <a:p>
+            <a:pPr lvl="4"/>
+            <a:r>
+              <a:rPr lang="en-US"/>
+              <a:t>Fifth level</a:t>
+            </a:r>
+            <a:endParaRPr lang="en-IN"/>
+          </a:p>
+        </p:txBody>
+      </p:sp>
+      <p:sp>
+        <p:nvSpPr>
+          <p:cNvPr id="4" name="Date Placeholder 3">
+            <a:extLst>
+              <a:ext uri="{FF2B5EF4-FFF2-40B4-BE49-F238E27FC236}">
+                <a16:creationId xmlns:a16="http://schemas.microsoft.com/office/drawing/2014/main" id="{7018DB08-C472-4401-B0AF-7B22A2961A8D}"/>
+              </a:ext>
+            </a:extLst>
+          </p:cNvPr>
+          <p:cNvSpPr>
+            <a:spLocks noGrp="1"/>
+          </p:cNvSpPr>
+          <p:nvPr>
+            <p:ph type="dt" sz="half" idx="10"/>
+          </p:nvPr>
+        </p:nvSpPr>
+        <p:spPr/>
+        <p:txBody>
+          <a:bodyPr/>
+          <a:lstStyle/>
+          <a:p>
+            <a:fld id="{9EA15FF1-2FC0-4099-8A6D-DB0EB3BB40B3}" type="datetime1">
+              <a:rPr lang="en-IN" smtClean="0"/>
+              <a:t>11-05-2021</a:t>
+            </a:fld>
+            <a:endParaRPr lang="en-IN"/>
+          </a:p>
+        </p:txBody>
+      </p:sp>
+      <p:sp>
+        <p:nvSpPr>
+          <p:cNvPr id="5" name="Footer Placeholder 4">
+            <a:extLst>
+              <a:ext uri="{FF2B5EF4-FFF2-40B4-BE49-F238E27FC236}">
+                <a16:creationId xmlns:a16="http://schemas.microsoft.com/office/drawing/2014/main" id="{73F898C8-1F7E-49F5-A5DF-BB731768CBB6}"/>
+              </a:ext>
+            </a:extLst>
+          </p:cNvPr>
+          <p:cNvSpPr>
+            <a:spLocks noGrp="1"/>
+          </p:cNvSpPr>
+          <p:nvPr>
+            <p:ph type="ftr" sz="quarter" idx="11"/>
+          </p:nvPr>
+        </p:nvSpPr>
+        <p:spPr/>
+        <p:txBody>
+          <a:bodyPr/>
+          <a:lstStyle/>
+          <a:p>
+            <a:endParaRPr lang="en-IN"/>
+          </a:p>
+        </p:txBody>
+      </p:sp>
+      <p:sp>
+        <p:nvSpPr>
+          <p:cNvPr id="6" name="Slide Number Placeholder 5">
+            <a:extLst>
+              <a:ext uri="{FF2B5EF4-FFF2-40B4-BE49-F238E27FC236}">
+                <a16:creationId xmlns:a16="http://schemas.microsoft.com/office/drawing/2014/main" id="{FE2DAC75-6B42-4CE7-922A-0FA8CCAC74D1}"/>
+              </a:ext>
+            </a:extLst>
+          </p:cNvPr>
+          <p:cNvSpPr>
+            <a:spLocks noGrp="1"/>
+          </p:cNvSpPr>
+          <p:nvPr>
+            <p:ph type="sldNum" sz="quarter" idx="12"/>
+          </p:nvPr>
+        </p:nvSpPr>
+        <p:spPr/>
+        <p:txBody>
+          <a:bodyPr/>
+          <a:lstStyle/>
+          <a:p>
+            <a:fld id="{5AD04236-EC6C-4943-82C4-68DAF3E1E217}" type="slidenum">
+              <a:rPr lang="en-IN" smtClean="0"/>
+              <a:t>‹#›</a:t>
+            </a:fld>
+            <a:endParaRPr lang="en-IN"/>
+          </a:p>
+        </p:txBody>
+      </p:sp>
+    </p:spTree>
+    <p:extLst>
+      <p:ext uri="{BB962C8B-B14F-4D97-AF65-F5344CB8AC3E}">
+        <p14:creationId xmlns:p14="http://schemas.microsoft.com/office/powerpoint/2010/main" val="3441104537"/>
+      </p:ext>
+    </p:extLst>
+  </p:cSld>
+  <p:clrMapOvr>
+    <a:masterClrMapping/>
+  </p:clrMapOvr>
+</p:sldLayout>
+</file>
+
+<file path=ppt/slideLayouts/slideLayout22.xml><?xml version="1.0" encoding="utf-8"?>
+<p:sldLayout xmlns:a="http://schemas.openxmlformats.org/drawingml/2006/main" xmlns:r="http://schemas.openxmlformats.org/officeDocument/2006/relationships" xmlns:p="http://schemas.openxmlformats.org/presentationml/2006/main" type="vertTitleAndTx" preserve="1">
+  <p:cSld name="Vertical Title and Text">
+    <p:spTree>
+      <p:nvGrpSpPr>
+        <p:cNvPr id="1" name=""/>
+        <p:cNvGrpSpPr/>
+        <p:nvPr/>
+      </p:nvGrpSpPr>
+      <p:grpSpPr>
+        <a:xfrm>
+          <a:off x="0" y="0"/>
+          <a:ext cx="0" cy="0"/>
+          <a:chOff x="0" y="0"/>
+          <a:chExt cx="0" cy="0"/>
+        </a:xfrm>
+      </p:grpSpPr>
+      <p:sp>
+        <p:nvSpPr>
+          <p:cNvPr id="2" name="Vertical Title 1">
+            <a:extLst>
+              <a:ext uri="{FF2B5EF4-FFF2-40B4-BE49-F238E27FC236}">
+                <a16:creationId xmlns:a16="http://schemas.microsoft.com/office/drawing/2014/main" id="{23267CC8-C65E-4167-8424-4F1FC38B23B3}"/>
+              </a:ext>
+            </a:extLst>
+          </p:cNvPr>
+          <p:cNvSpPr>
+            <a:spLocks noGrp="1"/>
+          </p:cNvSpPr>
+          <p:nvPr>
+            <p:ph type="title" orient="vert"/>
+          </p:nvPr>
+        </p:nvSpPr>
+        <p:spPr>
+          <a:xfrm>
+            <a:off x="6543675" y="365125"/>
+            <a:ext cx="1971675" cy="5811838"/>
+          </a:xfrm>
+        </p:spPr>
+        <p:txBody>
+          <a:bodyPr vert="eaVert"/>
+          <a:lstStyle/>
+          <a:p>
+            <a:r>
+              <a:rPr lang="en-US"/>
+              <a:t>Click to edit Master title style</a:t>
+            </a:r>
+            <a:endParaRPr lang="en-IN"/>
+          </a:p>
+        </p:txBody>
+      </p:sp>
+      <p:sp>
+        <p:nvSpPr>
+          <p:cNvPr id="3" name="Vertical Text Placeholder 2">
+            <a:extLst>
+              <a:ext uri="{FF2B5EF4-FFF2-40B4-BE49-F238E27FC236}">
+                <a16:creationId xmlns:a16="http://schemas.microsoft.com/office/drawing/2014/main" id="{ED421D40-2325-4F25-B625-E638121A94C0}"/>
+              </a:ext>
+            </a:extLst>
+          </p:cNvPr>
+          <p:cNvSpPr>
+            <a:spLocks noGrp="1"/>
+          </p:cNvSpPr>
+          <p:nvPr>
+            <p:ph type="body" orient="vert" idx="1"/>
+          </p:nvPr>
+        </p:nvSpPr>
+        <p:spPr>
+          <a:xfrm>
+            <a:off x="628650" y="365125"/>
+            <a:ext cx="5762625" cy="5811838"/>
+          </a:xfrm>
+        </p:spPr>
+        <p:txBody>
+          <a:bodyPr vert="eaVert"/>
+          <a:lstStyle/>
+          <a:p>
+            <a:pPr lvl="0"/>
+            <a:r>
+              <a:rPr lang="en-US"/>
+              <a:t>Click to edit Master text styles</a:t>
+            </a:r>
+          </a:p>
+          <a:p>
+            <a:pPr lvl="1"/>
+            <a:r>
+              <a:rPr lang="en-US"/>
+              <a:t>Second level</a:t>
+            </a:r>
+          </a:p>
+          <a:p>
+            <a:pPr lvl="2"/>
+            <a:r>
+              <a:rPr lang="en-US"/>
+              <a:t>Third level</a:t>
+            </a:r>
+          </a:p>
+          <a:p>
+            <a:pPr lvl="3"/>
+            <a:r>
+              <a:rPr lang="en-US"/>
+              <a:t>Fourth level</a:t>
+            </a:r>
+          </a:p>
+          <a:p>
+            <a:pPr lvl="4"/>
+            <a:r>
+              <a:rPr lang="en-US"/>
+              <a:t>Fifth level</a:t>
+            </a:r>
+            <a:endParaRPr lang="en-IN"/>
+          </a:p>
+        </p:txBody>
+      </p:sp>
+      <p:sp>
+        <p:nvSpPr>
+          <p:cNvPr id="4" name="Date Placeholder 3">
+            <a:extLst>
+              <a:ext uri="{FF2B5EF4-FFF2-40B4-BE49-F238E27FC236}">
+                <a16:creationId xmlns:a16="http://schemas.microsoft.com/office/drawing/2014/main" id="{AFAD5D42-1D0D-4775-8712-807235491166}"/>
+              </a:ext>
+            </a:extLst>
+          </p:cNvPr>
+          <p:cNvSpPr>
+            <a:spLocks noGrp="1"/>
+          </p:cNvSpPr>
+          <p:nvPr>
+            <p:ph type="dt" sz="half" idx="10"/>
+          </p:nvPr>
+        </p:nvSpPr>
+        <p:spPr/>
+        <p:txBody>
+          <a:bodyPr/>
+          <a:lstStyle/>
+          <a:p>
+            <a:fld id="{40FFCFEA-E915-4050-A12C-0F8C99718BFB}" type="datetime1">
+              <a:rPr lang="en-IN" smtClean="0"/>
+              <a:t>11-05-2021</a:t>
+            </a:fld>
+            <a:endParaRPr lang="en-IN"/>
+          </a:p>
+        </p:txBody>
+      </p:sp>
+      <p:sp>
+        <p:nvSpPr>
+          <p:cNvPr id="5" name="Footer Placeholder 4">
+            <a:extLst>
+              <a:ext uri="{FF2B5EF4-FFF2-40B4-BE49-F238E27FC236}">
+                <a16:creationId xmlns:a16="http://schemas.microsoft.com/office/drawing/2014/main" id="{5CC61845-38F2-4965-AFF2-408C22C96E7B}"/>
+              </a:ext>
+            </a:extLst>
+          </p:cNvPr>
+          <p:cNvSpPr>
+            <a:spLocks noGrp="1"/>
+          </p:cNvSpPr>
+          <p:nvPr>
+            <p:ph type="ftr" sz="quarter" idx="11"/>
+          </p:nvPr>
+        </p:nvSpPr>
+        <p:spPr/>
+        <p:txBody>
+          <a:bodyPr/>
+          <a:lstStyle/>
+          <a:p>
+            <a:endParaRPr lang="en-IN"/>
+          </a:p>
+        </p:txBody>
+      </p:sp>
+      <p:sp>
+        <p:nvSpPr>
+          <p:cNvPr id="6" name="Slide Number Placeholder 5">
+            <a:extLst>
+              <a:ext uri="{FF2B5EF4-FFF2-40B4-BE49-F238E27FC236}">
+                <a16:creationId xmlns:a16="http://schemas.microsoft.com/office/drawing/2014/main" id="{7AD00F41-1FDD-4B5B-9955-497D23A463BA}"/>
+              </a:ext>
+            </a:extLst>
+          </p:cNvPr>
+          <p:cNvSpPr>
+            <a:spLocks noGrp="1"/>
+          </p:cNvSpPr>
+          <p:nvPr>
+            <p:ph type="sldNum" sz="quarter" idx="12"/>
+          </p:nvPr>
+        </p:nvSpPr>
+        <p:spPr/>
+        <p:txBody>
+          <a:bodyPr/>
+          <a:lstStyle/>
+          <a:p>
+            <a:fld id="{5AD04236-EC6C-4943-82C4-68DAF3E1E217}" type="slidenum">
+              <a:rPr lang="en-IN" smtClean="0"/>
+              <a:t>‹#›</a:t>
+            </a:fld>
+            <a:endParaRPr lang="en-IN"/>
+          </a:p>
+        </p:txBody>
+      </p:sp>
+    </p:spTree>
+    <p:extLst>
+      <p:ext uri="{BB962C8B-B14F-4D97-AF65-F5344CB8AC3E}">
+        <p14:creationId xmlns:p14="http://schemas.microsoft.com/office/powerpoint/2010/main" val="1449426660"/>
       </p:ext>
     </p:extLst>
   </p:cSld>
@@ -1096,9 +4098,9 @@
           <a:bodyPr/>
           <a:lstStyle/>
           <a:p>
-            <a:fld id="{6CCD0C67-079F-43ED-B31E-41CD521D504F}" type="datetimeFigureOut">
+            <a:fld id="{1E9E1AA9-AD99-4D0B-BDAC-3B856413E078}" type="datetime1">
               <a:rPr lang="en-IN" smtClean="0"/>
-              <a:t>03-05-2021</a:t>
+              <a:t>11-05-2021</a:t>
             </a:fld>
             <a:endParaRPr lang="en-IN"/>
           </a:p>
@@ -1328,9 +4330,9 @@
           <a:bodyPr/>
           <a:lstStyle/>
           <a:p>
-            <a:fld id="{6CCD0C67-079F-43ED-B31E-41CD521D504F}" type="datetimeFigureOut">
+            <a:fld id="{A97B23F6-5185-474B-A9A1-FA57E5AFB919}" type="datetime1">
               <a:rPr lang="en-IN" smtClean="0"/>
-              <a:t>03-05-2021</a:t>
+              <a:t>11-05-2021</a:t>
             </a:fld>
             <a:endParaRPr lang="en-IN"/>
           </a:p>
@@ -1687,9 +4689,9 @@
           <a:bodyPr/>
           <a:lstStyle/>
           <a:p>
-            <a:fld id="{6CCD0C67-079F-43ED-B31E-41CD521D504F}" type="datetimeFigureOut">
+            <a:fld id="{D7B66071-F162-4900-A208-E43631DF6D65}" type="datetime1">
               <a:rPr lang="en-IN" smtClean="0"/>
-              <a:t>03-05-2021</a:t>
+              <a:t>11-05-2021</a:t>
             </a:fld>
             <a:endParaRPr lang="en-IN"/>
           </a:p>
@@ -1828,9 +4830,9 @@
           <a:bodyPr/>
           <a:lstStyle/>
           <a:p>
-            <a:fld id="{6CCD0C67-079F-43ED-B31E-41CD521D504F}" type="datetimeFigureOut">
+            <a:fld id="{831BDD42-B8D9-4C6F-94D8-BA937B99F333}" type="datetime1">
               <a:rPr lang="en-IN" smtClean="0"/>
-              <a:t>03-05-2021</a:t>
+              <a:t>11-05-2021</a:t>
             </a:fld>
             <a:endParaRPr lang="en-IN"/>
           </a:p>
@@ -1892,7 +4894,7 @@
 </file>
 
 <file path=ppt/slideLayouts/slideLayout7.xml><?xml version="1.0" encoding="utf-8"?>
-<p:sldLayout xmlns:a="http://schemas.openxmlformats.org/drawingml/2006/main" xmlns:r="http://schemas.openxmlformats.org/officeDocument/2006/relationships" xmlns:p="http://schemas.openxmlformats.org/presentationml/2006/main" type="blank" preserve="1">
+<p:sldLayout xmlns:a="http://schemas.openxmlformats.org/drawingml/2006/main" xmlns:r="http://schemas.openxmlformats.org/officeDocument/2006/relationships" xmlns:p="http://schemas.openxmlformats.org/presentationml/2006/main" preserve="1" userDrawn="1">
   <p:cSld name="Blank">
     <p:spTree>
       <p:nvGrpSpPr>
@@ -1910,7 +4912,42 @@
       </p:grpSpPr>
       <p:sp>
         <p:nvSpPr>
-          <p:cNvPr id="2" name="Date Placeholder 1"/>
+          <p:cNvPr id="11" name="Title 10">
+            <a:extLst>
+              <a:ext uri="{FF2B5EF4-FFF2-40B4-BE49-F238E27FC236}">
+                <a16:creationId xmlns:a16="http://schemas.microsoft.com/office/drawing/2014/main" id="{CE02BE17-C39C-46BA-AAF8-63E678331169}"/>
+              </a:ext>
+            </a:extLst>
+          </p:cNvPr>
+          <p:cNvSpPr>
+            <a:spLocks noGrp="1"/>
+          </p:cNvSpPr>
+          <p:nvPr>
+            <p:ph type="title"/>
+          </p:nvPr>
+        </p:nvSpPr>
+        <p:spPr/>
+        <p:txBody>
+          <a:bodyPr/>
+          <a:lstStyle/>
+          <a:p>
+            <a:r>
+              <a:rPr lang="en-US"/>
+              <a:t>Click to edit Master title style</a:t>
+            </a:r>
+            <a:endParaRPr lang="en-IN"/>
+          </a:p>
+        </p:txBody>
+      </p:sp>
+      <p:sp>
+        <p:nvSpPr>
+          <p:cNvPr id="12" name="Date Placeholder 11">
+            <a:extLst>
+              <a:ext uri="{FF2B5EF4-FFF2-40B4-BE49-F238E27FC236}">
+                <a16:creationId xmlns:a16="http://schemas.microsoft.com/office/drawing/2014/main" id="{561EB619-DE6A-4260-8FE6-462F1D6CE87F}"/>
+              </a:ext>
+            </a:extLst>
+          </p:cNvPr>
           <p:cNvSpPr>
             <a:spLocks noGrp="1"/>
           </p:cNvSpPr>
@@ -1923,9 +4960,9 @@
           <a:bodyPr/>
           <a:lstStyle/>
           <a:p>
-            <a:fld id="{6CCD0C67-079F-43ED-B31E-41CD521D504F}" type="datetimeFigureOut">
+            <a:fld id="{88203560-D524-47F9-9D2A-A487F133C1B1}" type="datetime1">
               <a:rPr lang="en-IN" smtClean="0"/>
-              <a:t>03-05-2021</a:t>
+              <a:t>11-05-2021</a:t>
             </a:fld>
             <a:endParaRPr lang="en-IN"/>
           </a:p>
@@ -1933,7 +4970,13 @@
       </p:sp>
       <p:sp>
         <p:nvSpPr>
-          <p:cNvPr id="3" name="Footer Placeholder 2"/>
+          <p:cNvPr id="13" name="Footer Placeholder 12">
+            <a:extLst>
+              <a:ext uri="{FF2B5EF4-FFF2-40B4-BE49-F238E27FC236}">
+                <a16:creationId xmlns:a16="http://schemas.microsoft.com/office/drawing/2014/main" id="{561B37C6-FF8B-4F41-B4E8-0B09CE5E23DE}"/>
+              </a:ext>
+            </a:extLst>
+          </p:cNvPr>
           <p:cNvSpPr>
             <a:spLocks noGrp="1"/>
           </p:cNvSpPr>
@@ -1952,7 +4995,13 @@
       </p:sp>
       <p:sp>
         <p:nvSpPr>
-          <p:cNvPr id="4" name="Slide Number Placeholder 3"/>
+          <p:cNvPr id="14" name="Slide Number Placeholder 13">
+            <a:extLst>
+              <a:ext uri="{FF2B5EF4-FFF2-40B4-BE49-F238E27FC236}">
+                <a16:creationId xmlns:a16="http://schemas.microsoft.com/office/drawing/2014/main" id="{D6BFF28A-87FF-4FBD-BB53-48A124FFD723}"/>
+              </a:ext>
+            </a:extLst>
+          </p:cNvPr>
           <p:cNvSpPr>
             <a:spLocks noGrp="1"/>
           </p:cNvSpPr>
@@ -1967,6 +5016,7 @@
           <a:p>
             <a:fld id="{7987DD4C-104F-411D-B6F4-1344AD33E256}" type="slidenum">
               <a:rPr lang="en-IN" smtClean="0"/>
+              <a:pPr/>
               <a:t>‹#›</a:t>
             </a:fld>
             <a:endParaRPr lang="en-IN"/>
@@ -2280,9 +5330,9 @@
           <a:bodyPr/>
           <a:lstStyle/>
           <a:p>
-            <a:fld id="{6CCD0C67-079F-43ED-B31E-41CD521D504F}" type="datetimeFigureOut">
+            <a:fld id="{4FCFC4D0-CC54-4DD8-A536-C73AB70FF9D9}" type="datetime1">
               <a:rPr lang="en-IN" smtClean="0"/>
-              <a:t>03-05-2021</a:t>
+              <a:t>11-05-2021</a:t>
             </a:fld>
             <a:endParaRPr lang="en-IN"/>
           </a:p>
@@ -2639,9 +5689,9 @@
             </a:lvl1pPr>
           </a:lstStyle>
           <a:p>
-            <a:fld id="{6CCD0C67-079F-43ED-B31E-41CD521D504F}" type="datetimeFigureOut">
+            <a:fld id="{6F8BBE6A-FDB4-45D8-B525-9D370DAD9223}" type="datetime1">
               <a:rPr lang="en-IN" smtClean="0"/>
-              <a:t>03-05-2021</a:t>
+              <a:t>11-05-2021</a:t>
             </a:fld>
             <a:endParaRPr lang="en-IN"/>
           </a:p>
@@ -2883,9 +5933,9 @@
             </a:lvl1pPr>
           </a:lstStyle>
           <a:p>
-            <a:fld id="{6CCD0C67-079F-43ED-B31E-41CD521D504F}" type="datetimeFigureOut">
+            <a:fld id="{ED0C79DF-3230-4211-9EA0-79FC21BAF537}" type="datetime1">
               <a:rPr lang="en-IN" smtClean="0"/>
-              <a:t>03-05-2021</a:t>
+              <a:t>11-05-2021</a:t>
             </a:fld>
             <a:endParaRPr lang="en-IN"/>
           </a:p>
@@ -2940,34 +5990,56 @@
         </p:nvSpPr>
         <p:spPr>
           <a:xfrm>
-            <a:off x="8240112" y="6217920"/>
+            <a:off x="8778240" y="6396228"/>
             <a:ext cx="365760" cy="365760"/>
           </a:xfrm>
           <a:prstGeom prst="ellipse">
             <a:avLst/>
           </a:prstGeom>
-          <a:solidFill>
-            <a:srgbClr val="1D1D1D">
-              <a:alpha val="69804"/>
-            </a:srgbClr>
-          </a:solidFill>
+          <a:noFill/>
+          <a:ln>
+            <a:noFill/>
+          </a:ln>
         </p:spPr>
+        <p:style>
+          <a:lnRef idx="0">
+            <a:scrgbClr r="0" g="0" b="0"/>
+          </a:lnRef>
+          <a:fillRef idx="0">
+            <a:scrgbClr r="0" g="0" b="0"/>
+          </a:fillRef>
+          <a:effectRef idx="0">
+            <a:scrgbClr r="0" g="0" b="0"/>
+          </a:effectRef>
+          <a:fontRef idx="minor">
+            <a:schemeClr val="dk1"/>
+          </a:fontRef>
+        </p:style>
         <p:txBody>
           <a:bodyPr vert="horz" lIns="18288" tIns="45720" rIns="18288" bIns="45720" rtlCol="0" anchor="ctr">
             <a:noAutofit/>
           </a:bodyPr>
           <a:lstStyle>
             <a:lvl1pPr algn="ctr">
-              <a:defRPr sz="1100" spc="0" baseline="0">
+              <a:defRPr sz="1200" b="0" cap="none" spc="0" baseline="0">
+                <a:ln w="0"/>
                 <a:solidFill>
-                  <a:srgbClr val="FFFFFF"/>
+                  <a:schemeClr val="tx1"/>
                 </a:solidFill>
+                <a:effectLst>
+                  <a:outerShdw blurRad="38100" dist="19050" dir="2700000" algn="tl" rotWithShape="0">
+                    <a:schemeClr val="dk1">
+                      <a:alpha val="40000"/>
+                    </a:schemeClr>
+                  </a:outerShdw>
+                </a:effectLst>
               </a:defRPr>
             </a:lvl1pPr>
           </a:lstStyle>
           <a:p>
             <a:fld id="{7987DD4C-104F-411D-B6F4-1344AD33E256}" type="slidenum">
               <a:rPr lang="en-IN" smtClean="0"/>
+              <a:pPr/>
               <a:t>‹#›</a:t>
             </a:fld>
             <a:endParaRPr lang="en-IN"/>
@@ -2995,6 +6067,7 @@
     <p:sldLayoutId id="2147483682" r:id="rId10"/>
     <p:sldLayoutId id="2147483683" r:id="rId11"/>
   </p:sldLayoutIdLst>
+  <p:hf hdr="0" ftr="0" dt="0"/>
   <p:txStyles>
     <p:titleStyle>
       <a:lvl1pPr algn="ctr" defTabSz="914400" rtl="0" eaLnBrk="1" latinLnBrk="0" hangingPunct="1">
@@ -3320,6 +6393,577 @@
 </p:sldMaster>
 </file>
 
+<file path=ppt/slideMasters/slideMaster2.xml><?xml version="1.0" encoding="utf-8"?>
+<p:sldMaster xmlns:a="http://schemas.openxmlformats.org/drawingml/2006/main" xmlns:r="http://schemas.openxmlformats.org/officeDocument/2006/relationships" xmlns:p="http://schemas.openxmlformats.org/presentationml/2006/main" preserve="1">
+  <p:cSld>
+    <p:bg>
+      <p:bgRef idx="1001">
+        <a:schemeClr val="bg1"/>
+      </p:bgRef>
+    </p:bg>
+    <p:spTree>
+      <p:nvGrpSpPr>
+        <p:cNvPr id="1" name=""/>
+        <p:cNvGrpSpPr/>
+        <p:nvPr/>
+      </p:nvGrpSpPr>
+      <p:grpSpPr>
+        <a:xfrm>
+          <a:off x="0" y="0"/>
+          <a:ext cx="0" cy="0"/>
+          <a:chOff x="0" y="0"/>
+          <a:chExt cx="0" cy="0"/>
+        </a:xfrm>
+      </p:grpSpPr>
+      <p:sp>
+        <p:nvSpPr>
+          <p:cNvPr id="2" name="Title Placeholder 1">
+            <a:extLst>
+              <a:ext uri="{FF2B5EF4-FFF2-40B4-BE49-F238E27FC236}">
+                <a16:creationId xmlns:a16="http://schemas.microsoft.com/office/drawing/2014/main" id="{910DEA6B-802A-4B2E-A03E-FA673CCF8621}"/>
+              </a:ext>
+            </a:extLst>
+          </p:cNvPr>
+          <p:cNvSpPr>
+            <a:spLocks noGrp="1"/>
+          </p:cNvSpPr>
+          <p:nvPr>
+            <p:ph type="title"/>
+          </p:nvPr>
+        </p:nvSpPr>
+        <p:spPr>
+          <a:xfrm>
+            <a:off x="628650" y="365125"/>
+            <a:ext cx="7886700" cy="1325563"/>
+          </a:xfrm>
+          <a:prstGeom prst="rect">
+            <a:avLst/>
+          </a:prstGeom>
+        </p:spPr>
+        <p:txBody>
+          <a:bodyPr vert="horz" lIns="91440" tIns="45720" rIns="91440" bIns="45720" rtlCol="0" anchor="ctr">
+            <a:normAutofit/>
+          </a:bodyPr>
+          <a:lstStyle/>
+          <a:p>
+            <a:r>
+              <a:rPr lang="en-US"/>
+              <a:t>Click to edit Master title style</a:t>
+            </a:r>
+            <a:endParaRPr lang="en-IN"/>
+          </a:p>
+        </p:txBody>
+      </p:sp>
+      <p:sp>
+        <p:nvSpPr>
+          <p:cNvPr id="3" name="Text Placeholder 2">
+            <a:extLst>
+              <a:ext uri="{FF2B5EF4-FFF2-40B4-BE49-F238E27FC236}">
+                <a16:creationId xmlns:a16="http://schemas.microsoft.com/office/drawing/2014/main" id="{E2A723F7-FD11-4C17-9732-CDCE85BAE7E9}"/>
+              </a:ext>
+            </a:extLst>
+          </p:cNvPr>
+          <p:cNvSpPr>
+            <a:spLocks noGrp="1"/>
+          </p:cNvSpPr>
+          <p:nvPr>
+            <p:ph type="body" idx="1"/>
+          </p:nvPr>
+        </p:nvSpPr>
+        <p:spPr>
+          <a:xfrm>
+            <a:off x="628650" y="1825625"/>
+            <a:ext cx="7886700" cy="4351338"/>
+          </a:xfrm>
+          <a:prstGeom prst="rect">
+            <a:avLst/>
+          </a:prstGeom>
+        </p:spPr>
+        <p:txBody>
+          <a:bodyPr vert="horz" lIns="91440" tIns="45720" rIns="91440" bIns="45720" rtlCol="0">
+            <a:normAutofit/>
+          </a:bodyPr>
+          <a:lstStyle/>
+          <a:p>
+            <a:pPr lvl="0"/>
+            <a:r>
+              <a:rPr lang="en-US"/>
+              <a:t>Click to edit Master text styles</a:t>
+            </a:r>
+          </a:p>
+          <a:p>
+            <a:pPr lvl="1"/>
+            <a:r>
+              <a:rPr lang="en-US"/>
+              <a:t>Second level</a:t>
+            </a:r>
+          </a:p>
+          <a:p>
+            <a:pPr lvl="2"/>
+            <a:r>
+              <a:rPr lang="en-US"/>
+              <a:t>Third level</a:t>
+            </a:r>
+          </a:p>
+          <a:p>
+            <a:pPr lvl="3"/>
+            <a:r>
+              <a:rPr lang="en-US"/>
+              <a:t>Fourth level</a:t>
+            </a:r>
+          </a:p>
+          <a:p>
+            <a:pPr lvl="4"/>
+            <a:r>
+              <a:rPr lang="en-US"/>
+              <a:t>Fifth level</a:t>
+            </a:r>
+            <a:endParaRPr lang="en-IN"/>
+          </a:p>
+        </p:txBody>
+      </p:sp>
+      <p:sp>
+        <p:nvSpPr>
+          <p:cNvPr id="4" name="Date Placeholder 3">
+            <a:extLst>
+              <a:ext uri="{FF2B5EF4-FFF2-40B4-BE49-F238E27FC236}">
+                <a16:creationId xmlns:a16="http://schemas.microsoft.com/office/drawing/2014/main" id="{FA881CE6-460F-4D5F-B88B-5FA2108D86DF}"/>
+              </a:ext>
+            </a:extLst>
+          </p:cNvPr>
+          <p:cNvSpPr>
+            <a:spLocks noGrp="1"/>
+          </p:cNvSpPr>
+          <p:nvPr>
+            <p:ph type="dt" sz="half" idx="2"/>
+          </p:nvPr>
+        </p:nvSpPr>
+        <p:spPr>
+          <a:xfrm>
+            <a:off x="628650" y="6356350"/>
+            <a:ext cx="2057400" cy="365125"/>
+          </a:xfrm>
+          <a:prstGeom prst="rect">
+            <a:avLst/>
+          </a:prstGeom>
+        </p:spPr>
+        <p:txBody>
+          <a:bodyPr vert="horz" lIns="91440" tIns="45720" rIns="91440" bIns="45720" rtlCol="0" anchor="ctr"/>
+          <a:lstStyle>
+            <a:lvl1pPr algn="l">
+              <a:defRPr sz="1200">
+                <a:solidFill>
+                  <a:schemeClr val="tx1">
+                    <a:tint val="75000"/>
+                  </a:schemeClr>
+                </a:solidFill>
+              </a:defRPr>
+            </a:lvl1pPr>
+          </a:lstStyle>
+          <a:p>
+            <a:fld id="{DDAC2C4F-A2D2-4579-96E6-26C79735DE5F}" type="datetime1">
+              <a:rPr lang="en-IN" smtClean="0"/>
+              <a:t>11-05-2021</a:t>
+            </a:fld>
+            <a:endParaRPr lang="en-IN"/>
+          </a:p>
+        </p:txBody>
+      </p:sp>
+      <p:sp>
+        <p:nvSpPr>
+          <p:cNvPr id="5" name="Footer Placeholder 4">
+            <a:extLst>
+              <a:ext uri="{FF2B5EF4-FFF2-40B4-BE49-F238E27FC236}">
+                <a16:creationId xmlns:a16="http://schemas.microsoft.com/office/drawing/2014/main" id="{F9D77652-6791-4915-9AB9-B45A8E4B71A4}"/>
+              </a:ext>
+            </a:extLst>
+          </p:cNvPr>
+          <p:cNvSpPr>
+            <a:spLocks noGrp="1"/>
+          </p:cNvSpPr>
+          <p:nvPr>
+            <p:ph type="ftr" sz="quarter" idx="3"/>
+          </p:nvPr>
+        </p:nvSpPr>
+        <p:spPr>
+          <a:xfrm>
+            <a:off x="3028950" y="6356350"/>
+            <a:ext cx="3086100" cy="365125"/>
+          </a:xfrm>
+          <a:prstGeom prst="rect">
+            <a:avLst/>
+          </a:prstGeom>
+        </p:spPr>
+        <p:txBody>
+          <a:bodyPr vert="horz" lIns="91440" tIns="45720" rIns="91440" bIns="45720" rtlCol="0" anchor="ctr"/>
+          <a:lstStyle>
+            <a:lvl1pPr algn="ctr">
+              <a:defRPr sz="1200">
+                <a:solidFill>
+                  <a:schemeClr val="tx1">
+                    <a:tint val="75000"/>
+                  </a:schemeClr>
+                </a:solidFill>
+              </a:defRPr>
+            </a:lvl1pPr>
+          </a:lstStyle>
+          <a:p>
+            <a:endParaRPr lang="en-IN"/>
+          </a:p>
+        </p:txBody>
+      </p:sp>
+      <p:sp>
+        <p:nvSpPr>
+          <p:cNvPr id="6" name="Slide Number Placeholder 5">
+            <a:extLst>
+              <a:ext uri="{FF2B5EF4-FFF2-40B4-BE49-F238E27FC236}">
+                <a16:creationId xmlns:a16="http://schemas.microsoft.com/office/drawing/2014/main" id="{1DC28434-F190-476B-906D-BF934928F7ED}"/>
+              </a:ext>
+            </a:extLst>
+          </p:cNvPr>
+          <p:cNvSpPr>
+            <a:spLocks noGrp="1"/>
+          </p:cNvSpPr>
+          <p:nvPr>
+            <p:ph type="sldNum" sz="quarter" idx="4"/>
+          </p:nvPr>
+        </p:nvSpPr>
+        <p:spPr>
+          <a:xfrm>
+            <a:off x="6457950" y="6356350"/>
+            <a:ext cx="2057400" cy="365125"/>
+          </a:xfrm>
+          <a:prstGeom prst="rect">
+            <a:avLst/>
+          </a:prstGeom>
+        </p:spPr>
+        <p:txBody>
+          <a:bodyPr vert="horz" lIns="91440" tIns="45720" rIns="91440" bIns="45720" rtlCol="0" anchor="ctr"/>
+          <a:lstStyle>
+            <a:lvl1pPr algn="r">
+              <a:defRPr sz="1200">
+                <a:solidFill>
+                  <a:schemeClr val="tx1">
+                    <a:tint val="75000"/>
+                  </a:schemeClr>
+                </a:solidFill>
+              </a:defRPr>
+            </a:lvl1pPr>
+          </a:lstStyle>
+          <a:p>
+            <a:fld id="{5AD04236-EC6C-4943-82C4-68DAF3E1E217}" type="slidenum">
+              <a:rPr lang="en-IN" smtClean="0"/>
+              <a:t>‹#›</a:t>
+            </a:fld>
+            <a:endParaRPr lang="en-IN" dirty="0"/>
+          </a:p>
+        </p:txBody>
+      </p:sp>
+    </p:spTree>
+    <p:extLst>
+      <p:ext uri="{BB962C8B-B14F-4D97-AF65-F5344CB8AC3E}">
+        <p14:creationId xmlns:p14="http://schemas.microsoft.com/office/powerpoint/2010/main" val="1821689849"/>
+      </p:ext>
+    </p:extLst>
+  </p:cSld>
+  <p:clrMap bg1="lt1" tx1="dk1" bg2="lt2" tx2="dk2" accent1="accent1" accent2="accent2" accent3="accent3" accent4="accent4" accent5="accent5" accent6="accent6" hlink="hlink" folHlink="folHlink"/>
+  <p:sldLayoutIdLst>
+    <p:sldLayoutId id="2147483685" r:id="rId1"/>
+    <p:sldLayoutId id="2147483686" r:id="rId2"/>
+    <p:sldLayoutId id="2147483687" r:id="rId3"/>
+    <p:sldLayoutId id="2147483688" r:id="rId4"/>
+    <p:sldLayoutId id="2147483689" r:id="rId5"/>
+    <p:sldLayoutId id="2147483690" r:id="rId6"/>
+    <p:sldLayoutId id="2147483691" r:id="rId7"/>
+    <p:sldLayoutId id="2147483692" r:id="rId8"/>
+    <p:sldLayoutId id="2147483693" r:id="rId9"/>
+    <p:sldLayoutId id="2147483694" r:id="rId10"/>
+    <p:sldLayoutId id="2147483695" r:id="rId11"/>
+  </p:sldLayoutIdLst>
+  <p:hf hdr="0" ftr="0" dt="0"/>
+  <p:txStyles>
+    <p:titleStyle>
+      <a:lvl1pPr algn="l" defTabSz="914400" rtl="0" eaLnBrk="1" latinLnBrk="0" hangingPunct="1">
+        <a:lnSpc>
+          <a:spcPct val="90000"/>
+        </a:lnSpc>
+        <a:spcBef>
+          <a:spcPct val="0"/>
+        </a:spcBef>
+        <a:buNone/>
+        <a:defRPr sz="4400" kern="1200">
+          <a:solidFill>
+            <a:schemeClr val="tx1"/>
+          </a:solidFill>
+          <a:latin typeface="+mj-lt"/>
+          <a:ea typeface="+mj-ea"/>
+          <a:cs typeface="+mj-cs"/>
+        </a:defRPr>
+      </a:lvl1pPr>
+    </p:titleStyle>
+    <p:bodyStyle>
+      <a:lvl1pPr marL="228600" indent="-228600" algn="l" defTabSz="914400" rtl="0" eaLnBrk="1" latinLnBrk="0" hangingPunct="1">
+        <a:lnSpc>
+          <a:spcPct val="90000"/>
+        </a:lnSpc>
+        <a:spcBef>
+          <a:spcPts val="1000"/>
+        </a:spcBef>
+        <a:buFont typeface="Arial" panose="020B0604020202020204" pitchFamily="34" charset="0"/>
+        <a:buChar char="•"/>
+        <a:defRPr sz="2800" kern="1200">
+          <a:solidFill>
+            <a:schemeClr val="tx1"/>
+          </a:solidFill>
+          <a:latin typeface="+mn-lt"/>
+          <a:ea typeface="+mn-ea"/>
+          <a:cs typeface="+mn-cs"/>
+        </a:defRPr>
+      </a:lvl1pPr>
+      <a:lvl2pPr marL="685800" indent="-228600" algn="l" defTabSz="914400" rtl="0" eaLnBrk="1" latinLnBrk="0" hangingPunct="1">
+        <a:lnSpc>
+          <a:spcPct val="90000"/>
+        </a:lnSpc>
+        <a:spcBef>
+          <a:spcPts val="500"/>
+        </a:spcBef>
+        <a:buFont typeface="Arial" panose="020B0604020202020204" pitchFamily="34" charset="0"/>
+        <a:buChar char="•"/>
+        <a:defRPr sz="2400" kern="1200">
+          <a:solidFill>
+            <a:schemeClr val="tx1"/>
+          </a:solidFill>
+          <a:latin typeface="+mn-lt"/>
+          <a:ea typeface="+mn-ea"/>
+          <a:cs typeface="+mn-cs"/>
+        </a:defRPr>
+      </a:lvl2pPr>
+      <a:lvl3pPr marL="1143000" indent="-228600" algn="l" defTabSz="914400" rtl="0" eaLnBrk="1" latinLnBrk="0" hangingPunct="1">
+        <a:lnSpc>
+          <a:spcPct val="90000"/>
+        </a:lnSpc>
+        <a:spcBef>
+          <a:spcPts val="500"/>
+        </a:spcBef>
+        <a:buFont typeface="Arial" panose="020B0604020202020204" pitchFamily="34" charset="0"/>
+        <a:buChar char="•"/>
+        <a:defRPr sz="2000" kern="1200">
+          <a:solidFill>
+            <a:schemeClr val="tx1"/>
+          </a:solidFill>
+          <a:latin typeface="+mn-lt"/>
+          <a:ea typeface="+mn-ea"/>
+          <a:cs typeface="+mn-cs"/>
+        </a:defRPr>
+      </a:lvl3pPr>
+      <a:lvl4pPr marL="1600200" indent="-228600" algn="l" defTabSz="914400" rtl="0" eaLnBrk="1" latinLnBrk="0" hangingPunct="1">
+        <a:lnSpc>
+          <a:spcPct val="90000"/>
+        </a:lnSpc>
+        <a:spcBef>
+          <a:spcPts val="500"/>
+        </a:spcBef>
+        <a:buFont typeface="Arial" panose="020B0604020202020204" pitchFamily="34" charset="0"/>
+        <a:buChar char="•"/>
+        <a:defRPr sz="1800" kern="1200">
+          <a:solidFill>
+            <a:schemeClr val="tx1"/>
+          </a:solidFill>
+          <a:latin typeface="+mn-lt"/>
+          <a:ea typeface="+mn-ea"/>
+          <a:cs typeface="+mn-cs"/>
+        </a:defRPr>
+      </a:lvl4pPr>
+      <a:lvl5pPr marL="2057400" indent="-228600" algn="l" defTabSz="914400" rtl="0" eaLnBrk="1" latinLnBrk="0" hangingPunct="1">
+        <a:lnSpc>
+          <a:spcPct val="90000"/>
+        </a:lnSpc>
+        <a:spcBef>
+          <a:spcPts val="500"/>
+        </a:spcBef>
+        <a:buFont typeface="Arial" panose="020B0604020202020204" pitchFamily="34" charset="0"/>
+        <a:buChar char="•"/>
+        <a:defRPr sz="1800" kern="1200">
+          <a:solidFill>
+            <a:schemeClr val="tx1"/>
+          </a:solidFill>
+          <a:latin typeface="+mn-lt"/>
+          <a:ea typeface="+mn-ea"/>
+          <a:cs typeface="+mn-cs"/>
+        </a:defRPr>
+      </a:lvl5pPr>
+      <a:lvl6pPr marL="2514600" indent="-228600" algn="l" defTabSz="914400" rtl="0" eaLnBrk="1" latinLnBrk="0" hangingPunct="1">
+        <a:lnSpc>
+          <a:spcPct val="90000"/>
+        </a:lnSpc>
+        <a:spcBef>
+          <a:spcPts val="500"/>
+        </a:spcBef>
+        <a:buFont typeface="Arial" panose="020B0604020202020204" pitchFamily="34" charset="0"/>
+        <a:buChar char="•"/>
+        <a:defRPr sz="1800" kern="1200">
+          <a:solidFill>
+            <a:schemeClr val="tx1"/>
+          </a:solidFill>
+          <a:latin typeface="+mn-lt"/>
+          <a:ea typeface="+mn-ea"/>
+          <a:cs typeface="+mn-cs"/>
+        </a:defRPr>
+      </a:lvl6pPr>
+      <a:lvl7pPr marL="2971800" indent="-228600" algn="l" defTabSz="914400" rtl="0" eaLnBrk="1" latinLnBrk="0" hangingPunct="1">
+        <a:lnSpc>
+          <a:spcPct val="90000"/>
+        </a:lnSpc>
+        <a:spcBef>
+          <a:spcPts val="500"/>
+        </a:spcBef>
+        <a:buFont typeface="Arial" panose="020B0604020202020204" pitchFamily="34" charset="0"/>
+        <a:buChar char="•"/>
+        <a:defRPr sz="1800" kern="1200">
+          <a:solidFill>
+            <a:schemeClr val="tx1"/>
+          </a:solidFill>
+          <a:latin typeface="+mn-lt"/>
+          <a:ea typeface="+mn-ea"/>
+          <a:cs typeface="+mn-cs"/>
+        </a:defRPr>
+      </a:lvl7pPr>
+      <a:lvl8pPr marL="3429000" indent="-228600" algn="l" defTabSz="914400" rtl="0" eaLnBrk="1" latinLnBrk="0" hangingPunct="1">
+        <a:lnSpc>
+          <a:spcPct val="90000"/>
+        </a:lnSpc>
+        <a:spcBef>
+          <a:spcPts val="500"/>
+        </a:spcBef>
+        <a:buFont typeface="Arial" panose="020B0604020202020204" pitchFamily="34" charset="0"/>
+        <a:buChar char="•"/>
+        <a:defRPr sz="1800" kern="1200">
+          <a:solidFill>
+            <a:schemeClr val="tx1"/>
+          </a:solidFill>
+          <a:latin typeface="+mn-lt"/>
+          <a:ea typeface="+mn-ea"/>
+          <a:cs typeface="+mn-cs"/>
+        </a:defRPr>
+      </a:lvl8pPr>
+      <a:lvl9pPr marL="3886200" indent="-228600" algn="l" defTabSz="914400" rtl="0" eaLnBrk="1" latinLnBrk="0" hangingPunct="1">
+        <a:lnSpc>
+          <a:spcPct val="90000"/>
+        </a:lnSpc>
+        <a:spcBef>
+          <a:spcPts val="500"/>
+        </a:spcBef>
+        <a:buFont typeface="Arial" panose="020B0604020202020204" pitchFamily="34" charset="0"/>
+        <a:buChar char="•"/>
+        <a:defRPr sz="1800" kern="1200">
+          <a:solidFill>
+            <a:schemeClr val="tx1"/>
+          </a:solidFill>
+          <a:latin typeface="+mn-lt"/>
+          <a:ea typeface="+mn-ea"/>
+          <a:cs typeface="+mn-cs"/>
+        </a:defRPr>
+      </a:lvl9pPr>
+    </p:bodyStyle>
+    <p:otherStyle>
+      <a:defPPr>
+        <a:defRPr lang="en-US"/>
+      </a:defPPr>
+      <a:lvl1pPr marL="0" algn="l" defTabSz="914400" rtl="0" eaLnBrk="1" latinLnBrk="0" hangingPunct="1">
+        <a:defRPr sz="1800" kern="1200">
+          <a:solidFill>
+            <a:schemeClr val="tx1"/>
+          </a:solidFill>
+          <a:latin typeface="+mn-lt"/>
+          <a:ea typeface="+mn-ea"/>
+          <a:cs typeface="+mn-cs"/>
+        </a:defRPr>
+      </a:lvl1pPr>
+      <a:lvl2pPr marL="457200" algn="l" defTabSz="914400" rtl="0" eaLnBrk="1" latinLnBrk="0" hangingPunct="1">
+        <a:defRPr sz="1800" kern="1200">
+          <a:solidFill>
+            <a:schemeClr val="tx1"/>
+          </a:solidFill>
+          <a:latin typeface="+mn-lt"/>
+          <a:ea typeface="+mn-ea"/>
+          <a:cs typeface="+mn-cs"/>
+        </a:defRPr>
+      </a:lvl2pPr>
+      <a:lvl3pPr marL="914400" algn="l" defTabSz="914400" rtl="0" eaLnBrk="1" latinLnBrk="0" hangingPunct="1">
+        <a:defRPr sz="1800" kern="1200">
+          <a:solidFill>
+            <a:schemeClr val="tx1"/>
+          </a:solidFill>
+          <a:latin typeface="+mn-lt"/>
+          <a:ea typeface="+mn-ea"/>
+          <a:cs typeface="+mn-cs"/>
+        </a:defRPr>
+      </a:lvl3pPr>
+      <a:lvl4pPr marL="1371600" algn="l" defTabSz="914400" rtl="0" eaLnBrk="1" latinLnBrk="0" hangingPunct="1">
+        <a:defRPr sz="1800" kern="1200">
+          <a:solidFill>
+            <a:schemeClr val="tx1"/>
+          </a:solidFill>
+          <a:latin typeface="+mn-lt"/>
+          <a:ea typeface="+mn-ea"/>
+          <a:cs typeface="+mn-cs"/>
+        </a:defRPr>
+      </a:lvl4pPr>
+      <a:lvl5pPr marL="1828800" algn="l" defTabSz="914400" rtl="0" eaLnBrk="1" latinLnBrk="0" hangingPunct="1">
+        <a:defRPr sz="1800" kern="1200">
+          <a:solidFill>
+            <a:schemeClr val="tx1"/>
+          </a:solidFill>
+          <a:latin typeface="+mn-lt"/>
+          <a:ea typeface="+mn-ea"/>
+          <a:cs typeface="+mn-cs"/>
+        </a:defRPr>
+      </a:lvl5pPr>
+      <a:lvl6pPr marL="2286000" algn="l" defTabSz="914400" rtl="0" eaLnBrk="1" latinLnBrk="0" hangingPunct="1">
+        <a:defRPr sz="1800" kern="1200">
+          <a:solidFill>
+            <a:schemeClr val="tx1"/>
+          </a:solidFill>
+          <a:latin typeface="+mn-lt"/>
+          <a:ea typeface="+mn-ea"/>
+          <a:cs typeface="+mn-cs"/>
+        </a:defRPr>
+      </a:lvl6pPr>
+      <a:lvl7pPr marL="2743200" algn="l" defTabSz="914400" rtl="0" eaLnBrk="1" latinLnBrk="0" hangingPunct="1">
+        <a:defRPr sz="1800" kern="1200">
+          <a:solidFill>
+            <a:schemeClr val="tx1"/>
+          </a:solidFill>
+          <a:latin typeface="+mn-lt"/>
+          <a:ea typeface="+mn-ea"/>
+          <a:cs typeface="+mn-cs"/>
+        </a:defRPr>
+      </a:lvl7pPr>
+      <a:lvl8pPr marL="3200400" algn="l" defTabSz="914400" rtl="0" eaLnBrk="1" latinLnBrk="0" hangingPunct="1">
+        <a:defRPr sz="1800" kern="1200">
+          <a:solidFill>
+            <a:schemeClr val="tx1"/>
+          </a:solidFill>
+          <a:latin typeface="+mn-lt"/>
+          <a:ea typeface="+mn-ea"/>
+          <a:cs typeface="+mn-cs"/>
+        </a:defRPr>
+      </a:lvl8pPr>
+      <a:lvl9pPr marL="3657600" algn="l" defTabSz="914400" rtl="0" eaLnBrk="1" latinLnBrk="0" hangingPunct="1">
+        <a:defRPr sz="1800" kern="1200">
+          <a:solidFill>
+            <a:schemeClr val="tx1"/>
+          </a:solidFill>
+          <a:latin typeface="+mn-lt"/>
+          <a:ea typeface="+mn-ea"/>
+          <a:cs typeface="+mn-cs"/>
+        </a:defRPr>
+      </a:lvl9pPr>
+    </p:otherStyle>
+  </p:txStyles>
+</p:sldMaster>
+</file>
+
 <file path=ppt/slides/slide1.xml><?xml version="1.0" encoding="utf-8"?>
 <p:sld xmlns:a="http://schemas.openxmlformats.org/drawingml/2006/main" xmlns:r="http://schemas.openxmlformats.org/officeDocument/2006/relationships" xmlns:p="http://schemas.openxmlformats.org/presentationml/2006/main">
   <p:cSld>
@@ -3375,8 +7019,17 @@
               <a:rPr lang="en-US" b="1" dirty="0">
                 <a:cs typeface="Times New Roman" panose="02020603050405020304" pitchFamily="18" charset="0"/>
               </a:rPr>
-              <a:t>Gavali Deshabhakt Naganath</a:t>
-            </a:r>
+              <a:t>Gavali </a:t>
+            </a:r>
+            <a:r>
+              <a:rPr lang="en-US" b="1">
+                <a:cs typeface="Times New Roman" panose="02020603050405020304" pitchFamily="18" charset="0"/>
+              </a:rPr>
+              <a:t>Deshabhakt Nagnath</a:t>
+            </a:r>
+            <a:endParaRPr lang="en-US" b="1" dirty="0">
+              <a:cs typeface="Times New Roman" panose="02020603050405020304" pitchFamily="18" charset="0"/>
+            </a:endParaRPr>
           </a:p>
           <a:p>
             <a:pPr marL="257175" indent="-257175">
@@ -3461,7 +7114,7 @@
           <a:p>
             <a:r>
               <a:rPr lang="en-US" b="1" dirty="0"/>
-              <a:t>Date:				14/04/2021 </a:t>
+              <a:t>Date:				07/05/2021 </a:t>
             </a:r>
           </a:p>
         </p:txBody>
@@ -3587,6 +7240,36 @@
           </a:prstGeom>
         </p:spPr>
       </p:pic>
+      <p:sp>
+        <p:nvSpPr>
+          <p:cNvPr id="6" name="Slide Number Placeholder 5">
+            <a:extLst>
+              <a:ext uri="{FF2B5EF4-FFF2-40B4-BE49-F238E27FC236}">
+                <a16:creationId xmlns:a16="http://schemas.microsoft.com/office/drawing/2014/main" id="{CF9AA67F-CD2F-4B04-951E-7401A3AD777F}"/>
+              </a:ext>
+            </a:extLst>
+          </p:cNvPr>
+          <p:cNvSpPr>
+            <a:spLocks noGrp="1"/>
+          </p:cNvSpPr>
+          <p:nvPr>
+            <p:ph type="sldNum" sz="quarter" idx="12"/>
+          </p:nvPr>
+        </p:nvSpPr>
+        <p:spPr/>
+        <p:txBody>
+          <a:bodyPr/>
+          <a:lstStyle/>
+          <a:p>
+            <a:fld id="{7987DD4C-104F-411D-B6F4-1344AD33E256}" type="slidenum">
+              <a:rPr lang="en-IN" smtClean="0"/>
+              <a:pPr/>
+              <a:t>1</a:t>
+            </a:fld>
+            <a:endParaRPr lang="en-IN"/>
+          </a:p>
+        </p:txBody>
+      </p:sp>
     </p:spTree>
     <p:extLst>
       <p:ext uri="{BB962C8B-B14F-4D97-AF65-F5344CB8AC3E}">
@@ -3785,6 +7468,35 @@
           <a:effectLst/>
         </p:spPr>
       </p:pic>
+      <p:sp>
+        <p:nvSpPr>
+          <p:cNvPr id="4" name="Slide Number Placeholder 3">
+            <a:extLst>
+              <a:ext uri="{FF2B5EF4-FFF2-40B4-BE49-F238E27FC236}">
+                <a16:creationId xmlns:a16="http://schemas.microsoft.com/office/drawing/2014/main" id="{FC0720C8-1305-4E78-99F8-6D634267FEEC}"/>
+              </a:ext>
+            </a:extLst>
+          </p:cNvPr>
+          <p:cNvSpPr>
+            <a:spLocks noGrp="1"/>
+          </p:cNvSpPr>
+          <p:nvPr>
+            <p:ph type="sldNum" sz="quarter" idx="12"/>
+          </p:nvPr>
+        </p:nvSpPr>
+        <p:spPr/>
+        <p:txBody>
+          <a:bodyPr/>
+          <a:lstStyle/>
+          <a:p>
+            <a:fld id="{7987DD4C-104F-411D-B6F4-1344AD33E256}" type="slidenum">
+              <a:rPr lang="en-IN" smtClean="0"/>
+              <a:t>10</a:t>
+            </a:fld>
+            <a:endParaRPr lang="en-IN"/>
+          </a:p>
+        </p:txBody>
+      </p:sp>
     </p:spTree>
     <p:extLst>
       <p:ext uri="{BB962C8B-B14F-4D97-AF65-F5344CB8AC3E}">
@@ -3945,6 +7657,35 @@
           </a:ln>
         </p:spPr>
       </p:pic>
+      <p:sp>
+        <p:nvSpPr>
+          <p:cNvPr id="4" name="Slide Number Placeholder 3">
+            <a:extLst>
+              <a:ext uri="{FF2B5EF4-FFF2-40B4-BE49-F238E27FC236}">
+                <a16:creationId xmlns:a16="http://schemas.microsoft.com/office/drawing/2014/main" id="{5768FF5C-29EB-4B04-9341-5EBC8E106325}"/>
+              </a:ext>
+            </a:extLst>
+          </p:cNvPr>
+          <p:cNvSpPr>
+            <a:spLocks noGrp="1"/>
+          </p:cNvSpPr>
+          <p:nvPr>
+            <p:ph type="sldNum" sz="quarter" idx="12"/>
+          </p:nvPr>
+        </p:nvSpPr>
+        <p:spPr/>
+        <p:txBody>
+          <a:bodyPr/>
+          <a:lstStyle/>
+          <a:p>
+            <a:fld id="{7987DD4C-104F-411D-B6F4-1344AD33E256}" type="slidenum">
+              <a:rPr lang="en-IN" smtClean="0"/>
+              <a:t>11</a:t>
+            </a:fld>
+            <a:endParaRPr lang="en-IN"/>
+          </a:p>
+        </p:txBody>
+      </p:sp>
     </p:spTree>
     <p:extLst>
       <p:ext uri="{BB962C8B-B14F-4D97-AF65-F5344CB8AC3E}">
@@ -4104,6 +7845,35 @@
           </a:ln>
         </p:spPr>
       </p:pic>
+      <p:sp>
+        <p:nvSpPr>
+          <p:cNvPr id="4" name="Slide Number Placeholder 3">
+            <a:extLst>
+              <a:ext uri="{FF2B5EF4-FFF2-40B4-BE49-F238E27FC236}">
+                <a16:creationId xmlns:a16="http://schemas.microsoft.com/office/drawing/2014/main" id="{E3610E3E-8337-4820-BAEC-AC1250C98EB0}"/>
+              </a:ext>
+            </a:extLst>
+          </p:cNvPr>
+          <p:cNvSpPr>
+            <a:spLocks noGrp="1"/>
+          </p:cNvSpPr>
+          <p:nvPr>
+            <p:ph type="sldNum" sz="quarter" idx="12"/>
+          </p:nvPr>
+        </p:nvSpPr>
+        <p:spPr/>
+        <p:txBody>
+          <a:bodyPr/>
+          <a:lstStyle/>
+          <a:p>
+            <a:fld id="{7987DD4C-104F-411D-B6F4-1344AD33E256}" type="slidenum">
+              <a:rPr lang="en-IN" smtClean="0"/>
+              <a:t>12</a:t>
+            </a:fld>
+            <a:endParaRPr lang="en-IN"/>
+          </a:p>
+        </p:txBody>
+      </p:sp>
     </p:spTree>
     <p:extLst>
       <p:ext uri="{BB962C8B-B14F-4D97-AF65-F5344CB8AC3E}">
@@ -4321,6 +8091,35 @@
           </a:ln>
         </p:spPr>
       </p:pic>
+      <p:sp>
+        <p:nvSpPr>
+          <p:cNvPr id="4" name="Slide Number Placeholder 3">
+            <a:extLst>
+              <a:ext uri="{FF2B5EF4-FFF2-40B4-BE49-F238E27FC236}">
+                <a16:creationId xmlns:a16="http://schemas.microsoft.com/office/drawing/2014/main" id="{46C1710B-ED6D-4338-86BC-F44DD19C24B4}"/>
+              </a:ext>
+            </a:extLst>
+          </p:cNvPr>
+          <p:cNvSpPr>
+            <a:spLocks noGrp="1"/>
+          </p:cNvSpPr>
+          <p:nvPr>
+            <p:ph type="sldNum" sz="quarter" idx="12"/>
+          </p:nvPr>
+        </p:nvSpPr>
+        <p:spPr/>
+        <p:txBody>
+          <a:bodyPr/>
+          <a:lstStyle/>
+          <a:p>
+            <a:fld id="{7987DD4C-104F-411D-B6F4-1344AD33E256}" type="slidenum">
+              <a:rPr lang="en-IN" smtClean="0"/>
+              <a:t>13</a:t>
+            </a:fld>
+            <a:endParaRPr lang="en-IN"/>
+          </a:p>
+        </p:txBody>
+      </p:sp>
     </p:spTree>
     <p:extLst>
       <p:ext uri="{BB962C8B-B14F-4D97-AF65-F5344CB8AC3E}">
@@ -4474,6 +8273,35 @@
           </a:ln>
         </p:spPr>
       </p:pic>
+      <p:sp>
+        <p:nvSpPr>
+          <p:cNvPr id="6" name="Slide Number Placeholder 5">
+            <a:extLst>
+              <a:ext uri="{FF2B5EF4-FFF2-40B4-BE49-F238E27FC236}">
+                <a16:creationId xmlns:a16="http://schemas.microsoft.com/office/drawing/2014/main" id="{47AF461D-D347-4B40-8148-9BE86EAB7F1B}"/>
+              </a:ext>
+            </a:extLst>
+          </p:cNvPr>
+          <p:cNvSpPr>
+            <a:spLocks noGrp="1"/>
+          </p:cNvSpPr>
+          <p:nvPr>
+            <p:ph type="sldNum" sz="quarter" idx="12"/>
+          </p:nvPr>
+        </p:nvSpPr>
+        <p:spPr/>
+        <p:txBody>
+          <a:bodyPr/>
+          <a:lstStyle/>
+          <a:p>
+            <a:fld id="{7987DD4C-104F-411D-B6F4-1344AD33E256}" type="slidenum">
+              <a:rPr lang="en-IN" smtClean="0"/>
+              <a:t>14</a:t>
+            </a:fld>
+            <a:endParaRPr lang="en-IN"/>
+          </a:p>
+        </p:txBody>
+      </p:sp>
     </p:spTree>
     <p:extLst>
       <p:ext uri="{BB962C8B-B14F-4D97-AF65-F5344CB8AC3E}">
@@ -4586,6 +8414,35 @@
           </a:ln>
         </p:spPr>
       </p:pic>
+      <p:sp>
+        <p:nvSpPr>
+          <p:cNvPr id="4" name="Slide Number Placeholder 3">
+            <a:extLst>
+              <a:ext uri="{FF2B5EF4-FFF2-40B4-BE49-F238E27FC236}">
+                <a16:creationId xmlns:a16="http://schemas.microsoft.com/office/drawing/2014/main" id="{7CB4F5E6-B0EA-41A4-B8B6-DA9C6B3FEA91}"/>
+              </a:ext>
+            </a:extLst>
+          </p:cNvPr>
+          <p:cNvSpPr>
+            <a:spLocks noGrp="1"/>
+          </p:cNvSpPr>
+          <p:nvPr>
+            <p:ph type="sldNum" sz="quarter" idx="12"/>
+          </p:nvPr>
+        </p:nvSpPr>
+        <p:spPr/>
+        <p:txBody>
+          <a:bodyPr/>
+          <a:lstStyle/>
+          <a:p>
+            <a:fld id="{7987DD4C-104F-411D-B6F4-1344AD33E256}" type="slidenum">
+              <a:rPr lang="en-IN" smtClean="0"/>
+              <a:t>15</a:t>
+            </a:fld>
+            <a:endParaRPr lang="en-IN"/>
+          </a:p>
+        </p:txBody>
+      </p:sp>
     </p:spTree>
     <p:extLst>
       <p:ext uri="{BB962C8B-B14F-4D97-AF65-F5344CB8AC3E}">
@@ -4802,6 +8659,35 @@
           </a:ln>
         </p:spPr>
       </p:pic>
+      <p:sp>
+        <p:nvSpPr>
+          <p:cNvPr id="4" name="Slide Number Placeholder 3">
+            <a:extLst>
+              <a:ext uri="{FF2B5EF4-FFF2-40B4-BE49-F238E27FC236}">
+                <a16:creationId xmlns:a16="http://schemas.microsoft.com/office/drawing/2014/main" id="{F6C5F416-A4D7-4E6A-8075-E282C27A1177}"/>
+              </a:ext>
+            </a:extLst>
+          </p:cNvPr>
+          <p:cNvSpPr>
+            <a:spLocks noGrp="1"/>
+          </p:cNvSpPr>
+          <p:nvPr>
+            <p:ph type="sldNum" sz="quarter" idx="12"/>
+          </p:nvPr>
+        </p:nvSpPr>
+        <p:spPr/>
+        <p:txBody>
+          <a:bodyPr/>
+          <a:lstStyle/>
+          <a:p>
+            <a:fld id="{7987DD4C-104F-411D-B6F4-1344AD33E256}" type="slidenum">
+              <a:rPr lang="en-IN" smtClean="0"/>
+              <a:t>16</a:t>
+            </a:fld>
+            <a:endParaRPr lang="en-IN"/>
+          </a:p>
+        </p:txBody>
+      </p:sp>
     </p:spTree>
     <p:extLst>
       <p:ext uri="{BB962C8B-B14F-4D97-AF65-F5344CB8AC3E}">
@@ -4914,6 +8800,35 @@
           </a:ln>
         </p:spPr>
       </p:pic>
+      <p:sp>
+        <p:nvSpPr>
+          <p:cNvPr id="4" name="Slide Number Placeholder 3">
+            <a:extLst>
+              <a:ext uri="{FF2B5EF4-FFF2-40B4-BE49-F238E27FC236}">
+                <a16:creationId xmlns:a16="http://schemas.microsoft.com/office/drawing/2014/main" id="{34FFD0AA-41E2-4DB0-BFC4-DB2400F22CD1}"/>
+              </a:ext>
+            </a:extLst>
+          </p:cNvPr>
+          <p:cNvSpPr>
+            <a:spLocks noGrp="1"/>
+          </p:cNvSpPr>
+          <p:nvPr>
+            <p:ph type="sldNum" sz="quarter" idx="12"/>
+          </p:nvPr>
+        </p:nvSpPr>
+        <p:spPr/>
+        <p:txBody>
+          <a:bodyPr/>
+          <a:lstStyle/>
+          <a:p>
+            <a:fld id="{7987DD4C-104F-411D-B6F4-1344AD33E256}" type="slidenum">
+              <a:rPr lang="en-IN" smtClean="0"/>
+              <a:t>17</a:t>
+            </a:fld>
+            <a:endParaRPr lang="en-IN"/>
+          </a:p>
+        </p:txBody>
+      </p:sp>
     </p:spTree>
     <p:extLst>
       <p:ext uri="{BB962C8B-B14F-4D97-AF65-F5344CB8AC3E}">
@@ -5026,6 +8941,35 @@
           </a:ln>
         </p:spPr>
       </p:pic>
+      <p:sp>
+        <p:nvSpPr>
+          <p:cNvPr id="4" name="Slide Number Placeholder 3">
+            <a:extLst>
+              <a:ext uri="{FF2B5EF4-FFF2-40B4-BE49-F238E27FC236}">
+                <a16:creationId xmlns:a16="http://schemas.microsoft.com/office/drawing/2014/main" id="{13471425-920A-4C6C-8BBA-CEFCCF61A0B2}"/>
+              </a:ext>
+            </a:extLst>
+          </p:cNvPr>
+          <p:cNvSpPr>
+            <a:spLocks noGrp="1"/>
+          </p:cNvSpPr>
+          <p:nvPr>
+            <p:ph type="sldNum" sz="quarter" idx="12"/>
+          </p:nvPr>
+        </p:nvSpPr>
+        <p:spPr/>
+        <p:txBody>
+          <a:bodyPr/>
+          <a:lstStyle/>
+          <a:p>
+            <a:fld id="{7987DD4C-104F-411D-B6F4-1344AD33E256}" type="slidenum">
+              <a:rPr lang="en-IN" smtClean="0"/>
+              <a:t>18</a:t>
+            </a:fld>
+            <a:endParaRPr lang="en-IN"/>
+          </a:p>
+        </p:txBody>
+      </p:sp>
     </p:spTree>
     <p:extLst>
       <p:ext uri="{BB962C8B-B14F-4D97-AF65-F5344CB8AC3E}">
@@ -5137,6 +9081,35 @@
           </a:ln>
         </p:spPr>
       </p:pic>
+      <p:sp>
+        <p:nvSpPr>
+          <p:cNvPr id="4" name="Slide Number Placeholder 3">
+            <a:extLst>
+              <a:ext uri="{FF2B5EF4-FFF2-40B4-BE49-F238E27FC236}">
+                <a16:creationId xmlns:a16="http://schemas.microsoft.com/office/drawing/2014/main" id="{A1A48212-04A8-40DF-BB4A-7CAAC773F147}"/>
+              </a:ext>
+            </a:extLst>
+          </p:cNvPr>
+          <p:cNvSpPr>
+            <a:spLocks noGrp="1"/>
+          </p:cNvSpPr>
+          <p:nvPr>
+            <p:ph type="sldNum" sz="quarter" idx="12"/>
+          </p:nvPr>
+        </p:nvSpPr>
+        <p:spPr/>
+        <p:txBody>
+          <a:bodyPr/>
+          <a:lstStyle/>
+          <a:p>
+            <a:fld id="{7987DD4C-104F-411D-B6F4-1344AD33E256}" type="slidenum">
+              <a:rPr lang="en-IN" smtClean="0"/>
+              <a:t>19</a:t>
+            </a:fld>
+            <a:endParaRPr lang="en-IN"/>
+          </a:p>
+        </p:txBody>
+      </p:sp>
     </p:spTree>
     <p:extLst>
       <p:ext uri="{BB962C8B-B14F-4D97-AF65-F5344CB8AC3E}">
@@ -5264,6 +9237,35 @@
           </a:p>
         </p:txBody>
       </p:sp>
+      <p:sp>
+        <p:nvSpPr>
+          <p:cNvPr id="3" name="Slide Number Placeholder 2">
+            <a:extLst>
+              <a:ext uri="{FF2B5EF4-FFF2-40B4-BE49-F238E27FC236}">
+                <a16:creationId xmlns:a16="http://schemas.microsoft.com/office/drawing/2014/main" id="{965725A9-FC1D-45D1-81E0-13F982C1BD01}"/>
+              </a:ext>
+            </a:extLst>
+          </p:cNvPr>
+          <p:cNvSpPr>
+            <a:spLocks noGrp="1"/>
+          </p:cNvSpPr>
+          <p:nvPr>
+            <p:ph type="sldNum" sz="quarter" idx="12"/>
+          </p:nvPr>
+        </p:nvSpPr>
+        <p:spPr/>
+        <p:txBody>
+          <a:bodyPr/>
+          <a:lstStyle/>
+          <a:p>
+            <a:fld id="{7987DD4C-104F-411D-B6F4-1344AD33E256}" type="slidenum">
+              <a:rPr lang="en-IN" smtClean="0"/>
+              <a:t>2</a:t>
+            </a:fld>
+            <a:endParaRPr lang="en-IN"/>
+          </a:p>
+        </p:txBody>
+      </p:sp>
     </p:spTree>
     <p:extLst>
       <p:ext uri="{BB962C8B-B14F-4D97-AF65-F5344CB8AC3E}">
@@ -5377,6 +9379,35 @@
           </a:ln>
         </p:spPr>
       </p:pic>
+      <p:sp>
+        <p:nvSpPr>
+          <p:cNvPr id="4" name="Slide Number Placeholder 3">
+            <a:extLst>
+              <a:ext uri="{FF2B5EF4-FFF2-40B4-BE49-F238E27FC236}">
+                <a16:creationId xmlns:a16="http://schemas.microsoft.com/office/drawing/2014/main" id="{B79F219C-0ECE-4B06-994E-B9FFB047AF2B}"/>
+              </a:ext>
+            </a:extLst>
+          </p:cNvPr>
+          <p:cNvSpPr>
+            <a:spLocks noGrp="1"/>
+          </p:cNvSpPr>
+          <p:nvPr>
+            <p:ph type="sldNum" sz="quarter" idx="12"/>
+          </p:nvPr>
+        </p:nvSpPr>
+        <p:spPr/>
+        <p:txBody>
+          <a:bodyPr/>
+          <a:lstStyle/>
+          <a:p>
+            <a:fld id="{7987DD4C-104F-411D-B6F4-1344AD33E256}" type="slidenum">
+              <a:rPr lang="en-IN" smtClean="0"/>
+              <a:t>20</a:t>
+            </a:fld>
+            <a:endParaRPr lang="en-IN"/>
+          </a:p>
+        </p:txBody>
+      </p:sp>
     </p:spTree>
     <p:extLst>
       <p:ext uri="{BB962C8B-B14F-4D97-AF65-F5344CB8AC3E}">
@@ -5486,6 +9517,35 @@
           </a:ln>
         </p:spPr>
       </p:pic>
+      <p:sp>
+        <p:nvSpPr>
+          <p:cNvPr id="4" name="Slide Number Placeholder 3">
+            <a:extLst>
+              <a:ext uri="{FF2B5EF4-FFF2-40B4-BE49-F238E27FC236}">
+                <a16:creationId xmlns:a16="http://schemas.microsoft.com/office/drawing/2014/main" id="{3EBFB272-393A-4ADA-851B-26C25F66FE1F}"/>
+              </a:ext>
+            </a:extLst>
+          </p:cNvPr>
+          <p:cNvSpPr>
+            <a:spLocks noGrp="1"/>
+          </p:cNvSpPr>
+          <p:nvPr>
+            <p:ph type="sldNum" sz="quarter" idx="12"/>
+          </p:nvPr>
+        </p:nvSpPr>
+        <p:spPr/>
+        <p:txBody>
+          <a:bodyPr/>
+          <a:lstStyle/>
+          <a:p>
+            <a:fld id="{7987DD4C-104F-411D-B6F4-1344AD33E256}" type="slidenum">
+              <a:rPr lang="en-IN" smtClean="0"/>
+              <a:t>21</a:t>
+            </a:fld>
+            <a:endParaRPr lang="en-IN"/>
+          </a:p>
+        </p:txBody>
+      </p:sp>
     </p:spTree>
     <p:extLst>
       <p:ext uri="{BB962C8B-B14F-4D97-AF65-F5344CB8AC3E}">
@@ -5651,6 +9711,35 @@
           </a:p>
         </p:txBody>
       </p:sp>
+      <p:sp>
+        <p:nvSpPr>
+          <p:cNvPr id="4" name="Slide Number Placeholder 3">
+            <a:extLst>
+              <a:ext uri="{FF2B5EF4-FFF2-40B4-BE49-F238E27FC236}">
+                <a16:creationId xmlns:a16="http://schemas.microsoft.com/office/drawing/2014/main" id="{0C852A5C-1ABE-44DB-BC9C-E1229CCDEE78}"/>
+              </a:ext>
+            </a:extLst>
+          </p:cNvPr>
+          <p:cNvSpPr>
+            <a:spLocks noGrp="1"/>
+          </p:cNvSpPr>
+          <p:nvPr>
+            <p:ph type="sldNum" sz="quarter" idx="12"/>
+          </p:nvPr>
+        </p:nvSpPr>
+        <p:spPr/>
+        <p:txBody>
+          <a:bodyPr/>
+          <a:lstStyle/>
+          <a:p>
+            <a:fld id="{7987DD4C-104F-411D-B6F4-1344AD33E256}" type="slidenum">
+              <a:rPr lang="en-IN" smtClean="0"/>
+              <a:t>22</a:t>
+            </a:fld>
+            <a:endParaRPr lang="en-IN"/>
+          </a:p>
+        </p:txBody>
+      </p:sp>
     </p:spTree>
     <p:extLst>
       <p:ext uri="{BB962C8B-B14F-4D97-AF65-F5344CB8AC3E}">
@@ -5764,6 +9853,35 @@
           </a:ln>
         </p:spPr>
       </p:pic>
+      <p:sp>
+        <p:nvSpPr>
+          <p:cNvPr id="4" name="Slide Number Placeholder 3">
+            <a:extLst>
+              <a:ext uri="{FF2B5EF4-FFF2-40B4-BE49-F238E27FC236}">
+                <a16:creationId xmlns:a16="http://schemas.microsoft.com/office/drawing/2014/main" id="{BBDF1995-EA96-4A8A-A912-B504C777533C}"/>
+              </a:ext>
+            </a:extLst>
+          </p:cNvPr>
+          <p:cNvSpPr>
+            <a:spLocks noGrp="1"/>
+          </p:cNvSpPr>
+          <p:nvPr>
+            <p:ph type="sldNum" sz="quarter" idx="12"/>
+          </p:nvPr>
+        </p:nvSpPr>
+        <p:spPr/>
+        <p:txBody>
+          <a:bodyPr/>
+          <a:lstStyle/>
+          <a:p>
+            <a:fld id="{7987DD4C-104F-411D-B6F4-1344AD33E256}" type="slidenum">
+              <a:rPr lang="en-IN" smtClean="0"/>
+              <a:t>23</a:t>
+            </a:fld>
+            <a:endParaRPr lang="en-IN"/>
+          </a:p>
+        </p:txBody>
+      </p:sp>
     </p:spTree>
     <p:extLst>
       <p:ext uri="{BB962C8B-B14F-4D97-AF65-F5344CB8AC3E}">
@@ -5891,7 +10009,7 @@
         </p:nvSpPr>
         <p:spPr>
           <a:xfrm>
-            <a:off x="6873765" y="6337736"/>
+            <a:off x="6629447" y="6337736"/>
             <a:ext cx="2148793" cy="369332"/>
           </a:xfrm>
           <a:prstGeom prst="rect">
@@ -5910,6 +10028,35 @@
               <a:t>*Output in next slide</a:t>
             </a:r>
             <a:endParaRPr lang="en-IN" dirty="0"/>
+          </a:p>
+        </p:txBody>
+      </p:sp>
+      <p:sp>
+        <p:nvSpPr>
+          <p:cNvPr id="4" name="Slide Number Placeholder 3">
+            <a:extLst>
+              <a:ext uri="{FF2B5EF4-FFF2-40B4-BE49-F238E27FC236}">
+                <a16:creationId xmlns:a16="http://schemas.microsoft.com/office/drawing/2014/main" id="{4B711674-2B00-4EF6-8D21-04C963409A1A}"/>
+              </a:ext>
+            </a:extLst>
+          </p:cNvPr>
+          <p:cNvSpPr>
+            <a:spLocks noGrp="1"/>
+          </p:cNvSpPr>
+          <p:nvPr>
+            <p:ph type="sldNum" sz="quarter" idx="12"/>
+          </p:nvPr>
+        </p:nvSpPr>
+        <p:spPr/>
+        <p:txBody>
+          <a:bodyPr/>
+          <a:lstStyle/>
+          <a:p>
+            <a:fld id="{7987DD4C-104F-411D-B6F4-1344AD33E256}" type="slidenum">
+              <a:rPr lang="en-IN" smtClean="0"/>
+              <a:t>24</a:t>
+            </a:fld>
+            <a:endParaRPr lang="en-IN"/>
           </a:p>
         </p:txBody>
       </p:sp>
@@ -6912,6 +11059,35 @@
           </a:p>
         </p:txBody>
       </p:sp>
+      <p:sp>
+        <p:nvSpPr>
+          <p:cNvPr id="3" name="Slide Number Placeholder 2">
+            <a:extLst>
+              <a:ext uri="{FF2B5EF4-FFF2-40B4-BE49-F238E27FC236}">
+                <a16:creationId xmlns:a16="http://schemas.microsoft.com/office/drawing/2014/main" id="{3D532522-05AE-4C1F-9270-21953B4CC560}"/>
+              </a:ext>
+            </a:extLst>
+          </p:cNvPr>
+          <p:cNvSpPr>
+            <a:spLocks noGrp="1"/>
+          </p:cNvSpPr>
+          <p:nvPr>
+            <p:ph type="sldNum" sz="quarter" idx="12"/>
+          </p:nvPr>
+        </p:nvSpPr>
+        <p:spPr/>
+        <p:txBody>
+          <a:bodyPr/>
+          <a:lstStyle/>
+          <a:p>
+            <a:fld id="{7987DD4C-104F-411D-B6F4-1344AD33E256}" type="slidenum">
+              <a:rPr lang="en-IN" smtClean="0"/>
+              <a:t>25</a:t>
+            </a:fld>
+            <a:endParaRPr lang="en-IN"/>
+          </a:p>
+        </p:txBody>
+      </p:sp>
     </p:spTree>
     <p:extLst>
       <p:ext uri="{BB962C8B-B14F-4D97-AF65-F5344CB8AC3E}">
@@ -8543,6 +12719,35 @@
           </a:p>
         </p:txBody>
       </p:sp>
+      <p:sp>
+        <p:nvSpPr>
+          <p:cNvPr id="4" name="Slide Number Placeholder 3">
+            <a:extLst>
+              <a:ext uri="{FF2B5EF4-FFF2-40B4-BE49-F238E27FC236}">
+                <a16:creationId xmlns:a16="http://schemas.microsoft.com/office/drawing/2014/main" id="{733E85C2-CBB5-4698-9423-51D6F6BA2C93}"/>
+              </a:ext>
+            </a:extLst>
+          </p:cNvPr>
+          <p:cNvSpPr>
+            <a:spLocks noGrp="1"/>
+          </p:cNvSpPr>
+          <p:nvPr>
+            <p:ph type="sldNum" sz="quarter" idx="12"/>
+          </p:nvPr>
+        </p:nvSpPr>
+        <p:spPr/>
+        <p:txBody>
+          <a:bodyPr/>
+          <a:lstStyle/>
+          <a:p>
+            <a:fld id="{7987DD4C-104F-411D-B6F4-1344AD33E256}" type="slidenum">
+              <a:rPr lang="en-IN" smtClean="0"/>
+              <a:t>26</a:t>
+            </a:fld>
+            <a:endParaRPr lang="en-IN"/>
+          </a:p>
+        </p:txBody>
+      </p:sp>
     </p:spTree>
     <p:extLst>
       <p:ext uri="{BB962C8B-B14F-4D97-AF65-F5344CB8AC3E}">
@@ -8694,6 +12899,35 @@
           </a:p>
         </p:txBody>
       </p:sp>
+      <p:sp>
+        <p:nvSpPr>
+          <p:cNvPr id="4" name="Slide Number Placeholder 3">
+            <a:extLst>
+              <a:ext uri="{FF2B5EF4-FFF2-40B4-BE49-F238E27FC236}">
+                <a16:creationId xmlns:a16="http://schemas.microsoft.com/office/drawing/2014/main" id="{C746D8B9-1F46-43F2-B22C-4BD7EE90CA4F}"/>
+              </a:ext>
+            </a:extLst>
+          </p:cNvPr>
+          <p:cNvSpPr>
+            <a:spLocks noGrp="1"/>
+          </p:cNvSpPr>
+          <p:nvPr>
+            <p:ph type="sldNum" sz="quarter" idx="12"/>
+          </p:nvPr>
+        </p:nvSpPr>
+        <p:spPr/>
+        <p:txBody>
+          <a:bodyPr/>
+          <a:lstStyle/>
+          <a:p>
+            <a:fld id="{7987DD4C-104F-411D-B6F4-1344AD33E256}" type="slidenum">
+              <a:rPr lang="en-IN" smtClean="0"/>
+              <a:t>27</a:t>
+            </a:fld>
+            <a:endParaRPr lang="en-IN"/>
+          </a:p>
+        </p:txBody>
+      </p:sp>
     </p:spTree>
     <p:extLst>
       <p:ext uri="{BB962C8B-B14F-4D97-AF65-F5344CB8AC3E}">
@@ -8844,6 +13078,35 @@
           </a:p>
         </p:txBody>
       </p:sp>
+      <p:sp>
+        <p:nvSpPr>
+          <p:cNvPr id="4" name="Slide Number Placeholder 3">
+            <a:extLst>
+              <a:ext uri="{FF2B5EF4-FFF2-40B4-BE49-F238E27FC236}">
+                <a16:creationId xmlns:a16="http://schemas.microsoft.com/office/drawing/2014/main" id="{C0C50A45-802B-40D5-A5E0-349D6FBB2662}"/>
+              </a:ext>
+            </a:extLst>
+          </p:cNvPr>
+          <p:cNvSpPr>
+            <a:spLocks noGrp="1"/>
+          </p:cNvSpPr>
+          <p:nvPr>
+            <p:ph type="sldNum" sz="quarter" idx="12"/>
+          </p:nvPr>
+        </p:nvSpPr>
+        <p:spPr/>
+        <p:txBody>
+          <a:bodyPr/>
+          <a:lstStyle/>
+          <a:p>
+            <a:fld id="{7987DD4C-104F-411D-B6F4-1344AD33E256}" type="slidenum">
+              <a:rPr lang="en-IN" smtClean="0"/>
+              <a:t>28</a:t>
+            </a:fld>
+            <a:endParaRPr lang="en-IN"/>
+          </a:p>
+        </p:txBody>
+      </p:sp>
     </p:spTree>
     <p:extLst>
       <p:ext uri="{BB962C8B-B14F-4D97-AF65-F5344CB8AC3E}">
@@ -8997,6 +13260,35 @@
           </a:ln>
         </p:spPr>
       </p:pic>
+      <p:sp>
+        <p:nvSpPr>
+          <p:cNvPr id="4" name="Slide Number Placeholder 3">
+            <a:extLst>
+              <a:ext uri="{FF2B5EF4-FFF2-40B4-BE49-F238E27FC236}">
+                <a16:creationId xmlns:a16="http://schemas.microsoft.com/office/drawing/2014/main" id="{51F09873-FC48-4061-B01B-C96C19E4165F}"/>
+              </a:ext>
+            </a:extLst>
+          </p:cNvPr>
+          <p:cNvSpPr>
+            <a:spLocks noGrp="1"/>
+          </p:cNvSpPr>
+          <p:nvPr>
+            <p:ph type="sldNum" sz="quarter" idx="12"/>
+          </p:nvPr>
+        </p:nvSpPr>
+        <p:spPr/>
+        <p:txBody>
+          <a:bodyPr/>
+          <a:lstStyle/>
+          <a:p>
+            <a:fld id="{7987DD4C-104F-411D-B6F4-1344AD33E256}" type="slidenum">
+              <a:rPr lang="en-IN" smtClean="0"/>
+              <a:t>29</a:t>
+            </a:fld>
+            <a:endParaRPr lang="en-IN"/>
+          </a:p>
+        </p:txBody>
+      </p:sp>
     </p:spTree>
     <p:extLst>
       <p:ext uri="{BB962C8B-B14F-4D97-AF65-F5344CB8AC3E}">
@@ -9230,6 +13522,35 @@
           </a:p>
         </p:txBody>
       </p:sp>
+      <p:sp>
+        <p:nvSpPr>
+          <p:cNvPr id="3" name="Slide Number Placeholder 2">
+            <a:extLst>
+              <a:ext uri="{FF2B5EF4-FFF2-40B4-BE49-F238E27FC236}">
+                <a16:creationId xmlns:a16="http://schemas.microsoft.com/office/drawing/2014/main" id="{6A5B13C7-53F4-4B38-AEBB-26C4A7E566C8}"/>
+              </a:ext>
+            </a:extLst>
+          </p:cNvPr>
+          <p:cNvSpPr>
+            <a:spLocks noGrp="1"/>
+          </p:cNvSpPr>
+          <p:nvPr>
+            <p:ph type="sldNum" sz="quarter" idx="12"/>
+          </p:nvPr>
+        </p:nvSpPr>
+        <p:spPr/>
+        <p:txBody>
+          <a:bodyPr/>
+          <a:lstStyle/>
+          <a:p>
+            <a:fld id="{7987DD4C-104F-411D-B6F4-1344AD33E256}" type="slidenum">
+              <a:rPr lang="en-IN" smtClean="0"/>
+              <a:t>3</a:t>
+            </a:fld>
+            <a:endParaRPr lang="en-IN"/>
+          </a:p>
+        </p:txBody>
+      </p:sp>
     </p:spTree>
     <p:extLst>
       <p:ext uri="{BB962C8B-B14F-4D97-AF65-F5344CB8AC3E}">
@@ -9341,6 +13662,35 @@
           </a:xfrm>
         </p:spPr>
       </p:pic>
+      <p:sp>
+        <p:nvSpPr>
+          <p:cNvPr id="4" name="Slide Number Placeholder 3">
+            <a:extLst>
+              <a:ext uri="{FF2B5EF4-FFF2-40B4-BE49-F238E27FC236}">
+                <a16:creationId xmlns:a16="http://schemas.microsoft.com/office/drawing/2014/main" id="{58F8B4CB-9B4A-40CF-8785-86F5091F9E05}"/>
+              </a:ext>
+            </a:extLst>
+          </p:cNvPr>
+          <p:cNvSpPr>
+            <a:spLocks noGrp="1"/>
+          </p:cNvSpPr>
+          <p:nvPr>
+            <p:ph type="sldNum" sz="quarter" idx="12"/>
+          </p:nvPr>
+        </p:nvSpPr>
+        <p:spPr/>
+        <p:txBody>
+          <a:bodyPr/>
+          <a:lstStyle/>
+          <a:p>
+            <a:fld id="{7987DD4C-104F-411D-B6F4-1344AD33E256}" type="slidenum">
+              <a:rPr lang="en-IN" smtClean="0"/>
+              <a:t>30</a:t>
+            </a:fld>
+            <a:endParaRPr lang="en-IN"/>
+          </a:p>
+        </p:txBody>
+      </p:sp>
     </p:spTree>
     <p:extLst>
       <p:ext uri="{BB962C8B-B14F-4D97-AF65-F5344CB8AC3E}">
@@ -9450,6 +13800,35 @@
           </a:xfrm>
         </p:spPr>
       </p:pic>
+      <p:sp>
+        <p:nvSpPr>
+          <p:cNvPr id="4" name="Slide Number Placeholder 3">
+            <a:extLst>
+              <a:ext uri="{FF2B5EF4-FFF2-40B4-BE49-F238E27FC236}">
+                <a16:creationId xmlns:a16="http://schemas.microsoft.com/office/drawing/2014/main" id="{A210CA84-0017-4C6D-9121-00AAD03EA1D6}"/>
+              </a:ext>
+            </a:extLst>
+          </p:cNvPr>
+          <p:cNvSpPr>
+            <a:spLocks noGrp="1"/>
+          </p:cNvSpPr>
+          <p:nvPr>
+            <p:ph type="sldNum" sz="quarter" idx="12"/>
+          </p:nvPr>
+        </p:nvSpPr>
+        <p:spPr/>
+        <p:txBody>
+          <a:bodyPr/>
+          <a:lstStyle/>
+          <a:p>
+            <a:fld id="{7987DD4C-104F-411D-B6F4-1344AD33E256}" type="slidenum">
+              <a:rPr lang="en-IN" smtClean="0"/>
+              <a:t>31</a:t>
+            </a:fld>
+            <a:endParaRPr lang="en-IN"/>
+          </a:p>
+        </p:txBody>
+      </p:sp>
     </p:spTree>
     <p:extLst>
       <p:ext uri="{BB962C8B-B14F-4D97-AF65-F5344CB8AC3E}">
@@ -9598,6 +13977,35 @@
           </a:fontRef>
         </p:style>
       </p:cxnSp>
+      <p:sp>
+        <p:nvSpPr>
+          <p:cNvPr id="4" name="Slide Number Placeholder 3">
+            <a:extLst>
+              <a:ext uri="{FF2B5EF4-FFF2-40B4-BE49-F238E27FC236}">
+                <a16:creationId xmlns:a16="http://schemas.microsoft.com/office/drawing/2014/main" id="{72E50FDD-9E0A-48A3-9275-07FDC3A7563F}"/>
+              </a:ext>
+            </a:extLst>
+          </p:cNvPr>
+          <p:cNvSpPr>
+            <a:spLocks noGrp="1"/>
+          </p:cNvSpPr>
+          <p:nvPr>
+            <p:ph type="sldNum" sz="quarter" idx="12"/>
+          </p:nvPr>
+        </p:nvSpPr>
+        <p:spPr/>
+        <p:txBody>
+          <a:bodyPr/>
+          <a:lstStyle/>
+          <a:p>
+            <a:fld id="{7987DD4C-104F-411D-B6F4-1344AD33E256}" type="slidenum">
+              <a:rPr lang="en-IN" smtClean="0"/>
+              <a:t>32</a:t>
+            </a:fld>
+            <a:endParaRPr lang="en-IN"/>
+          </a:p>
+        </p:txBody>
+      </p:sp>
     </p:spTree>
     <p:extLst>
       <p:ext uri="{BB962C8B-B14F-4D97-AF65-F5344CB8AC3E}">
@@ -9829,7 +14237,7 @@
         </p:nvSpPr>
         <p:spPr>
           <a:xfrm>
-            <a:off x="6873765" y="6337736"/>
+            <a:off x="6132786" y="6392656"/>
             <a:ext cx="2148793" cy="369332"/>
           </a:xfrm>
           <a:prstGeom prst="rect">
@@ -9848,6 +14256,35 @@
               <a:t>*Output in next slide</a:t>
             </a:r>
             <a:endParaRPr lang="en-IN" dirty="0"/>
+          </a:p>
+        </p:txBody>
+      </p:sp>
+      <p:sp>
+        <p:nvSpPr>
+          <p:cNvPr id="4" name="Slide Number Placeholder 3">
+            <a:extLst>
+              <a:ext uri="{FF2B5EF4-FFF2-40B4-BE49-F238E27FC236}">
+                <a16:creationId xmlns:a16="http://schemas.microsoft.com/office/drawing/2014/main" id="{C2237311-EA11-4C9D-82AA-2AA5C58463EE}"/>
+              </a:ext>
+            </a:extLst>
+          </p:cNvPr>
+          <p:cNvSpPr>
+            <a:spLocks noGrp="1"/>
+          </p:cNvSpPr>
+          <p:nvPr>
+            <p:ph type="sldNum" sz="quarter" idx="12"/>
+          </p:nvPr>
+        </p:nvSpPr>
+        <p:spPr/>
+        <p:txBody>
+          <a:bodyPr/>
+          <a:lstStyle/>
+          <a:p>
+            <a:fld id="{7987DD4C-104F-411D-B6F4-1344AD33E256}" type="slidenum">
+              <a:rPr lang="en-IN" smtClean="0"/>
+              <a:t>33</a:t>
+            </a:fld>
+            <a:endParaRPr lang="en-IN"/>
           </a:p>
         </p:txBody>
       </p:sp>
@@ -9915,6 +14352,35 @@
           </a:xfrm>
         </p:spPr>
       </p:pic>
+      <p:sp>
+        <p:nvSpPr>
+          <p:cNvPr id="3" name="Slide Number Placeholder 2">
+            <a:extLst>
+              <a:ext uri="{FF2B5EF4-FFF2-40B4-BE49-F238E27FC236}">
+                <a16:creationId xmlns:a16="http://schemas.microsoft.com/office/drawing/2014/main" id="{E90A1A81-0896-4251-ABF9-280D3DB8EA06}"/>
+              </a:ext>
+            </a:extLst>
+          </p:cNvPr>
+          <p:cNvSpPr>
+            <a:spLocks noGrp="1"/>
+          </p:cNvSpPr>
+          <p:nvPr>
+            <p:ph type="sldNum" sz="quarter" idx="12"/>
+          </p:nvPr>
+        </p:nvSpPr>
+        <p:spPr/>
+        <p:txBody>
+          <a:bodyPr/>
+          <a:lstStyle/>
+          <a:p>
+            <a:fld id="{7987DD4C-104F-411D-B6F4-1344AD33E256}" type="slidenum">
+              <a:rPr lang="en-IN" smtClean="0"/>
+              <a:t>34</a:t>
+            </a:fld>
+            <a:endParaRPr lang="en-IN"/>
+          </a:p>
+        </p:txBody>
+      </p:sp>
     </p:spTree>
     <p:extLst>
       <p:ext uri="{BB962C8B-B14F-4D97-AF65-F5344CB8AC3E}">
@@ -10071,6 +14537,35 @@
           </a:p>
         </p:txBody>
       </p:sp>
+      <p:sp>
+        <p:nvSpPr>
+          <p:cNvPr id="5" name="Slide Number Placeholder 4">
+            <a:extLst>
+              <a:ext uri="{FF2B5EF4-FFF2-40B4-BE49-F238E27FC236}">
+                <a16:creationId xmlns:a16="http://schemas.microsoft.com/office/drawing/2014/main" id="{592CF46D-6D9A-4CB8-BB3A-2D218A3F66E9}"/>
+              </a:ext>
+            </a:extLst>
+          </p:cNvPr>
+          <p:cNvSpPr>
+            <a:spLocks noGrp="1"/>
+          </p:cNvSpPr>
+          <p:nvPr>
+            <p:ph type="sldNum" sz="quarter" idx="12"/>
+          </p:nvPr>
+        </p:nvSpPr>
+        <p:spPr/>
+        <p:txBody>
+          <a:bodyPr/>
+          <a:lstStyle/>
+          <a:p>
+            <a:fld id="{7987DD4C-104F-411D-B6F4-1344AD33E256}" type="slidenum">
+              <a:rPr lang="en-IN" smtClean="0"/>
+              <a:t>35</a:t>
+            </a:fld>
+            <a:endParaRPr lang="en-IN"/>
+          </a:p>
+        </p:txBody>
+      </p:sp>
     </p:spTree>
     <p:extLst>
       <p:ext uri="{BB962C8B-B14F-4D97-AF65-F5344CB8AC3E}">
@@ -10167,6 +14662,35 @@
               <a:latin typeface="Times New Roman" panose="02020603050405020304" pitchFamily="18" charset="0"/>
               <a:cs typeface="Times New Roman" panose="02020603050405020304" pitchFamily="18" charset="0"/>
             </a:endParaRPr>
+          </a:p>
+        </p:txBody>
+      </p:sp>
+      <p:sp>
+        <p:nvSpPr>
+          <p:cNvPr id="4" name="Slide Number Placeholder 3">
+            <a:extLst>
+              <a:ext uri="{FF2B5EF4-FFF2-40B4-BE49-F238E27FC236}">
+                <a16:creationId xmlns:a16="http://schemas.microsoft.com/office/drawing/2014/main" id="{59955BE2-3ED7-47FD-B046-A259E7C48C40}"/>
+              </a:ext>
+            </a:extLst>
+          </p:cNvPr>
+          <p:cNvSpPr>
+            <a:spLocks noGrp="1"/>
+          </p:cNvSpPr>
+          <p:nvPr>
+            <p:ph type="sldNum" sz="quarter" idx="12"/>
+          </p:nvPr>
+        </p:nvSpPr>
+        <p:spPr/>
+        <p:txBody>
+          <a:bodyPr/>
+          <a:lstStyle/>
+          <a:p>
+            <a:fld id="{7987DD4C-104F-411D-B6F4-1344AD33E256}" type="slidenum">
+              <a:rPr lang="en-IN" smtClean="0"/>
+              <a:t>36</a:t>
+            </a:fld>
+            <a:endParaRPr lang="en-IN"/>
           </a:p>
         </p:txBody>
       </p:sp>
@@ -10377,6 +14901,35 @@
           </a:p>
         </p:txBody>
       </p:sp>
+      <p:sp>
+        <p:nvSpPr>
+          <p:cNvPr id="3" name="Slide Number Placeholder 2">
+            <a:extLst>
+              <a:ext uri="{FF2B5EF4-FFF2-40B4-BE49-F238E27FC236}">
+                <a16:creationId xmlns:a16="http://schemas.microsoft.com/office/drawing/2014/main" id="{F6EF5036-1755-4216-B992-F6672BD655A9}"/>
+              </a:ext>
+            </a:extLst>
+          </p:cNvPr>
+          <p:cNvSpPr>
+            <a:spLocks noGrp="1"/>
+          </p:cNvSpPr>
+          <p:nvPr>
+            <p:ph type="sldNum" sz="quarter" idx="12"/>
+          </p:nvPr>
+        </p:nvSpPr>
+        <p:spPr/>
+        <p:txBody>
+          <a:bodyPr/>
+          <a:lstStyle/>
+          <a:p>
+            <a:fld id="{7987DD4C-104F-411D-B6F4-1344AD33E256}" type="slidenum">
+              <a:rPr lang="en-IN" smtClean="0"/>
+              <a:t>4</a:t>
+            </a:fld>
+            <a:endParaRPr lang="en-IN"/>
+          </a:p>
+        </p:txBody>
+      </p:sp>
     </p:spTree>
     <p:extLst>
       <p:ext uri="{BB962C8B-B14F-4D97-AF65-F5344CB8AC3E}">
@@ -10502,6 +15055,35 @@
           </a:effectLst>
         </p:spPr>
       </p:pic>
+      <p:sp>
+        <p:nvSpPr>
+          <p:cNvPr id="4" name="Slide Number Placeholder 3">
+            <a:extLst>
+              <a:ext uri="{FF2B5EF4-FFF2-40B4-BE49-F238E27FC236}">
+                <a16:creationId xmlns:a16="http://schemas.microsoft.com/office/drawing/2014/main" id="{7A812C23-324C-4E8C-8930-32876CC7ACB9}"/>
+              </a:ext>
+            </a:extLst>
+          </p:cNvPr>
+          <p:cNvSpPr>
+            <a:spLocks noGrp="1"/>
+          </p:cNvSpPr>
+          <p:nvPr>
+            <p:ph type="sldNum" sz="quarter" idx="12"/>
+          </p:nvPr>
+        </p:nvSpPr>
+        <p:spPr/>
+        <p:txBody>
+          <a:bodyPr/>
+          <a:lstStyle/>
+          <a:p>
+            <a:fld id="{7987DD4C-104F-411D-B6F4-1344AD33E256}" type="slidenum">
+              <a:rPr lang="en-IN" smtClean="0"/>
+              <a:t>5</a:t>
+            </a:fld>
+            <a:endParaRPr lang="en-IN"/>
+          </a:p>
+        </p:txBody>
+      </p:sp>
     </p:spTree>
     <p:extLst>
       <p:ext uri="{BB962C8B-B14F-4D97-AF65-F5344CB8AC3E}">
@@ -10627,6 +15209,35 @@
           </a:effectLst>
         </p:spPr>
       </p:pic>
+      <p:sp>
+        <p:nvSpPr>
+          <p:cNvPr id="4" name="Slide Number Placeholder 3">
+            <a:extLst>
+              <a:ext uri="{FF2B5EF4-FFF2-40B4-BE49-F238E27FC236}">
+                <a16:creationId xmlns:a16="http://schemas.microsoft.com/office/drawing/2014/main" id="{0E01B793-984A-4EE5-9AD7-C371237EF1E7}"/>
+              </a:ext>
+            </a:extLst>
+          </p:cNvPr>
+          <p:cNvSpPr>
+            <a:spLocks noGrp="1"/>
+          </p:cNvSpPr>
+          <p:nvPr>
+            <p:ph type="sldNum" sz="quarter" idx="12"/>
+          </p:nvPr>
+        </p:nvSpPr>
+        <p:spPr/>
+        <p:txBody>
+          <a:bodyPr/>
+          <a:lstStyle/>
+          <a:p>
+            <a:fld id="{7987DD4C-104F-411D-B6F4-1344AD33E256}" type="slidenum">
+              <a:rPr lang="en-IN" smtClean="0"/>
+              <a:t>6</a:t>
+            </a:fld>
+            <a:endParaRPr lang="en-IN"/>
+          </a:p>
+        </p:txBody>
+      </p:sp>
     </p:spTree>
     <p:extLst>
       <p:ext uri="{BB962C8B-B14F-4D97-AF65-F5344CB8AC3E}">
@@ -10752,6 +15363,35 @@
           </a:effectLst>
         </p:spPr>
       </p:pic>
+      <p:sp>
+        <p:nvSpPr>
+          <p:cNvPr id="4" name="Slide Number Placeholder 3">
+            <a:extLst>
+              <a:ext uri="{FF2B5EF4-FFF2-40B4-BE49-F238E27FC236}">
+                <a16:creationId xmlns:a16="http://schemas.microsoft.com/office/drawing/2014/main" id="{AC21519B-94AF-43C5-8E80-D58EA3D3A2A8}"/>
+              </a:ext>
+            </a:extLst>
+          </p:cNvPr>
+          <p:cNvSpPr>
+            <a:spLocks noGrp="1"/>
+          </p:cNvSpPr>
+          <p:nvPr>
+            <p:ph type="sldNum" sz="quarter" idx="12"/>
+          </p:nvPr>
+        </p:nvSpPr>
+        <p:spPr/>
+        <p:txBody>
+          <a:bodyPr/>
+          <a:lstStyle/>
+          <a:p>
+            <a:fld id="{7987DD4C-104F-411D-B6F4-1344AD33E256}" type="slidenum">
+              <a:rPr lang="en-IN" smtClean="0"/>
+              <a:t>7</a:t>
+            </a:fld>
+            <a:endParaRPr lang="en-IN"/>
+          </a:p>
+        </p:txBody>
+      </p:sp>
     </p:spTree>
     <p:extLst>
       <p:ext uri="{BB962C8B-B14F-4D97-AF65-F5344CB8AC3E}">
@@ -10877,6 +15517,35 @@
           </a:effectLst>
         </p:spPr>
       </p:pic>
+      <p:sp>
+        <p:nvSpPr>
+          <p:cNvPr id="4" name="Slide Number Placeholder 3">
+            <a:extLst>
+              <a:ext uri="{FF2B5EF4-FFF2-40B4-BE49-F238E27FC236}">
+                <a16:creationId xmlns:a16="http://schemas.microsoft.com/office/drawing/2014/main" id="{BC2422D3-8079-40D3-AA34-71DF275D6E36}"/>
+              </a:ext>
+            </a:extLst>
+          </p:cNvPr>
+          <p:cNvSpPr>
+            <a:spLocks noGrp="1"/>
+          </p:cNvSpPr>
+          <p:nvPr>
+            <p:ph type="sldNum" sz="quarter" idx="12"/>
+          </p:nvPr>
+        </p:nvSpPr>
+        <p:spPr/>
+        <p:txBody>
+          <a:bodyPr/>
+          <a:lstStyle/>
+          <a:p>
+            <a:fld id="{7987DD4C-104F-411D-B6F4-1344AD33E256}" type="slidenum">
+              <a:rPr lang="en-IN" smtClean="0"/>
+              <a:t>8</a:t>
+            </a:fld>
+            <a:endParaRPr lang="en-IN"/>
+          </a:p>
+        </p:txBody>
+      </p:sp>
     </p:spTree>
     <p:extLst>
       <p:ext uri="{BB962C8B-B14F-4D97-AF65-F5344CB8AC3E}">
@@ -10994,6 +15663,35 @@
           <a:effectLst/>
         </p:spPr>
       </p:pic>
+      <p:sp>
+        <p:nvSpPr>
+          <p:cNvPr id="4" name="Slide Number Placeholder 3">
+            <a:extLst>
+              <a:ext uri="{FF2B5EF4-FFF2-40B4-BE49-F238E27FC236}">
+                <a16:creationId xmlns:a16="http://schemas.microsoft.com/office/drawing/2014/main" id="{DC3EB958-88C6-409F-8994-709D2CDA1AE7}"/>
+              </a:ext>
+            </a:extLst>
+          </p:cNvPr>
+          <p:cNvSpPr>
+            <a:spLocks noGrp="1"/>
+          </p:cNvSpPr>
+          <p:nvPr>
+            <p:ph type="sldNum" sz="quarter" idx="12"/>
+          </p:nvPr>
+        </p:nvSpPr>
+        <p:spPr/>
+        <p:txBody>
+          <a:bodyPr/>
+          <a:lstStyle/>
+          <a:p>
+            <a:fld id="{7987DD4C-104F-411D-B6F4-1344AD33E256}" type="slidenum">
+              <a:rPr lang="en-IN" smtClean="0"/>
+              <a:t>9</a:t>
+            </a:fld>
+            <a:endParaRPr lang="en-IN"/>
+          </a:p>
+        </p:txBody>
+      </p:sp>
     </p:spTree>
     <p:extLst>
       <p:ext uri="{BB962C8B-B14F-4D97-AF65-F5344CB8AC3E}">
@@ -11265,4 +15963,594 @@
     </a:ext>
   </a:extLst>
 </a:theme>
+</file>
+
+<file path=ppt/theme/theme2.xml><?xml version="1.0" encoding="utf-8"?>
+<a:theme xmlns:a="http://schemas.openxmlformats.org/drawingml/2006/main" name="Custom Design">
+  <a:themeElements>
+    <a:clrScheme name="Office">
+      <a:dk1>
+        <a:sysClr val="windowText" lastClr="000000"/>
+      </a:dk1>
+      <a:lt1>
+        <a:sysClr val="window" lastClr="FFFFFF"/>
+      </a:lt1>
+      <a:dk2>
+        <a:srgbClr val="44546A"/>
+      </a:dk2>
+      <a:lt2>
+        <a:srgbClr val="E7E6E6"/>
+      </a:lt2>
+      <a:accent1>
+        <a:srgbClr val="4472C4"/>
+      </a:accent1>
+      <a:accent2>
+        <a:srgbClr val="ED7D31"/>
+      </a:accent2>
+      <a:accent3>
+        <a:srgbClr val="A5A5A5"/>
+      </a:accent3>
+      <a:accent4>
+        <a:srgbClr val="FFC000"/>
+      </a:accent4>
+      <a:accent5>
+        <a:srgbClr val="5B9BD5"/>
+      </a:accent5>
+      <a:accent6>
+        <a:srgbClr val="70AD47"/>
+      </a:accent6>
+      <a:hlink>
+        <a:srgbClr val="0563C1"/>
+      </a:hlink>
+      <a:folHlink>
+        <a:srgbClr val="954F72"/>
+      </a:folHlink>
+    </a:clrScheme>
+    <a:fontScheme name="Office">
+      <a:majorFont>
+        <a:latin typeface="Calibri Light" panose="020F0302020204030204"/>
+        <a:ea typeface=""/>
+        <a:cs typeface=""/>
+        <a:font script="Jpan" typeface="游ゴシック Light"/>
+        <a:font script="Hang" typeface="맑은 고딕"/>
+        <a:font script="Hans" typeface="等线 Light"/>
+        <a:font script="Hant" typeface="新細明體"/>
+        <a:font script="Arab" typeface="Times New Roman"/>
+        <a:font script="Hebr" typeface="Times New Roman"/>
+        <a:font script="Thai" typeface="Angsana New"/>
+        <a:font script="Ethi" typeface="Nyala"/>
+        <a:font script="Beng" typeface="Vrinda"/>
+        <a:font script="Gujr" typeface="Shruti"/>
+        <a:font script="Khmr" typeface="MoolBoran"/>
+        <a:font script="Knda" typeface="Tunga"/>
+        <a:font script="Guru" typeface="Raavi"/>
+        <a:font script="Cans" typeface="Euphemia"/>
+        <a:font script="Cher" typeface="Plantagenet Cherokee"/>
+        <a:font script="Yiii" typeface="Microsoft Yi Baiti"/>
+        <a:font script="Tibt" typeface="Microsoft Himalaya"/>
+        <a:font script="Thaa" typeface="MV Boli"/>
+        <a:font script="Deva" typeface="Mangal"/>
+        <a:font script="Telu" typeface="Gautami"/>
+        <a:font script="Taml" typeface="Latha"/>
+        <a:font script="Syrc" typeface="Estrangelo Edessa"/>
+        <a:font script="Orya" typeface="Kalinga"/>
+        <a:font script="Mlym" typeface="Kartika"/>
+        <a:font script="Laoo" typeface="DokChampa"/>
+        <a:font script="Sinh" typeface="Iskoola Pota"/>
+        <a:font script="Mong" typeface="Mongolian Baiti"/>
+        <a:font script="Viet" typeface="Times New Roman"/>
+        <a:font script="Uigh" typeface="Microsoft Uighur"/>
+        <a:font script="Geor" typeface="Sylfaen"/>
+        <a:font script="Armn" typeface="Arial"/>
+        <a:font script="Bugi" typeface="Leelawadee UI"/>
+        <a:font script="Bopo" typeface="Microsoft JhengHei"/>
+        <a:font script="Java" typeface="Javanese Text"/>
+        <a:font script="Lisu" typeface="Segoe UI"/>
+        <a:font script="Mymr" typeface="Myanmar Text"/>
+        <a:font script="Nkoo" typeface="Ebrima"/>
+        <a:font script="Olck" typeface="Nirmala UI"/>
+        <a:font script="Osma" typeface="Ebrima"/>
+        <a:font script="Phag" typeface="Phagspa"/>
+        <a:font script="Syrn" typeface="Estrangelo Edessa"/>
+        <a:font script="Syrj" typeface="Estrangelo Edessa"/>
+        <a:font script="Syre" typeface="Estrangelo Edessa"/>
+        <a:font script="Sora" typeface="Nirmala UI"/>
+        <a:font script="Tale" typeface="Microsoft Tai Le"/>
+        <a:font script="Talu" typeface="Microsoft New Tai Lue"/>
+        <a:font script="Tfng" typeface="Ebrima"/>
+      </a:majorFont>
+      <a:minorFont>
+        <a:latin typeface="Calibri" panose="020F0502020204030204"/>
+        <a:ea typeface=""/>
+        <a:cs typeface=""/>
+        <a:font script="Jpan" typeface="游ゴシック"/>
+        <a:font script="Hang" typeface="맑은 고딕"/>
+        <a:font script="Hans" typeface="等线"/>
+        <a:font script="Hant" typeface="新細明體"/>
+        <a:font script="Arab" typeface="Arial"/>
+        <a:font script="Hebr" typeface="Arial"/>
+        <a:font script="Thai" typeface="Cordia New"/>
+        <a:font script="Ethi" typeface="Nyala"/>
+        <a:font script="Beng" typeface="Vrinda"/>
+        <a:font script="Gujr" typeface="Shruti"/>
+        <a:font script="Khmr" typeface="DaunPenh"/>
+        <a:font script="Knda" typeface="Tunga"/>
+        <a:font script="Guru" typeface="Raavi"/>
+        <a:font script="Cans" typeface="Euphemia"/>
+        <a:font script="Cher" typeface="Plantagenet Cherokee"/>
+        <a:font script="Yiii" typeface="Microsoft Yi Baiti"/>
+        <a:font script="Tibt" typeface="Microsoft Himalaya"/>
+        <a:font script="Thaa" typeface="MV Boli"/>
+        <a:font script="Deva" typeface="Mangal"/>
+        <a:font script="Telu" typeface="Gautami"/>
+        <a:font script="Taml" typeface="Latha"/>
+        <a:font script="Syrc" typeface="Estrangelo Edessa"/>
+        <a:font script="Orya" typeface="Kalinga"/>
+        <a:font script="Mlym" typeface="Kartika"/>
+        <a:font script="Laoo" typeface="DokChampa"/>
+        <a:font script="Sinh" typeface="Iskoola Pota"/>
+        <a:font script="Mong" typeface="Mongolian Baiti"/>
+        <a:font script="Viet" typeface="Arial"/>
+        <a:font script="Uigh" typeface="Microsoft Uighur"/>
+        <a:font script="Geor" typeface="Sylfaen"/>
+        <a:font script="Armn" typeface="Arial"/>
+        <a:font script="Bugi" typeface="Leelawadee UI"/>
+        <a:font script="Bopo" typeface="Microsoft JhengHei"/>
+        <a:font script="Java" typeface="Javanese Text"/>
+        <a:font script="Lisu" typeface="Segoe UI"/>
+        <a:font script="Mymr" typeface="Myanmar Text"/>
+        <a:font script="Nkoo" typeface="Ebrima"/>
+        <a:font script="Olck" typeface="Nirmala UI"/>
+        <a:font script="Osma" typeface="Ebrima"/>
+        <a:font script="Phag" typeface="Phagspa"/>
+        <a:font script="Syrn" typeface="Estrangelo Edessa"/>
+        <a:font script="Syrj" typeface="Estrangelo Edessa"/>
+        <a:font script="Syre" typeface="Estrangelo Edessa"/>
+        <a:font script="Sora" typeface="Nirmala UI"/>
+        <a:font script="Tale" typeface="Microsoft Tai Le"/>
+        <a:font script="Talu" typeface="Microsoft New Tai Lue"/>
+        <a:font script="Tfng" typeface="Ebrima"/>
+      </a:minorFont>
+    </a:fontScheme>
+    <a:fmtScheme name="Office">
+      <a:fillStyleLst>
+        <a:solidFill>
+          <a:schemeClr val="phClr"/>
+        </a:solidFill>
+        <a:gradFill rotWithShape="1">
+          <a:gsLst>
+            <a:gs pos="0">
+              <a:schemeClr val="phClr">
+                <a:lumMod val="110000"/>
+                <a:satMod val="105000"/>
+                <a:tint val="67000"/>
+              </a:schemeClr>
+            </a:gs>
+            <a:gs pos="50000">
+              <a:schemeClr val="phClr">
+                <a:lumMod val="105000"/>
+                <a:satMod val="103000"/>
+                <a:tint val="73000"/>
+              </a:schemeClr>
+            </a:gs>
+            <a:gs pos="100000">
+              <a:schemeClr val="phClr">
+                <a:lumMod val="105000"/>
+                <a:satMod val="109000"/>
+                <a:tint val="81000"/>
+              </a:schemeClr>
+            </a:gs>
+          </a:gsLst>
+          <a:lin ang="5400000" scaled="0"/>
+        </a:gradFill>
+        <a:gradFill rotWithShape="1">
+          <a:gsLst>
+            <a:gs pos="0">
+              <a:schemeClr val="phClr">
+                <a:satMod val="103000"/>
+                <a:lumMod val="102000"/>
+                <a:tint val="94000"/>
+              </a:schemeClr>
+            </a:gs>
+            <a:gs pos="50000">
+              <a:schemeClr val="phClr">
+                <a:satMod val="110000"/>
+                <a:lumMod val="100000"/>
+                <a:shade val="100000"/>
+              </a:schemeClr>
+            </a:gs>
+            <a:gs pos="100000">
+              <a:schemeClr val="phClr">
+                <a:lumMod val="99000"/>
+                <a:satMod val="120000"/>
+                <a:shade val="78000"/>
+              </a:schemeClr>
+            </a:gs>
+          </a:gsLst>
+          <a:lin ang="5400000" scaled="0"/>
+        </a:gradFill>
+      </a:fillStyleLst>
+      <a:lnStyleLst>
+        <a:ln w="6350" cap="flat" cmpd="sng" algn="ctr">
+          <a:solidFill>
+            <a:schemeClr val="phClr"/>
+          </a:solidFill>
+          <a:prstDash val="solid"/>
+          <a:miter lim="800000"/>
+        </a:ln>
+        <a:ln w="12700" cap="flat" cmpd="sng" algn="ctr">
+          <a:solidFill>
+            <a:schemeClr val="phClr"/>
+          </a:solidFill>
+          <a:prstDash val="solid"/>
+          <a:miter lim="800000"/>
+        </a:ln>
+        <a:ln w="19050" cap="flat" cmpd="sng" algn="ctr">
+          <a:solidFill>
+            <a:schemeClr val="phClr"/>
+          </a:solidFill>
+          <a:prstDash val="solid"/>
+          <a:miter lim="800000"/>
+        </a:ln>
+      </a:lnStyleLst>
+      <a:effectStyleLst>
+        <a:effectStyle>
+          <a:effectLst/>
+        </a:effectStyle>
+        <a:effectStyle>
+          <a:effectLst/>
+        </a:effectStyle>
+        <a:effectStyle>
+          <a:effectLst>
+            <a:outerShdw blurRad="57150" dist="19050" dir="5400000" algn="ctr" rotWithShape="0">
+              <a:srgbClr val="000000">
+                <a:alpha val="63000"/>
+              </a:srgbClr>
+            </a:outerShdw>
+          </a:effectLst>
+        </a:effectStyle>
+      </a:effectStyleLst>
+      <a:bgFillStyleLst>
+        <a:solidFill>
+          <a:schemeClr val="phClr"/>
+        </a:solidFill>
+        <a:solidFill>
+          <a:schemeClr val="phClr">
+            <a:tint val="95000"/>
+            <a:satMod val="170000"/>
+          </a:schemeClr>
+        </a:solidFill>
+        <a:gradFill rotWithShape="1">
+          <a:gsLst>
+            <a:gs pos="0">
+              <a:schemeClr val="phClr">
+                <a:tint val="93000"/>
+                <a:satMod val="150000"/>
+                <a:shade val="98000"/>
+                <a:lumMod val="102000"/>
+              </a:schemeClr>
+            </a:gs>
+            <a:gs pos="50000">
+              <a:schemeClr val="phClr">
+                <a:tint val="98000"/>
+                <a:satMod val="130000"/>
+                <a:shade val="90000"/>
+                <a:lumMod val="103000"/>
+              </a:schemeClr>
+            </a:gs>
+            <a:gs pos="100000">
+              <a:schemeClr val="phClr">
+                <a:shade val="63000"/>
+                <a:satMod val="120000"/>
+              </a:schemeClr>
+            </a:gs>
+          </a:gsLst>
+          <a:lin ang="5400000" scaled="0"/>
+        </a:gradFill>
+      </a:bgFillStyleLst>
+    </a:fmtScheme>
+  </a:themeElements>
+  <a:objectDefaults/>
+  <a:extraClrSchemeLst/>
+  <a:extLst>
+    <a:ext uri="{05A4C25C-085E-4340-85A3-A5531E510DB2}">
+      <thm15:themeFamily xmlns:thm15="http://schemas.microsoft.com/office/thememl/2012/main" name="Office Theme" id="{62F939B6-93AF-4DB8-9C6B-D6C7DFDC589F}" vid="{4A3C46E8-61CC-4603-A589-7422A47A8E4A}"/>
+    </a:ext>
+  </a:extLst>
+</a:theme>
+</file>
+
+<file path=ppt/theme/theme3.xml><?xml version="1.0" encoding="utf-8"?>
+<a:theme xmlns:a="http://schemas.openxmlformats.org/drawingml/2006/main" name="Office Theme">
+  <a:themeElements>
+    <a:clrScheme name="Office">
+      <a:dk1>
+        <a:sysClr val="windowText" lastClr="000000"/>
+      </a:dk1>
+      <a:lt1>
+        <a:sysClr val="window" lastClr="FFFFFF"/>
+      </a:lt1>
+      <a:dk2>
+        <a:srgbClr val="44546A"/>
+      </a:dk2>
+      <a:lt2>
+        <a:srgbClr val="E7E6E6"/>
+      </a:lt2>
+      <a:accent1>
+        <a:srgbClr val="4472C4"/>
+      </a:accent1>
+      <a:accent2>
+        <a:srgbClr val="ED7D31"/>
+      </a:accent2>
+      <a:accent3>
+        <a:srgbClr val="A5A5A5"/>
+      </a:accent3>
+      <a:accent4>
+        <a:srgbClr val="FFC000"/>
+      </a:accent4>
+      <a:accent5>
+        <a:srgbClr val="5B9BD5"/>
+      </a:accent5>
+      <a:accent6>
+        <a:srgbClr val="70AD47"/>
+      </a:accent6>
+      <a:hlink>
+        <a:srgbClr val="0563C1"/>
+      </a:hlink>
+      <a:folHlink>
+        <a:srgbClr val="954F72"/>
+      </a:folHlink>
+    </a:clrScheme>
+    <a:fontScheme name="Office">
+      <a:majorFont>
+        <a:latin typeface="Calibri Light" panose="020F0302020204030204"/>
+        <a:ea typeface=""/>
+        <a:cs typeface=""/>
+        <a:font script="Jpan" typeface="游ゴシック Light"/>
+        <a:font script="Hang" typeface="맑은 고딕"/>
+        <a:font script="Hans" typeface="等线 Light"/>
+        <a:font script="Hant" typeface="新細明體"/>
+        <a:font script="Arab" typeface="Times New Roman"/>
+        <a:font script="Hebr" typeface="Times New Roman"/>
+        <a:font script="Thai" typeface="Angsana New"/>
+        <a:font script="Ethi" typeface="Nyala"/>
+        <a:font script="Beng" typeface="Vrinda"/>
+        <a:font script="Gujr" typeface="Shruti"/>
+        <a:font script="Khmr" typeface="MoolBoran"/>
+        <a:font script="Knda" typeface="Tunga"/>
+        <a:font script="Guru" typeface="Raavi"/>
+        <a:font script="Cans" typeface="Euphemia"/>
+        <a:font script="Cher" typeface="Plantagenet Cherokee"/>
+        <a:font script="Yiii" typeface="Microsoft Yi Baiti"/>
+        <a:font script="Tibt" typeface="Microsoft Himalaya"/>
+        <a:font script="Thaa" typeface="MV Boli"/>
+        <a:font script="Deva" typeface="Mangal"/>
+        <a:font script="Telu" typeface="Gautami"/>
+        <a:font script="Taml" typeface="Latha"/>
+        <a:font script="Syrc" typeface="Estrangelo Edessa"/>
+        <a:font script="Orya" typeface="Kalinga"/>
+        <a:font script="Mlym" typeface="Kartika"/>
+        <a:font script="Laoo" typeface="DokChampa"/>
+        <a:font script="Sinh" typeface="Iskoola Pota"/>
+        <a:font script="Mong" typeface="Mongolian Baiti"/>
+        <a:font script="Viet" typeface="Times New Roman"/>
+        <a:font script="Uigh" typeface="Microsoft Uighur"/>
+        <a:font script="Geor" typeface="Sylfaen"/>
+        <a:font script="Armn" typeface="Arial"/>
+        <a:font script="Bugi" typeface="Leelawadee UI"/>
+        <a:font script="Bopo" typeface="Microsoft JhengHei"/>
+        <a:font script="Java" typeface="Javanese Text"/>
+        <a:font script="Lisu" typeface="Segoe UI"/>
+        <a:font script="Mymr" typeface="Myanmar Text"/>
+        <a:font script="Nkoo" typeface="Ebrima"/>
+        <a:font script="Olck" typeface="Nirmala UI"/>
+        <a:font script="Osma" typeface="Ebrima"/>
+        <a:font script="Phag" typeface="Phagspa"/>
+        <a:font script="Syrn" typeface="Estrangelo Edessa"/>
+        <a:font script="Syrj" typeface="Estrangelo Edessa"/>
+        <a:font script="Syre" typeface="Estrangelo Edessa"/>
+        <a:font script="Sora" typeface="Nirmala UI"/>
+        <a:font script="Tale" typeface="Microsoft Tai Le"/>
+        <a:font script="Talu" typeface="Microsoft New Tai Lue"/>
+        <a:font script="Tfng" typeface="Ebrima"/>
+      </a:majorFont>
+      <a:minorFont>
+        <a:latin typeface="Calibri" panose="020F0502020204030204"/>
+        <a:ea typeface=""/>
+        <a:cs typeface=""/>
+        <a:font script="Jpan" typeface="游ゴシック"/>
+        <a:font script="Hang" typeface="맑은 고딕"/>
+        <a:font script="Hans" typeface="等线"/>
+        <a:font script="Hant" typeface="新細明體"/>
+        <a:font script="Arab" typeface="Arial"/>
+        <a:font script="Hebr" typeface="Arial"/>
+        <a:font script="Thai" typeface="Cordia New"/>
+        <a:font script="Ethi" typeface="Nyala"/>
+        <a:font script="Beng" typeface="Vrinda"/>
+        <a:font script="Gujr" typeface="Shruti"/>
+        <a:font script="Khmr" typeface="DaunPenh"/>
+        <a:font script="Knda" typeface="Tunga"/>
+        <a:font script="Guru" typeface="Raavi"/>
+        <a:font script="Cans" typeface="Euphemia"/>
+        <a:font script="Cher" typeface="Plantagenet Cherokee"/>
+        <a:font script="Yiii" typeface="Microsoft Yi Baiti"/>
+        <a:font script="Tibt" typeface="Microsoft Himalaya"/>
+        <a:font script="Thaa" typeface="MV Boli"/>
+        <a:font script="Deva" typeface="Mangal"/>
+        <a:font script="Telu" typeface="Gautami"/>
+        <a:font script="Taml" typeface="Latha"/>
+        <a:font script="Syrc" typeface="Estrangelo Edessa"/>
+        <a:font script="Orya" typeface="Kalinga"/>
+        <a:font script="Mlym" typeface="Kartika"/>
+        <a:font script="Laoo" typeface="DokChampa"/>
+        <a:font script="Sinh" typeface="Iskoola Pota"/>
+        <a:font script="Mong" typeface="Mongolian Baiti"/>
+        <a:font script="Viet" typeface="Arial"/>
+        <a:font script="Uigh" typeface="Microsoft Uighur"/>
+        <a:font script="Geor" typeface="Sylfaen"/>
+        <a:font script="Armn" typeface="Arial"/>
+        <a:font script="Bugi" typeface="Leelawadee UI"/>
+        <a:font script="Bopo" typeface="Microsoft JhengHei"/>
+        <a:font script="Java" typeface="Javanese Text"/>
+        <a:font script="Lisu" typeface="Segoe UI"/>
+        <a:font script="Mymr" typeface="Myanmar Text"/>
+        <a:font script="Nkoo" typeface="Ebrima"/>
+        <a:font script="Olck" typeface="Nirmala UI"/>
+        <a:font script="Osma" typeface="Ebrima"/>
+        <a:font script="Phag" typeface="Phagspa"/>
+        <a:font script="Syrn" typeface="Estrangelo Edessa"/>
+        <a:font script="Syrj" typeface="Estrangelo Edessa"/>
+        <a:font script="Syre" typeface="Estrangelo Edessa"/>
+        <a:font script="Sora" typeface="Nirmala UI"/>
+        <a:font script="Tale" typeface="Microsoft Tai Le"/>
+        <a:font script="Talu" typeface="Microsoft New Tai Lue"/>
+        <a:font script="Tfng" typeface="Ebrima"/>
+      </a:minorFont>
+    </a:fontScheme>
+    <a:fmtScheme name="Office">
+      <a:fillStyleLst>
+        <a:solidFill>
+          <a:schemeClr val="phClr"/>
+        </a:solidFill>
+        <a:gradFill rotWithShape="1">
+          <a:gsLst>
+            <a:gs pos="0">
+              <a:schemeClr val="phClr">
+                <a:lumMod val="110000"/>
+                <a:satMod val="105000"/>
+                <a:tint val="67000"/>
+              </a:schemeClr>
+            </a:gs>
+            <a:gs pos="50000">
+              <a:schemeClr val="phClr">
+                <a:lumMod val="105000"/>
+                <a:satMod val="103000"/>
+                <a:tint val="73000"/>
+              </a:schemeClr>
+            </a:gs>
+            <a:gs pos="100000">
+              <a:schemeClr val="phClr">
+                <a:lumMod val="105000"/>
+                <a:satMod val="109000"/>
+                <a:tint val="81000"/>
+              </a:schemeClr>
+            </a:gs>
+          </a:gsLst>
+          <a:lin ang="5400000" scaled="0"/>
+        </a:gradFill>
+        <a:gradFill rotWithShape="1">
+          <a:gsLst>
+            <a:gs pos="0">
+              <a:schemeClr val="phClr">
+                <a:satMod val="103000"/>
+                <a:lumMod val="102000"/>
+                <a:tint val="94000"/>
+              </a:schemeClr>
+            </a:gs>
+            <a:gs pos="50000">
+              <a:schemeClr val="phClr">
+                <a:satMod val="110000"/>
+                <a:lumMod val="100000"/>
+                <a:shade val="100000"/>
+              </a:schemeClr>
+            </a:gs>
+            <a:gs pos="100000">
+              <a:schemeClr val="phClr">
+                <a:lumMod val="99000"/>
+                <a:satMod val="120000"/>
+                <a:shade val="78000"/>
+              </a:schemeClr>
+            </a:gs>
+          </a:gsLst>
+          <a:lin ang="5400000" scaled="0"/>
+        </a:gradFill>
+      </a:fillStyleLst>
+      <a:lnStyleLst>
+        <a:ln w="6350" cap="flat" cmpd="sng" algn="ctr">
+          <a:solidFill>
+            <a:schemeClr val="phClr"/>
+          </a:solidFill>
+          <a:prstDash val="solid"/>
+          <a:miter lim="800000"/>
+        </a:ln>
+        <a:ln w="12700" cap="flat" cmpd="sng" algn="ctr">
+          <a:solidFill>
+            <a:schemeClr val="phClr"/>
+          </a:solidFill>
+          <a:prstDash val="solid"/>
+          <a:miter lim="800000"/>
+        </a:ln>
+        <a:ln w="19050" cap="flat" cmpd="sng" algn="ctr">
+          <a:solidFill>
+            <a:schemeClr val="phClr"/>
+          </a:solidFill>
+          <a:prstDash val="solid"/>
+          <a:miter lim="800000"/>
+        </a:ln>
+      </a:lnStyleLst>
+      <a:effectStyleLst>
+        <a:effectStyle>
+          <a:effectLst/>
+        </a:effectStyle>
+        <a:effectStyle>
+          <a:effectLst/>
+        </a:effectStyle>
+        <a:effectStyle>
+          <a:effectLst>
+            <a:outerShdw blurRad="57150" dist="19050" dir="5400000" algn="ctr" rotWithShape="0">
+              <a:srgbClr val="000000">
+                <a:alpha val="63000"/>
+              </a:srgbClr>
+            </a:outerShdw>
+          </a:effectLst>
+        </a:effectStyle>
+      </a:effectStyleLst>
+      <a:bgFillStyleLst>
+        <a:solidFill>
+          <a:schemeClr val="phClr"/>
+        </a:solidFill>
+        <a:solidFill>
+          <a:schemeClr val="phClr">
+            <a:tint val="95000"/>
+            <a:satMod val="170000"/>
+          </a:schemeClr>
+        </a:solidFill>
+        <a:gradFill rotWithShape="1">
+          <a:gsLst>
+            <a:gs pos="0">
+              <a:schemeClr val="phClr">
+                <a:tint val="93000"/>
+                <a:satMod val="150000"/>
+                <a:shade val="98000"/>
+                <a:lumMod val="102000"/>
+              </a:schemeClr>
+            </a:gs>
+            <a:gs pos="50000">
+              <a:schemeClr val="phClr">
+                <a:tint val="98000"/>
+                <a:satMod val="130000"/>
+                <a:shade val="90000"/>
+                <a:lumMod val="103000"/>
+              </a:schemeClr>
+            </a:gs>
+            <a:gs pos="100000">
+              <a:schemeClr val="phClr">
+                <a:shade val="63000"/>
+                <a:satMod val="120000"/>
+              </a:schemeClr>
+            </a:gs>
+          </a:gsLst>
+          <a:lin ang="5400000" scaled="0"/>
+        </a:gradFill>
+      </a:bgFillStyleLst>
+    </a:fmtScheme>
+  </a:themeElements>
+  <a:objectDefaults/>
+  <a:extraClrSchemeLst/>
+  <a:extLst>
+    <a:ext uri="{05A4C25C-085E-4340-85A3-A5531E510DB2}">
+      <thm15:themeFamily xmlns:thm15="http://schemas.microsoft.com/office/thememl/2012/main" name="Office Theme" id="{62F939B6-93AF-4DB8-9C6B-D6C7DFDC589F}" vid="{4A3C46E8-61CC-4603-A589-7422A47A8E4A}"/>
+    </a:ext>
+  </a:extLst>
+</a:theme>
 </file>